--- a/기획자료/PYG_보스_스킬_시스템_김세윤.pptx
+++ b/기획자료/PYG_보스_스킬_시스템_김세윤.pptx
@@ -265,7 +265,7 @@
       <p15:notesGuideLst xmlns:p15="http://schemas.microsoft.com/office/powerpoint/2012/main"/>
     </p:ext>
     <p:ext uri="http://customooxmlschemas.google.com/">
-      <go:slidesCustomData xmlns:go="http://customooxmlschemas.google.com/" xmlns:ahyp="http://schemas.microsoft.com/office/drawing/2018/hyperlinkcolor" xmlns:p15="http://schemas.microsoft.com/office/powerpoint/2012/main" xmlns:p14="http://schemas.microsoft.com/office/powerpoint/2010/main" xmlns:com="http://schemas.openxmlformats.org/drawingml/2006/compatibility" xmlns:pvml="urn:schemas-microsoft-com:office:powerpoint" xmlns:v="urn:schemas-microsoft-com:vml" xmlns:o="urn:schemas-microsoft-com:office:office" xmlns:dgm="http://schemas.openxmlformats.org/drawingml/2006/diagram" xmlns:c="http://schemas.openxmlformats.org/drawingml/2006/chart" xmlns:mv="urn:schemas-microsoft-com:mac:vml" xmlns:mc="http://schemas.openxmlformats.org/markup-compatibility/2006" xmlns="" r:id="rId16" roundtripDataSignature="AMtx7mjoc8yIVULp6K+dfz3fr5kxV1yK+Q=="/>
+      <go:slidesCustomData xmlns="" xmlns:mc="http://schemas.openxmlformats.org/markup-compatibility/2006" xmlns:mv="urn:schemas-microsoft-com:mac:vml" xmlns:c="http://schemas.openxmlformats.org/drawingml/2006/chart" xmlns:dgm="http://schemas.openxmlformats.org/drawingml/2006/diagram" xmlns:o="urn:schemas-microsoft-com:office:office" xmlns:v="urn:schemas-microsoft-com:vml" xmlns:pvml="urn:schemas-microsoft-com:office:powerpoint" xmlns:com="http://schemas.openxmlformats.org/drawingml/2006/compatibility" xmlns:p14="http://schemas.microsoft.com/office/powerpoint/2010/main" xmlns:p15="http://schemas.microsoft.com/office/powerpoint/2012/main" xmlns:ahyp="http://schemas.microsoft.com/office/drawing/2018/hyperlinkcolor" xmlns:go="http://customooxmlschemas.google.com/" r:id="rId16" roundtripDataSignature="AMtx7mjoc8yIVULp6K+dfz3fr5kxV1yK+Q=="/>
     </p:ext>
   </p:extLst>
 </p:presentation>
@@ -13369,7 +13369,7 @@
           <p:cNvPr id="56" name="Google Shape;97;p2">
             <a:extLst>
               <a:ext uri="{FF2B5EF4-FFF2-40B4-BE49-F238E27FC236}">
-                <a16:creationId xmlns:a16="http://schemas.microsoft.com/office/drawing/2014/main" xmlns="" id="{62588F5F-EF44-4D87-B105-53BCC0462955}"/>
+                <a16:creationId xmlns:a16="http://schemas.microsoft.com/office/drawing/2014/main" id="{62588F5F-EF44-4D87-B105-53BCC0462955}"/>
               </a:ext>
             </a:extLst>
           </p:cNvPr>
@@ -13403,7 +13403,7 @@
           <p:cNvPr id="31" name="TextBox 30">
             <a:extLst>
               <a:ext uri="{FF2B5EF4-FFF2-40B4-BE49-F238E27FC236}">
-                <a16:creationId xmlns:a16="http://schemas.microsoft.com/office/drawing/2014/main" xmlns="" id="{CC75C9D9-15F2-4CB0-A798-8F3CE0486109}"/>
+                <a16:creationId xmlns:a16="http://schemas.microsoft.com/office/drawing/2014/main" id="{CC75C9D9-15F2-4CB0-A798-8F3CE0486109}"/>
               </a:ext>
             </a:extLst>
           </p:cNvPr>
@@ -13413,7 +13413,7 @@
         <p:spPr>
           <a:xfrm>
             <a:off x="8510695" y="1534879"/>
-            <a:ext cx="3655516" cy="2272610"/>
+            <a:ext cx="3655516" cy="3380605"/>
           </a:xfrm>
           <a:prstGeom prst="rect">
             <a:avLst/>
@@ -13489,13 +13489,6 @@
               </a:rPr>
               <a:t>지정하는 값으로 </a:t>
             </a:r>
-            <a:r>
-              <a:rPr lang="en-US" altLang="ko-KR" sz="1200" dirty="0">
-                <a:latin typeface="+mn-ea"/>
-                <a:ea typeface="+mn-ea"/>
-              </a:rPr>
-              <a:t/>
-            </a:r>
             <a:br>
               <a:rPr lang="en-US" altLang="ko-KR" sz="1200" dirty="0">
                 <a:latin typeface="+mn-ea"/>
@@ -13543,13 +13536,6 @@
                 <a:ea typeface="+mn-ea"/>
               </a:rPr>
               <a:t>은 자신</a:t>
-            </a:r>
-            <a:r>
-              <a:rPr lang="en-US" altLang="ko-KR" sz="1200" dirty="0">
-                <a:latin typeface="+mn-ea"/>
-                <a:ea typeface="+mn-ea"/>
-              </a:rPr>
-              <a:t/>
             </a:r>
             <a:br>
               <a:rPr lang="en-US" altLang="ko-KR" sz="1200" dirty="0">
@@ -13614,13 +13600,6 @@
               </a:rPr>
               <a:t> 범위가 스킬의 효과</a:t>
             </a:r>
-            <a:r>
-              <a:rPr lang="en-US" altLang="ko-KR" sz="1200" dirty="0">
-                <a:latin typeface="+mn-ea"/>
-                <a:ea typeface="+mn-ea"/>
-              </a:rPr>
-              <a:t/>
-            </a:r>
             <a:br>
               <a:rPr lang="en-US" altLang="ko-KR" sz="1200" dirty="0">
                 <a:latin typeface="+mn-ea"/>
@@ -13676,13 +13655,6 @@
               </a:rPr>
               <a:t>에 </a:t>
             </a:r>
-            <a:r>
-              <a:rPr lang="en-US" altLang="ko-KR" sz="1200" dirty="0">
-                <a:latin typeface="+mn-ea"/>
-                <a:ea typeface="+mn-ea"/>
-              </a:rPr>
-              <a:t/>
-            </a:r>
             <a:br>
               <a:rPr lang="en-US" altLang="ko-KR" sz="1200" dirty="0">
                 <a:latin typeface="+mn-ea"/>
@@ -13704,6 +13676,115 @@
               <a:t>.</a:t>
             </a:r>
           </a:p>
+          <a:p>
+            <a:pPr marL="171450" indent="-171450">
+              <a:lnSpc>
+                <a:spcPct val="150000"/>
+              </a:lnSpc>
+              <a:buFont typeface="Arial" panose="020B0604020202020204" pitchFamily="34" charset="0"/>
+              <a:buChar char="•"/>
+            </a:pPr>
+            <a:endParaRPr lang="en-US" altLang="ko-KR" sz="1200" dirty="0">
+              <a:latin typeface="+mn-ea"/>
+              <a:ea typeface="+mn-ea"/>
+            </a:endParaRPr>
+          </a:p>
+          <a:p>
+            <a:pPr>
+              <a:lnSpc>
+                <a:spcPct val="150000"/>
+              </a:lnSpc>
+            </a:pPr>
+            <a:r>
+              <a:rPr lang="ko-KR" altLang="en-US" sz="1200" b="1" dirty="0">
+                <a:latin typeface="+mn-ea"/>
+                <a:ea typeface="+mn-ea"/>
+              </a:rPr>
+              <a:t>사용 스킬의 대상자</a:t>
+            </a:r>
+            <a:endParaRPr lang="en-US" altLang="ko-KR" sz="1200" b="1" dirty="0">
+              <a:latin typeface="+mn-ea"/>
+              <a:ea typeface="+mn-ea"/>
+            </a:endParaRPr>
+          </a:p>
+          <a:p>
+            <a:pPr marL="171450" indent="-171450">
+              <a:lnSpc>
+                <a:spcPct val="150000"/>
+              </a:lnSpc>
+              <a:buFont typeface="Arial" panose="020B0604020202020204" pitchFamily="34" charset="0"/>
+              <a:buChar char="•"/>
+            </a:pPr>
+            <a:r>
+              <a:rPr lang="ko-KR" altLang="en-US" sz="1200" dirty="0">
+                <a:latin typeface="+mn-ea"/>
+                <a:ea typeface="+mn-ea"/>
+              </a:rPr>
+              <a:t>대상자 </a:t>
+            </a:r>
+            <a:r>
+              <a:rPr lang="en-US" altLang="ko-KR" sz="1200" dirty="0">
+                <a:latin typeface="+mn-ea"/>
+                <a:ea typeface="+mn-ea"/>
+              </a:rPr>
+              <a:t>= </a:t>
+            </a:r>
+            <a:r>
+              <a:rPr lang="ko-KR" altLang="en-US" sz="1200" dirty="0">
+                <a:latin typeface="+mn-ea"/>
+                <a:ea typeface="+mn-ea"/>
+              </a:rPr>
+              <a:t>시전 대상</a:t>
+            </a:r>
+            <a:endParaRPr lang="en-US" altLang="ko-KR" sz="1200" dirty="0">
+              <a:latin typeface="+mn-ea"/>
+              <a:ea typeface="+mn-ea"/>
+            </a:endParaRPr>
+          </a:p>
+          <a:p>
+            <a:pPr marL="171450" indent="-171450">
+              <a:lnSpc>
+                <a:spcPct val="150000"/>
+              </a:lnSpc>
+              <a:buFont typeface="Arial" panose="020B0604020202020204" pitchFamily="34" charset="0"/>
+              <a:buChar char="•"/>
+            </a:pPr>
+            <a:r>
+              <a:rPr lang="en-US" altLang="ko-KR" sz="1200" b="1" dirty="0">
+                <a:latin typeface="+mn-ea"/>
+                <a:ea typeface="+mn-ea"/>
+              </a:rPr>
+              <a:t>(</a:t>
+            </a:r>
+            <a:r>
+              <a:rPr lang="ko-KR" altLang="en-US" sz="1200" dirty="0">
+                <a:latin typeface="+mn-ea"/>
+                <a:ea typeface="+mn-ea"/>
+              </a:rPr>
+              <a:t>분류 </a:t>
+            </a:r>
+            <a:r>
+              <a:rPr lang="en-US" altLang="ko-KR" sz="1200" dirty="0">
+                <a:latin typeface="+mn-ea"/>
+                <a:ea typeface="+mn-ea"/>
+              </a:rPr>
+              <a:t>= </a:t>
+            </a:r>
+            <a:r>
+              <a:rPr lang="ko-KR" altLang="en-US" sz="1200" dirty="0">
+                <a:latin typeface="+mn-ea"/>
+                <a:ea typeface="+mn-ea"/>
+              </a:rPr>
+              <a:t>시전 위치</a:t>
+            </a:r>
+            <a:r>
+              <a:rPr lang="en-US" altLang="ko-KR" sz="1200" dirty="0">
+                <a:latin typeface="+mn-ea"/>
+                <a:ea typeface="+mn-ea"/>
+              </a:rPr>
+              <a:t>)</a:t>
+            </a:r>
+          </a:p>
         </p:txBody>
       </p:sp>
       <p:grpSp>
@@ -13711,7 +13792,7 @@
           <p:cNvPr id="13" name="Google Shape;222;p5">
             <a:extLst>
               <a:ext uri="{FF2B5EF4-FFF2-40B4-BE49-F238E27FC236}">
-                <a16:creationId xmlns:a16="http://schemas.microsoft.com/office/drawing/2014/main" xmlns="" id="{DF733A87-320E-4102-B10D-857A11C237AA}"/>
+                <a16:creationId xmlns:a16="http://schemas.microsoft.com/office/drawing/2014/main" id="{DF733A87-320E-4102-B10D-857A11C237AA}"/>
               </a:ext>
             </a:extLst>
           </p:cNvPr>
@@ -13731,7 +13812,7 @@
             <p:cNvPr id="14" name="Google Shape;223;p5">
               <a:extLst>
                 <a:ext uri="{FF2B5EF4-FFF2-40B4-BE49-F238E27FC236}">
-                  <a16:creationId xmlns:a16="http://schemas.microsoft.com/office/drawing/2014/main" xmlns="" id="{8E6A362A-6639-4434-A752-0C6BA669A57D}"/>
+                  <a16:creationId xmlns:a16="http://schemas.microsoft.com/office/drawing/2014/main" id="{8E6A362A-6639-4434-A752-0C6BA669A57D}"/>
                 </a:ext>
               </a:extLst>
             </p:cNvPr>
@@ -13751,7 +13832,7 @@
               <p:cNvPr id="40" name="Google Shape;224;p5">
                 <a:extLst>
                   <a:ext uri="{FF2B5EF4-FFF2-40B4-BE49-F238E27FC236}">
-                    <a16:creationId xmlns:a16="http://schemas.microsoft.com/office/drawing/2014/main" xmlns="" id="{E9DB7264-22CB-4124-9352-C6790A8D1E05}"/>
+                    <a16:creationId xmlns:a16="http://schemas.microsoft.com/office/drawing/2014/main" id="{E9DB7264-22CB-4124-9352-C6790A8D1E05}"/>
                   </a:ext>
                 </a:extLst>
               </p:cNvPr>
@@ -13771,7 +13852,7 @@
                 <p:cNvPr id="50" name="Google Shape;225;p5">
                   <a:extLst>
                     <a:ext uri="{FF2B5EF4-FFF2-40B4-BE49-F238E27FC236}">
-                      <a16:creationId xmlns:a16="http://schemas.microsoft.com/office/drawing/2014/main" xmlns="" id="{939543F8-15C7-4912-B7FA-3A69AD66E22B}"/>
+                      <a16:creationId xmlns:a16="http://schemas.microsoft.com/office/drawing/2014/main" id="{939543F8-15C7-4912-B7FA-3A69AD66E22B}"/>
                     </a:ext>
                   </a:extLst>
                 </p:cNvPr>
@@ -13834,7 +13915,7 @@
                 <p:cNvPr id="51" name="Google Shape;226;p5">
                   <a:extLst>
                     <a:ext uri="{FF2B5EF4-FFF2-40B4-BE49-F238E27FC236}">
-                      <a16:creationId xmlns:a16="http://schemas.microsoft.com/office/drawing/2014/main" xmlns="" id="{3B1A3F6D-922F-40B8-9D11-7041D88704AA}"/>
+                      <a16:creationId xmlns:a16="http://schemas.microsoft.com/office/drawing/2014/main" id="{3B1A3F6D-922F-40B8-9D11-7041D88704AA}"/>
                     </a:ext>
                   </a:extLst>
                 </p:cNvPr>
@@ -13897,7 +13978,7 @@
                 <p:cNvPr id="52" name="Google Shape;227;p5">
                   <a:extLst>
                     <a:ext uri="{FF2B5EF4-FFF2-40B4-BE49-F238E27FC236}">
-                      <a16:creationId xmlns:a16="http://schemas.microsoft.com/office/drawing/2014/main" xmlns="" id="{F279AED2-7D9F-4F8A-A80B-4BAFD93EC53F}"/>
+                      <a16:creationId xmlns:a16="http://schemas.microsoft.com/office/drawing/2014/main" id="{F279AED2-7D9F-4F8A-A80B-4BAFD93EC53F}"/>
                     </a:ext>
                   </a:extLst>
                 </p:cNvPr>
@@ -13952,7 +14033,7 @@
                 <p:cNvPr id="54" name="Google Shape;229;p5">
                   <a:extLst>
                     <a:ext uri="{FF2B5EF4-FFF2-40B4-BE49-F238E27FC236}">
-                      <a16:creationId xmlns:a16="http://schemas.microsoft.com/office/drawing/2014/main" xmlns="" id="{ABB137C5-5468-49E6-B59E-B73543740219}"/>
+                      <a16:creationId xmlns:a16="http://schemas.microsoft.com/office/drawing/2014/main" id="{ABB137C5-5468-49E6-B59E-B73543740219}"/>
                     </a:ext>
                   </a:extLst>
                 </p:cNvPr>
@@ -14007,7 +14088,7 @@
                 <p:cNvPr id="57" name="Google Shape;231;p5">
                   <a:extLst>
                     <a:ext uri="{FF2B5EF4-FFF2-40B4-BE49-F238E27FC236}">
-                      <a16:creationId xmlns:a16="http://schemas.microsoft.com/office/drawing/2014/main" xmlns="" id="{2B7C9FF9-3904-40CF-9A81-5B5AD8B75380}"/>
+                      <a16:creationId xmlns:a16="http://schemas.microsoft.com/office/drawing/2014/main" id="{2B7C9FF9-3904-40CF-9A81-5B5AD8B75380}"/>
                     </a:ext>
                   </a:extLst>
                 </p:cNvPr>
@@ -14070,7 +14151,7 @@
                 <p:cNvPr id="58" name="Google Shape;232;p5">
                   <a:extLst>
                     <a:ext uri="{FF2B5EF4-FFF2-40B4-BE49-F238E27FC236}">
-                      <a16:creationId xmlns:a16="http://schemas.microsoft.com/office/drawing/2014/main" xmlns="" id="{0475544F-CEE4-4470-A6A4-6D0BECB04716}"/>
+                      <a16:creationId xmlns:a16="http://schemas.microsoft.com/office/drawing/2014/main" id="{0475544F-CEE4-4470-A6A4-6D0BECB04716}"/>
                     </a:ext>
                   </a:extLst>
                 </p:cNvPr>
@@ -14134,7 +14215,7 @@
               <p:cNvPr id="41" name="Google Shape;233;p5">
                 <a:extLst>
                   <a:ext uri="{FF2B5EF4-FFF2-40B4-BE49-F238E27FC236}">
-                    <a16:creationId xmlns:a16="http://schemas.microsoft.com/office/drawing/2014/main" xmlns="" id="{9B5E2C67-6A46-41F3-8B77-A82F50E208D2}"/>
+                    <a16:creationId xmlns:a16="http://schemas.microsoft.com/office/drawing/2014/main" id="{9B5E2C67-6A46-41F3-8B77-A82F50E208D2}"/>
                   </a:ext>
                 </a:extLst>
               </p:cNvPr>
@@ -14154,7 +14235,7 @@
                 <p:cNvPr id="42" name="Google Shape;234;p5">
                   <a:extLst>
                     <a:ext uri="{FF2B5EF4-FFF2-40B4-BE49-F238E27FC236}">
-                      <a16:creationId xmlns:a16="http://schemas.microsoft.com/office/drawing/2014/main" xmlns="" id="{EEAC6096-7A42-4CF6-AFFE-F154B2D22863}"/>
+                      <a16:creationId xmlns:a16="http://schemas.microsoft.com/office/drawing/2014/main" id="{EEAC6096-7A42-4CF6-AFFE-F154B2D22863}"/>
                     </a:ext>
                   </a:extLst>
                 </p:cNvPr>
@@ -14217,7 +14298,7 @@
                 <p:cNvPr id="43" name="Google Shape;235;p5">
                   <a:extLst>
                     <a:ext uri="{FF2B5EF4-FFF2-40B4-BE49-F238E27FC236}">
-                      <a16:creationId xmlns:a16="http://schemas.microsoft.com/office/drawing/2014/main" xmlns="" id="{B75559D3-14F5-49CE-B80E-FB7DDD01A0CD}"/>
+                      <a16:creationId xmlns:a16="http://schemas.microsoft.com/office/drawing/2014/main" id="{B75559D3-14F5-49CE-B80E-FB7DDD01A0CD}"/>
                     </a:ext>
                   </a:extLst>
                 </p:cNvPr>
@@ -14272,7 +14353,7 @@
                 <p:cNvPr id="45" name="Google Shape;237;p5">
                   <a:extLst>
                     <a:ext uri="{FF2B5EF4-FFF2-40B4-BE49-F238E27FC236}">
-                      <a16:creationId xmlns:a16="http://schemas.microsoft.com/office/drawing/2014/main" xmlns="" id="{ECB5F8CA-B006-4CBC-8C33-4835E74EA08C}"/>
+                      <a16:creationId xmlns:a16="http://schemas.microsoft.com/office/drawing/2014/main" id="{ECB5F8CA-B006-4CBC-8C33-4835E74EA08C}"/>
                     </a:ext>
                   </a:extLst>
                 </p:cNvPr>
@@ -14335,7 +14416,7 @@
                 <p:cNvPr id="46" name="Google Shape;238;p5">
                   <a:extLst>
                     <a:ext uri="{FF2B5EF4-FFF2-40B4-BE49-F238E27FC236}">
-                      <a16:creationId xmlns:a16="http://schemas.microsoft.com/office/drawing/2014/main" xmlns="" id="{28630FEE-0004-4085-A019-10A211245A67}"/>
+                      <a16:creationId xmlns:a16="http://schemas.microsoft.com/office/drawing/2014/main" id="{28630FEE-0004-4085-A019-10A211245A67}"/>
                     </a:ext>
                   </a:extLst>
                 </p:cNvPr>
@@ -14390,7 +14471,7 @@
                 <p:cNvPr id="48" name="Google Shape;240;p5">
                   <a:extLst>
                     <a:ext uri="{FF2B5EF4-FFF2-40B4-BE49-F238E27FC236}">
-                      <a16:creationId xmlns:a16="http://schemas.microsoft.com/office/drawing/2014/main" xmlns="" id="{C07CBEFF-AC23-48EE-9AAC-1FA1D8A06680}"/>
+                      <a16:creationId xmlns:a16="http://schemas.microsoft.com/office/drawing/2014/main" id="{C07CBEFF-AC23-48EE-9AAC-1FA1D8A06680}"/>
                     </a:ext>
                   </a:extLst>
                 </p:cNvPr>
@@ -14453,7 +14534,7 @@
                 <p:cNvPr id="49" name="Google Shape;241;p5">
                   <a:extLst>
                     <a:ext uri="{FF2B5EF4-FFF2-40B4-BE49-F238E27FC236}">
-                      <a16:creationId xmlns:a16="http://schemas.microsoft.com/office/drawing/2014/main" xmlns="" id="{7B5E2799-9016-421C-90B2-8F7868573E65}"/>
+                      <a16:creationId xmlns:a16="http://schemas.microsoft.com/office/drawing/2014/main" id="{7B5E2799-9016-421C-90B2-8F7868573E65}"/>
                     </a:ext>
                   </a:extLst>
                 </p:cNvPr>
@@ -14518,7 +14599,7 @@
             <p:cNvPr id="15" name="Google Shape;242;p5">
               <a:extLst>
                 <a:ext uri="{FF2B5EF4-FFF2-40B4-BE49-F238E27FC236}">
-                  <a16:creationId xmlns:a16="http://schemas.microsoft.com/office/drawing/2014/main" xmlns="" id="{4AC07D8C-D0DB-4C25-866D-48F160CF4CBD}"/>
+                  <a16:creationId xmlns:a16="http://schemas.microsoft.com/office/drawing/2014/main" id="{4AC07D8C-D0DB-4C25-866D-48F160CF4CBD}"/>
                 </a:ext>
               </a:extLst>
             </p:cNvPr>
@@ -14538,7 +14619,7 @@
               <p:cNvPr id="23" name="Google Shape;243;p5">
                 <a:extLst>
                   <a:ext uri="{FF2B5EF4-FFF2-40B4-BE49-F238E27FC236}">
-                    <a16:creationId xmlns:a16="http://schemas.microsoft.com/office/drawing/2014/main" xmlns="" id="{F0996B27-C44F-46C5-B28D-70D56FE32A2E}"/>
+                    <a16:creationId xmlns:a16="http://schemas.microsoft.com/office/drawing/2014/main" id="{F0996B27-C44F-46C5-B28D-70D56FE32A2E}"/>
                   </a:ext>
                 </a:extLst>
               </p:cNvPr>
@@ -14558,7 +14639,7 @@
                 <p:cNvPr id="32" name="Google Shape;244;p5">
                   <a:extLst>
                     <a:ext uri="{FF2B5EF4-FFF2-40B4-BE49-F238E27FC236}">
-                      <a16:creationId xmlns:a16="http://schemas.microsoft.com/office/drawing/2014/main" xmlns="" id="{DDF56EF9-DF75-4F42-ABE9-769413AE8D65}"/>
+                      <a16:creationId xmlns:a16="http://schemas.microsoft.com/office/drawing/2014/main" id="{DDF56EF9-DF75-4F42-ABE9-769413AE8D65}"/>
                     </a:ext>
                   </a:extLst>
                 </p:cNvPr>
@@ -14621,7 +14702,7 @@
                 <p:cNvPr id="33" name="Google Shape;245;p5">
                   <a:extLst>
                     <a:ext uri="{FF2B5EF4-FFF2-40B4-BE49-F238E27FC236}">
-                      <a16:creationId xmlns:a16="http://schemas.microsoft.com/office/drawing/2014/main" xmlns="" id="{30F9EBDA-7D12-4358-BAA3-2AF5D9245942}"/>
+                      <a16:creationId xmlns:a16="http://schemas.microsoft.com/office/drawing/2014/main" id="{30F9EBDA-7D12-4358-BAA3-2AF5D9245942}"/>
                     </a:ext>
                   </a:extLst>
                 </p:cNvPr>
@@ -14684,7 +14765,7 @@
                 <p:cNvPr id="34" name="Google Shape;246;p5">
                   <a:extLst>
                     <a:ext uri="{FF2B5EF4-FFF2-40B4-BE49-F238E27FC236}">
-                      <a16:creationId xmlns:a16="http://schemas.microsoft.com/office/drawing/2014/main" xmlns="" id="{2A2D70C6-90B9-4CB4-BA29-CAC6D31397A5}"/>
+                      <a16:creationId xmlns:a16="http://schemas.microsoft.com/office/drawing/2014/main" id="{2A2D70C6-90B9-4CB4-BA29-CAC6D31397A5}"/>
                     </a:ext>
                   </a:extLst>
                 </p:cNvPr>
@@ -14739,7 +14820,7 @@
                 <p:cNvPr id="36" name="Google Shape;248;p5">
                   <a:extLst>
                     <a:ext uri="{FF2B5EF4-FFF2-40B4-BE49-F238E27FC236}">
-                      <a16:creationId xmlns:a16="http://schemas.microsoft.com/office/drawing/2014/main" xmlns="" id="{7F5CFE63-EF5B-4071-8429-2AAB6B8B7581}"/>
+                      <a16:creationId xmlns:a16="http://schemas.microsoft.com/office/drawing/2014/main" id="{7F5CFE63-EF5B-4071-8429-2AAB6B8B7581}"/>
                     </a:ext>
                   </a:extLst>
                 </p:cNvPr>
@@ -14794,7 +14875,7 @@
                 <p:cNvPr id="38" name="Google Shape;250;p5">
                   <a:extLst>
                     <a:ext uri="{FF2B5EF4-FFF2-40B4-BE49-F238E27FC236}">
-                      <a16:creationId xmlns:a16="http://schemas.microsoft.com/office/drawing/2014/main" xmlns="" id="{E6FE6F3F-4FA4-4563-A3E1-C0F66B51DE60}"/>
+                      <a16:creationId xmlns:a16="http://schemas.microsoft.com/office/drawing/2014/main" id="{E6FE6F3F-4FA4-4563-A3E1-C0F66B51DE60}"/>
                     </a:ext>
                   </a:extLst>
                 </p:cNvPr>
@@ -14857,7 +14938,7 @@
                 <p:cNvPr id="39" name="Google Shape;251;p5">
                   <a:extLst>
                     <a:ext uri="{FF2B5EF4-FFF2-40B4-BE49-F238E27FC236}">
-                      <a16:creationId xmlns:a16="http://schemas.microsoft.com/office/drawing/2014/main" xmlns="" id="{20779659-A168-40EB-B881-47EB493F0382}"/>
+                      <a16:creationId xmlns:a16="http://schemas.microsoft.com/office/drawing/2014/main" id="{20779659-A168-40EB-B881-47EB493F0382}"/>
                     </a:ext>
                   </a:extLst>
                 </p:cNvPr>
@@ -14921,7 +15002,7 @@
               <p:cNvPr id="24" name="Google Shape;252;p5">
                 <a:extLst>
                   <a:ext uri="{FF2B5EF4-FFF2-40B4-BE49-F238E27FC236}">
-                    <a16:creationId xmlns:a16="http://schemas.microsoft.com/office/drawing/2014/main" xmlns="" id="{64473F5B-4590-4589-9950-6EF6B86AE2C5}"/>
+                    <a16:creationId xmlns:a16="http://schemas.microsoft.com/office/drawing/2014/main" id="{64473F5B-4590-4589-9950-6EF6B86AE2C5}"/>
                   </a:ext>
                 </a:extLst>
               </p:cNvPr>
@@ -14941,7 +15022,7 @@
                 <p:cNvPr id="25" name="Google Shape;253;p5">
                   <a:extLst>
                     <a:ext uri="{FF2B5EF4-FFF2-40B4-BE49-F238E27FC236}">
-                      <a16:creationId xmlns:a16="http://schemas.microsoft.com/office/drawing/2014/main" xmlns="" id="{80894CCC-4639-4059-B4EA-49BB60527D29}"/>
+                      <a16:creationId xmlns:a16="http://schemas.microsoft.com/office/drawing/2014/main" id="{80894CCC-4639-4059-B4EA-49BB60527D29}"/>
                     </a:ext>
                   </a:extLst>
                 </p:cNvPr>
@@ -15004,7 +15085,7 @@
                 <p:cNvPr id="26" name="Google Shape;254;p5">
                   <a:extLst>
                     <a:ext uri="{FF2B5EF4-FFF2-40B4-BE49-F238E27FC236}">
-                      <a16:creationId xmlns:a16="http://schemas.microsoft.com/office/drawing/2014/main" xmlns="" id="{CC6BE0D9-0F7E-4CEE-8ADE-641A2B8BA585}"/>
+                      <a16:creationId xmlns:a16="http://schemas.microsoft.com/office/drawing/2014/main" id="{CC6BE0D9-0F7E-4CEE-8ADE-641A2B8BA585}"/>
                     </a:ext>
                   </a:extLst>
                 </p:cNvPr>
@@ -15067,7 +15148,7 @@
                 <p:cNvPr id="27" name="Google Shape;255;p5">
                   <a:extLst>
                     <a:ext uri="{FF2B5EF4-FFF2-40B4-BE49-F238E27FC236}">
-                      <a16:creationId xmlns:a16="http://schemas.microsoft.com/office/drawing/2014/main" xmlns="" id="{EB5807E3-0DBA-49E7-B0E7-3CDFF428FAA4}"/>
+                      <a16:creationId xmlns:a16="http://schemas.microsoft.com/office/drawing/2014/main" id="{EB5807E3-0DBA-49E7-B0E7-3CDFF428FAA4}"/>
                     </a:ext>
                   </a:extLst>
                 </p:cNvPr>
@@ -15130,7 +15211,7 @@
                 <p:cNvPr id="28" name="Google Shape;256;p5">
                   <a:extLst>
                     <a:ext uri="{FF2B5EF4-FFF2-40B4-BE49-F238E27FC236}">
-                      <a16:creationId xmlns:a16="http://schemas.microsoft.com/office/drawing/2014/main" xmlns="" id="{FBF41069-FFCA-4875-9ED6-AEDBE7ABBE22}"/>
+                      <a16:creationId xmlns:a16="http://schemas.microsoft.com/office/drawing/2014/main" id="{FBF41069-FFCA-4875-9ED6-AEDBE7ABBE22}"/>
                     </a:ext>
                   </a:extLst>
                 </p:cNvPr>
@@ -15193,7 +15274,7 @@
                 <p:cNvPr id="29" name="Google Shape;257;p5">
                   <a:extLst>
                     <a:ext uri="{FF2B5EF4-FFF2-40B4-BE49-F238E27FC236}">
-                      <a16:creationId xmlns:a16="http://schemas.microsoft.com/office/drawing/2014/main" xmlns="" id="{68722AA1-70B6-4111-93A8-1DAFEE187FA1}"/>
+                      <a16:creationId xmlns:a16="http://schemas.microsoft.com/office/drawing/2014/main" id="{68722AA1-70B6-4111-93A8-1DAFEE187FA1}"/>
                     </a:ext>
                   </a:extLst>
                 </p:cNvPr>
@@ -15256,7 +15337,7 @@
                 <p:cNvPr id="30" name="Google Shape;258;p5">
                   <a:extLst>
                     <a:ext uri="{FF2B5EF4-FFF2-40B4-BE49-F238E27FC236}">
-                      <a16:creationId xmlns:a16="http://schemas.microsoft.com/office/drawing/2014/main" xmlns="" id="{273B0725-298A-4328-8FB2-7C06B4A8DE32}"/>
+                      <a16:creationId xmlns:a16="http://schemas.microsoft.com/office/drawing/2014/main" id="{273B0725-298A-4328-8FB2-7C06B4A8DE32}"/>
                     </a:ext>
                   </a:extLst>
                 </p:cNvPr>
@@ -15321,7 +15402,7 @@
             <p:cNvPr id="16" name="Google Shape;259;p5">
               <a:extLst>
                 <a:ext uri="{FF2B5EF4-FFF2-40B4-BE49-F238E27FC236}">
-                  <a16:creationId xmlns:a16="http://schemas.microsoft.com/office/drawing/2014/main" xmlns="" id="{8502A773-1CFE-485D-9E1E-491E8C2A30AF}"/>
+                  <a16:creationId xmlns:a16="http://schemas.microsoft.com/office/drawing/2014/main" id="{8502A773-1CFE-485D-9E1E-491E8C2A30AF}"/>
                 </a:ext>
               </a:extLst>
             </p:cNvPr>
@@ -15341,7 +15422,7 @@
               <p:cNvPr id="17" name="Google Shape;260;p5">
                 <a:extLst>
                   <a:ext uri="{FF2B5EF4-FFF2-40B4-BE49-F238E27FC236}">
-                    <a16:creationId xmlns:a16="http://schemas.microsoft.com/office/drawing/2014/main" xmlns="" id="{B7E111D1-6830-459B-A81F-B6AFB22A6947}"/>
+                    <a16:creationId xmlns:a16="http://schemas.microsoft.com/office/drawing/2014/main" id="{B7E111D1-6830-459B-A81F-B6AFB22A6947}"/>
                   </a:ext>
                 </a:extLst>
               </p:cNvPr>
@@ -15404,7 +15485,7 @@
               <p:cNvPr id="18" name="Google Shape;261;p5">
                 <a:extLst>
                   <a:ext uri="{FF2B5EF4-FFF2-40B4-BE49-F238E27FC236}">
-                    <a16:creationId xmlns:a16="http://schemas.microsoft.com/office/drawing/2014/main" xmlns="" id="{61F1BC2B-3B20-47C6-9DB3-C5B66EBB280E}"/>
+                    <a16:creationId xmlns:a16="http://schemas.microsoft.com/office/drawing/2014/main" id="{61F1BC2B-3B20-47C6-9DB3-C5B66EBB280E}"/>
                   </a:ext>
                 </a:extLst>
               </p:cNvPr>
@@ -15467,7 +15548,7 @@
               <p:cNvPr id="19" name="Google Shape;262;p5">
                 <a:extLst>
                   <a:ext uri="{FF2B5EF4-FFF2-40B4-BE49-F238E27FC236}">
-                    <a16:creationId xmlns:a16="http://schemas.microsoft.com/office/drawing/2014/main" xmlns="" id="{6C8ADEF5-0DDB-4F87-AD66-3EF3CA8FEE94}"/>
+                    <a16:creationId xmlns:a16="http://schemas.microsoft.com/office/drawing/2014/main" id="{6C8ADEF5-0DDB-4F87-AD66-3EF3CA8FEE94}"/>
                   </a:ext>
                 </a:extLst>
               </p:cNvPr>
@@ -15530,7 +15611,7 @@
               <p:cNvPr id="20" name="Google Shape;263;p5">
                 <a:extLst>
                   <a:ext uri="{FF2B5EF4-FFF2-40B4-BE49-F238E27FC236}">
-                    <a16:creationId xmlns:a16="http://schemas.microsoft.com/office/drawing/2014/main" xmlns="" id="{449C1977-56DF-468A-998F-5D476388D0F9}"/>
+                    <a16:creationId xmlns:a16="http://schemas.microsoft.com/office/drawing/2014/main" id="{449C1977-56DF-468A-998F-5D476388D0F9}"/>
                   </a:ext>
                 </a:extLst>
               </p:cNvPr>
@@ -15593,7 +15674,7 @@
               <p:cNvPr id="21" name="Google Shape;264;p5">
                 <a:extLst>
                   <a:ext uri="{FF2B5EF4-FFF2-40B4-BE49-F238E27FC236}">
-                    <a16:creationId xmlns:a16="http://schemas.microsoft.com/office/drawing/2014/main" xmlns="" id="{E2C3AB1E-C611-467F-A3D7-971382FA9B13}"/>
+                    <a16:creationId xmlns:a16="http://schemas.microsoft.com/office/drawing/2014/main" id="{E2C3AB1E-C611-467F-A3D7-971382FA9B13}"/>
                   </a:ext>
                 </a:extLst>
               </p:cNvPr>
@@ -15656,7 +15737,7 @@
               <p:cNvPr id="22" name="Google Shape;265;p5">
                 <a:extLst>
                   <a:ext uri="{FF2B5EF4-FFF2-40B4-BE49-F238E27FC236}">
-                    <a16:creationId xmlns:a16="http://schemas.microsoft.com/office/drawing/2014/main" xmlns="" id="{73136191-6D72-4D07-8315-AA8294F0441A}"/>
+                    <a16:creationId xmlns:a16="http://schemas.microsoft.com/office/drawing/2014/main" id="{73136191-6D72-4D07-8315-AA8294F0441A}"/>
                   </a:ext>
                 </a:extLst>
               </p:cNvPr>
@@ -15721,7 +15802,7 @@
           <p:cNvPr id="62" name="그림 61">
             <a:extLst>
               <a:ext uri="{FF2B5EF4-FFF2-40B4-BE49-F238E27FC236}">
-                <a16:creationId xmlns:a16="http://schemas.microsoft.com/office/drawing/2014/main" xmlns="" id="{B6CF988E-0FDC-45AC-AE29-A91246C62D79}"/>
+                <a16:creationId xmlns:a16="http://schemas.microsoft.com/office/drawing/2014/main" id="{B6CF988E-0FDC-45AC-AE29-A91246C62D79}"/>
               </a:ext>
             </a:extLst>
           </p:cNvPr>
@@ -15757,7 +15838,7 @@
           <p:cNvPr id="3" name="타원 2">
             <a:extLst>
               <a:ext uri="{FF2B5EF4-FFF2-40B4-BE49-F238E27FC236}">
-                <a16:creationId xmlns:a16="http://schemas.microsoft.com/office/drawing/2014/main" xmlns="" id="{924B4F2D-AF25-9B80-5815-D1DDA835911C}"/>
+                <a16:creationId xmlns:a16="http://schemas.microsoft.com/office/drawing/2014/main" id="{924B4F2D-AF25-9B80-5815-D1DDA835911C}"/>
               </a:ext>
             </a:extLst>
           </p:cNvPr>
@@ -15810,7 +15891,7 @@
           <p:cNvPr id="64" name="타원 63">
             <a:extLst>
               <a:ext uri="{FF2B5EF4-FFF2-40B4-BE49-F238E27FC236}">
-                <a16:creationId xmlns:a16="http://schemas.microsoft.com/office/drawing/2014/main" xmlns="" id="{F623653E-FC2D-29B3-0587-CFCEFC6E0612}"/>
+                <a16:creationId xmlns:a16="http://schemas.microsoft.com/office/drawing/2014/main" id="{F623653E-FC2D-29B3-0587-CFCEFC6E0612}"/>
               </a:ext>
             </a:extLst>
           </p:cNvPr>
@@ -15863,7 +15944,7 @@
           <p:cNvPr id="65" name="타원 64">
             <a:extLst>
               <a:ext uri="{FF2B5EF4-FFF2-40B4-BE49-F238E27FC236}">
-                <a16:creationId xmlns:a16="http://schemas.microsoft.com/office/drawing/2014/main" xmlns="" id="{30BA8B6C-22A8-C16D-24A4-4DBEA6374822}"/>
+                <a16:creationId xmlns:a16="http://schemas.microsoft.com/office/drawing/2014/main" id="{30BA8B6C-22A8-C16D-24A4-4DBEA6374822}"/>
               </a:ext>
             </a:extLst>
           </p:cNvPr>
@@ -15916,7 +15997,7 @@
           <p:cNvPr id="67" name="타원 66">
             <a:extLst>
               <a:ext uri="{FF2B5EF4-FFF2-40B4-BE49-F238E27FC236}">
-                <a16:creationId xmlns:a16="http://schemas.microsoft.com/office/drawing/2014/main" xmlns="" id="{835F3297-9676-391C-EBE6-D3A45E60A83B}"/>
+                <a16:creationId xmlns:a16="http://schemas.microsoft.com/office/drawing/2014/main" id="{835F3297-9676-391C-EBE6-D3A45E60A83B}"/>
               </a:ext>
             </a:extLst>
           </p:cNvPr>
@@ -15969,7 +16050,7 @@
           <p:cNvPr id="68" name="타원 67">
             <a:extLst>
               <a:ext uri="{FF2B5EF4-FFF2-40B4-BE49-F238E27FC236}">
-                <a16:creationId xmlns:a16="http://schemas.microsoft.com/office/drawing/2014/main" xmlns="" id="{5611FCF5-BA3F-4783-BA2D-B4A3AAAE82BB}"/>
+                <a16:creationId xmlns:a16="http://schemas.microsoft.com/office/drawing/2014/main" id="{5611FCF5-BA3F-4783-BA2D-B4A3AAAE82BB}"/>
               </a:ext>
             </a:extLst>
           </p:cNvPr>
@@ -16022,7 +16103,7 @@
           <p:cNvPr id="69" name="타원 68">
             <a:extLst>
               <a:ext uri="{FF2B5EF4-FFF2-40B4-BE49-F238E27FC236}">
-                <a16:creationId xmlns:a16="http://schemas.microsoft.com/office/drawing/2014/main" xmlns="" id="{51A74C35-9D13-00BE-D64B-5661E6234318}"/>
+                <a16:creationId xmlns:a16="http://schemas.microsoft.com/office/drawing/2014/main" id="{51A74C35-9D13-00BE-D64B-5661E6234318}"/>
               </a:ext>
             </a:extLst>
           </p:cNvPr>
@@ -16075,7 +16156,7 @@
           <p:cNvPr id="70" name="TextBox 69">
             <a:extLst>
               <a:ext uri="{FF2B5EF4-FFF2-40B4-BE49-F238E27FC236}">
-                <a16:creationId xmlns:a16="http://schemas.microsoft.com/office/drawing/2014/main" xmlns="" id="{4078D4C8-13A7-BB6E-F074-393F86FABD65}"/>
+                <a16:creationId xmlns:a16="http://schemas.microsoft.com/office/drawing/2014/main" id="{4078D4C8-13A7-BB6E-F074-393F86FABD65}"/>
               </a:ext>
             </a:extLst>
           </p:cNvPr>
@@ -16122,7 +16203,7 @@
           <p:cNvPr id="71" name="TextBox 70">
             <a:extLst>
               <a:ext uri="{FF2B5EF4-FFF2-40B4-BE49-F238E27FC236}">
-                <a16:creationId xmlns:a16="http://schemas.microsoft.com/office/drawing/2014/main" xmlns="" id="{334DD9A8-C097-5658-7AE1-BB3A5964FACD}"/>
+                <a16:creationId xmlns:a16="http://schemas.microsoft.com/office/drawing/2014/main" id="{334DD9A8-C097-5658-7AE1-BB3A5964FACD}"/>
               </a:ext>
             </a:extLst>
           </p:cNvPr>
@@ -16511,7 +16592,7 @@
           <p:cNvPr id="56" name="Google Shape;97;p2">
             <a:extLst>
               <a:ext uri="{FF2B5EF4-FFF2-40B4-BE49-F238E27FC236}">
-                <a16:creationId xmlns:a16="http://schemas.microsoft.com/office/drawing/2014/main" xmlns="" id="{62588F5F-EF44-4D87-B105-53BCC0462955}"/>
+                <a16:creationId xmlns:a16="http://schemas.microsoft.com/office/drawing/2014/main" id="{62588F5F-EF44-4D87-B105-53BCC0462955}"/>
               </a:ext>
             </a:extLst>
           </p:cNvPr>
@@ -16545,7 +16626,7 @@
           <p:cNvPr id="31" name="TextBox 30">
             <a:extLst>
               <a:ext uri="{FF2B5EF4-FFF2-40B4-BE49-F238E27FC236}">
-                <a16:creationId xmlns:a16="http://schemas.microsoft.com/office/drawing/2014/main" xmlns="" id="{CC75C9D9-15F2-4CB0-A798-8F3CE0486109}"/>
+                <a16:creationId xmlns:a16="http://schemas.microsoft.com/office/drawing/2014/main" id="{CC75C9D9-15F2-4CB0-A798-8F3CE0486109}"/>
               </a:ext>
             </a:extLst>
           </p:cNvPr>
@@ -16717,13 +16798,6 @@
                 <a:ea typeface="+mn-ea"/>
               </a:rPr>
               <a:t>좌측의 이미지 기준으로 </a:t>
-            </a:r>
-            <a:r>
-              <a:rPr lang="en-US" altLang="ko-KR" sz="1200" dirty="0">
-                <a:latin typeface="+mn-ea"/>
-                <a:ea typeface="+mn-ea"/>
-              </a:rPr>
-              <a:t/>
             </a:r>
             <a:br>
               <a:rPr lang="en-US" altLang="ko-KR" sz="1200" dirty="0">
@@ -16975,7 +17049,7 @@
           <p:cNvPr id="4" name="그룹 3">
             <a:extLst>
               <a:ext uri="{FF2B5EF4-FFF2-40B4-BE49-F238E27FC236}">
-                <a16:creationId xmlns:a16="http://schemas.microsoft.com/office/drawing/2014/main" xmlns="" id="{B0D22671-0346-8061-977F-E9E49F1B9942}"/>
+                <a16:creationId xmlns:a16="http://schemas.microsoft.com/office/drawing/2014/main" id="{B0D22671-0346-8061-977F-E9E49F1B9942}"/>
               </a:ext>
             </a:extLst>
           </p:cNvPr>
@@ -16995,7 +17069,7 @@
             <p:cNvPr id="50" name="Google Shape;225;p5">
               <a:extLst>
                 <a:ext uri="{FF2B5EF4-FFF2-40B4-BE49-F238E27FC236}">
-                  <a16:creationId xmlns:a16="http://schemas.microsoft.com/office/drawing/2014/main" xmlns="" id="{939543F8-15C7-4912-B7FA-3A69AD66E22B}"/>
+                  <a16:creationId xmlns:a16="http://schemas.microsoft.com/office/drawing/2014/main" id="{939543F8-15C7-4912-B7FA-3A69AD66E22B}"/>
                 </a:ext>
               </a:extLst>
             </p:cNvPr>
@@ -17058,7 +17132,7 @@
             <p:cNvPr id="51" name="Google Shape;226;p5">
               <a:extLst>
                 <a:ext uri="{FF2B5EF4-FFF2-40B4-BE49-F238E27FC236}">
-                  <a16:creationId xmlns:a16="http://schemas.microsoft.com/office/drawing/2014/main" xmlns="" id="{3B1A3F6D-922F-40B8-9D11-7041D88704AA}"/>
+                  <a16:creationId xmlns:a16="http://schemas.microsoft.com/office/drawing/2014/main" id="{3B1A3F6D-922F-40B8-9D11-7041D88704AA}"/>
                 </a:ext>
               </a:extLst>
             </p:cNvPr>
@@ -17121,7 +17195,7 @@
             <p:cNvPr id="52" name="Google Shape;227;p5">
               <a:extLst>
                 <a:ext uri="{FF2B5EF4-FFF2-40B4-BE49-F238E27FC236}">
-                  <a16:creationId xmlns:a16="http://schemas.microsoft.com/office/drawing/2014/main" xmlns="" id="{F279AED2-7D9F-4F8A-A80B-4BAFD93EC53F}"/>
+                  <a16:creationId xmlns:a16="http://schemas.microsoft.com/office/drawing/2014/main" id="{F279AED2-7D9F-4F8A-A80B-4BAFD93EC53F}"/>
                 </a:ext>
               </a:extLst>
             </p:cNvPr>
@@ -17176,7 +17250,7 @@
             <p:cNvPr id="54" name="Google Shape;229;p5">
               <a:extLst>
                 <a:ext uri="{FF2B5EF4-FFF2-40B4-BE49-F238E27FC236}">
-                  <a16:creationId xmlns:a16="http://schemas.microsoft.com/office/drawing/2014/main" xmlns="" id="{ABB137C5-5468-49E6-B59E-B73543740219}"/>
+                  <a16:creationId xmlns:a16="http://schemas.microsoft.com/office/drawing/2014/main" id="{ABB137C5-5468-49E6-B59E-B73543740219}"/>
                 </a:ext>
               </a:extLst>
             </p:cNvPr>
@@ -17231,7 +17305,7 @@
             <p:cNvPr id="57" name="Google Shape;231;p5">
               <a:extLst>
                 <a:ext uri="{FF2B5EF4-FFF2-40B4-BE49-F238E27FC236}">
-                  <a16:creationId xmlns:a16="http://schemas.microsoft.com/office/drawing/2014/main" xmlns="" id="{2B7C9FF9-3904-40CF-9A81-5B5AD8B75380}"/>
+                  <a16:creationId xmlns:a16="http://schemas.microsoft.com/office/drawing/2014/main" id="{2B7C9FF9-3904-40CF-9A81-5B5AD8B75380}"/>
                 </a:ext>
               </a:extLst>
             </p:cNvPr>
@@ -17294,7 +17368,7 @@
             <p:cNvPr id="58" name="Google Shape;232;p5">
               <a:extLst>
                 <a:ext uri="{FF2B5EF4-FFF2-40B4-BE49-F238E27FC236}">
-                  <a16:creationId xmlns:a16="http://schemas.microsoft.com/office/drawing/2014/main" xmlns="" id="{0475544F-CEE4-4470-A6A4-6D0BECB04716}"/>
+                  <a16:creationId xmlns:a16="http://schemas.microsoft.com/office/drawing/2014/main" id="{0475544F-CEE4-4470-A6A4-6D0BECB04716}"/>
                 </a:ext>
               </a:extLst>
             </p:cNvPr>
@@ -17357,7 +17431,7 @@
             <p:cNvPr id="42" name="Google Shape;234;p5">
               <a:extLst>
                 <a:ext uri="{FF2B5EF4-FFF2-40B4-BE49-F238E27FC236}">
-                  <a16:creationId xmlns:a16="http://schemas.microsoft.com/office/drawing/2014/main" xmlns="" id="{EEAC6096-7A42-4CF6-AFFE-F154B2D22863}"/>
+                  <a16:creationId xmlns:a16="http://schemas.microsoft.com/office/drawing/2014/main" id="{EEAC6096-7A42-4CF6-AFFE-F154B2D22863}"/>
                 </a:ext>
               </a:extLst>
             </p:cNvPr>
@@ -17420,7 +17494,7 @@
             <p:cNvPr id="43" name="Google Shape;235;p5">
               <a:extLst>
                 <a:ext uri="{FF2B5EF4-FFF2-40B4-BE49-F238E27FC236}">
-                  <a16:creationId xmlns:a16="http://schemas.microsoft.com/office/drawing/2014/main" xmlns="" id="{B75559D3-14F5-49CE-B80E-FB7DDD01A0CD}"/>
+                  <a16:creationId xmlns:a16="http://schemas.microsoft.com/office/drawing/2014/main" id="{B75559D3-14F5-49CE-B80E-FB7DDD01A0CD}"/>
                 </a:ext>
               </a:extLst>
             </p:cNvPr>
@@ -17475,7 +17549,7 @@
             <p:cNvPr id="45" name="Google Shape;237;p5">
               <a:extLst>
                 <a:ext uri="{FF2B5EF4-FFF2-40B4-BE49-F238E27FC236}">
-                  <a16:creationId xmlns:a16="http://schemas.microsoft.com/office/drawing/2014/main" xmlns="" id="{ECB5F8CA-B006-4CBC-8C33-4835E74EA08C}"/>
+                  <a16:creationId xmlns:a16="http://schemas.microsoft.com/office/drawing/2014/main" id="{ECB5F8CA-B006-4CBC-8C33-4835E74EA08C}"/>
                 </a:ext>
               </a:extLst>
             </p:cNvPr>
@@ -17538,7 +17612,7 @@
             <p:cNvPr id="46" name="Google Shape;238;p5">
               <a:extLst>
                 <a:ext uri="{FF2B5EF4-FFF2-40B4-BE49-F238E27FC236}">
-                  <a16:creationId xmlns:a16="http://schemas.microsoft.com/office/drawing/2014/main" xmlns="" id="{28630FEE-0004-4085-A019-10A211245A67}"/>
+                  <a16:creationId xmlns:a16="http://schemas.microsoft.com/office/drawing/2014/main" id="{28630FEE-0004-4085-A019-10A211245A67}"/>
                 </a:ext>
               </a:extLst>
             </p:cNvPr>
@@ -17593,7 +17667,7 @@
             <p:cNvPr id="48" name="Google Shape;240;p5">
               <a:extLst>
                 <a:ext uri="{FF2B5EF4-FFF2-40B4-BE49-F238E27FC236}">
-                  <a16:creationId xmlns:a16="http://schemas.microsoft.com/office/drawing/2014/main" xmlns="" id="{C07CBEFF-AC23-48EE-9AAC-1FA1D8A06680}"/>
+                  <a16:creationId xmlns:a16="http://schemas.microsoft.com/office/drawing/2014/main" id="{C07CBEFF-AC23-48EE-9AAC-1FA1D8A06680}"/>
                 </a:ext>
               </a:extLst>
             </p:cNvPr>
@@ -17656,7 +17730,7 @@
             <p:cNvPr id="49" name="Google Shape;241;p5">
               <a:extLst>
                 <a:ext uri="{FF2B5EF4-FFF2-40B4-BE49-F238E27FC236}">
-                  <a16:creationId xmlns:a16="http://schemas.microsoft.com/office/drawing/2014/main" xmlns="" id="{7B5E2799-9016-421C-90B2-8F7868573E65}"/>
+                  <a16:creationId xmlns:a16="http://schemas.microsoft.com/office/drawing/2014/main" id="{7B5E2799-9016-421C-90B2-8F7868573E65}"/>
                 </a:ext>
               </a:extLst>
             </p:cNvPr>
@@ -17719,7 +17793,7 @@
             <p:cNvPr id="32" name="Google Shape;244;p5">
               <a:extLst>
                 <a:ext uri="{FF2B5EF4-FFF2-40B4-BE49-F238E27FC236}">
-                  <a16:creationId xmlns:a16="http://schemas.microsoft.com/office/drawing/2014/main" xmlns="" id="{DDF56EF9-DF75-4F42-ABE9-769413AE8D65}"/>
+                  <a16:creationId xmlns:a16="http://schemas.microsoft.com/office/drawing/2014/main" id="{DDF56EF9-DF75-4F42-ABE9-769413AE8D65}"/>
                 </a:ext>
               </a:extLst>
             </p:cNvPr>
@@ -17782,7 +17856,7 @@
             <p:cNvPr id="33" name="Google Shape;245;p5">
               <a:extLst>
                 <a:ext uri="{FF2B5EF4-FFF2-40B4-BE49-F238E27FC236}">
-                  <a16:creationId xmlns:a16="http://schemas.microsoft.com/office/drawing/2014/main" xmlns="" id="{30F9EBDA-7D12-4358-BAA3-2AF5D9245942}"/>
+                  <a16:creationId xmlns:a16="http://schemas.microsoft.com/office/drawing/2014/main" id="{30F9EBDA-7D12-4358-BAA3-2AF5D9245942}"/>
                 </a:ext>
               </a:extLst>
             </p:cNvPr>
@@ -17845,7 +17919,7 @@
             <p:cNvPr id="34" name="Google Shape;246;p5">
               <a:extLst>
                 <a:ext uri="{FF2B5EF4-FFF2-40B4-BE49-F238E27FC236}">
-                  <a16:creationId xmlns:a16="http://schemas.microsoft.com/office/drawing/2014/main" xmlns="" id="{2A2D70C6-90B9-4CB4-BA29-CAC6D31397A5}"/>
+                  <a16:creationId xmlns:a16="http://schemas.microsoft.com/office/drawing/2014/main" id="{2A2D70C6-90B9-4CB4-BA29-CAC6D31397A5}"/>
                 </a:ext>
               </a:extLst>
             </p:cNvPr>
@@ -17900,7 +17974,7 @@
             <p:cNvPr id="36" name="Google Shape;248;p5">
               <a:extLst>
                 <a:ext uri="{FF2B5EF4-FFF2-40B4-BE49-F238E27FC236}">
-                  <a16:creationId xmlns:a16="http://schemas.microsoft.com/office/drawing/2014/main" xmlns="" id="{7F5CFE63-EF5B-4071-8429-2AAB6B8B7581}"/>
+                  <a16:creationId xmlns:a16="http://schemas.microsoft.com/office/drawing/2014/main" id="{7F5CFE63-EF5B-4071-8429-2AAB6B8B7581}"/>
                 </a:ext>
               </a:extLst>
             </p:cNvPr>
@@ -17955,7 +18029,7 @@
             <p:cNvPr id="38" name="Google Shape;250;p5">
               <a:extLst>
                 <a:ext uri="{FF2B5EF4-FFF2-40B4-BE49-F238E27FC236}">
-                  <a16:creationId xmlns:a16="http://schemas.microsoft.com/office/drawing/2014/main" xmlns="" id="{E6FE6F3F-4FA4-4563-A3E1-C0F66B51DE60}"/>
+                  <a16:creationId xmlns:a16="http://schemas.microsoft.com/office/drawing/2014/main" id="{E6FE6F3F-4FA4-4563-A3E1-C0F66B51DE60}"/>
                 </a:ext>
               </a:extLst>
             </p:cNvPr>
@@ -18018,7 +18092,7 @@
             <p:cNvPr id="39" name="Google Shape;251;p5">
               <a:extLst>
                 <a:ext uri="{FF2B5EF4-FFF2-40B4-BE49-F238E27FC236}">
-                  <a16:creationId xmlns:a16="http://schemas.microsoft.com/office/drawing/2014/main" xmlns="" id="{20779659-A168-40EB-B881-47EB493F0382}"/>
+                  <a16:creationId xmlns:a16="http://schemas.microsoft.com/office/drawing/2014/main" id="{20779659-A168-40EB-B881-47EB493F0382}"/>
                 </a:ext>
               </a:extLst>
             </p:cNvPr>
@@ -18081,7 +18155,7 @@
             <p:cNvPr id="25" name="Google Shape;253;p5">
               <a:extLst>
                 <a:ext uri="{FF2B5EF4-FFF2-40B4-BE49-F238E27FC236}">
-                  <a16:creationId xmlns:a16="http://schemas.microsoft.com/office/drawing/2014/main" xmlns="" id="{80894CCC-4639-4059-B4EA-49BB60527D29}"/>
+                  <a16:creationId xmlns:a16="http://schemas.microsoft.com/office/drawing/2014/main" id="{80894CCC-4639-4059-B4EA-49BB60527D29}"/>
                 </a:ext>
               </a:extLst>
             </p:cNvPr>
@@ -18144,7 +18218,7 @@
             <p:cNvPr id="26" name="Google Shape;254;p5">
               <a:extLst>
                 <a:ext uri="{FF2B5EF4-FFF2-40B4-BE49-F238E27FC236}">
-                  <a16:creationId xmlns:a16="http://schemas.microsoft.com/office/drawing/2014/main" xmlns="" id="{CC6BE0D9-0F7E-4CEE-8ADE-641A2B8BA585}"/>
+                  <a16:creationId xmlns:a16="http://schemas.microsoft.com/office/drawing/2014/main" id="{CC6BE0D9-0F7E-4CEE-8ADE-641A2B8BA585}"/>
                 </a:ext>
               </a:extLst>
             </p:cNvPr>
@@ -18207,7 +18281,7 @@
             <p:cNvPr id="27" name="Google Shape;255;p5">
               <a:extLst>
                 <a:ext uri="{FF2B5EF4-FFF2-40B4-BE49-F238E27FC236}">
-                  <a16:creationId xmlns:a16="http://schemas.microsoft.com/office/drawing/2014/main" xmlns="" id="{EB5807E3-0DBA-49E7-B0E7-3CDFF428FAA4}"/>
+                  <a16:creationId xmlns:a16="http://schemas.microsoft.com/office/drawing/2014/main" id="{EB5807E3-0DBA-49E7-B0E7-3CDFF428FAA4}"/>
                 </a:ext>
               </a:extLst>
             </p:cNvPr>
@@ -18270,7 +18344,7 @@
             <p:cNvPr id="28" name="Google Shape;256;p5">
               <a:extLst>
                 <a:ext uri="{FF2B5EF4-FFF2-40B4-BE49-F238E27FC236}">
-                  <a16:creationId xmlns:a16="http://schemas.microsoft.com/office/drawing/2014/main" xmlns="" id="{FBF41069-FFCA-4875-9ED6-AEDBE7ABBE22}"/>
+                  <a16:creationId xmlns:a16="http://schemas.microsoft.com/office/drawing/2014/main" id="{FBF41069-FFCA-4875-9ED6-AEDBE7ABBE22}"/>
                 </a:ext>
               </a:extLst>
             </p:cNvPr>
@@ -18333,7 +18407,7 @@
             <p:cNvPr id="29" name="Google Shape;257;p5">
               <a:extLst>
                 <a:ext uri="{FF2B5EF4-FFF2-40B4-BE49-F238E27FC236}">
-                  <a16:creationId xmlns:a16="http://schemas.microsoft.com/office/drawing/2014/main" xmlns="" id="{68722AA1-70B6-4111-93A8-1DAFEE187FA1}"/>
+                  <a16:creationId xmlns:a16="http://schemas.microsoft.com/office/drawing/2014/main" id="{68722AA1-70B6-4111-93A8-1DAFEE187FA1}"/>
                 </a:ext>
               </a:extLst>
             </p:cNvPr>
@@ -18396,7 +18470,7 @@
             <p:cNvPr id="30" name="Google Shape;258;p5">
               <a:extLst>
                 <a:ext uri="{FF2B5EF4-FFF2-40B4-BE49-F238E27FC236}">
-                  <a16:creationId xmlns:a16="http://schemas.microsoft.com/office/drawing/2014/main" xmlns="" id="{273B0725-298A-4328-8FB2-7C06B4A8DE32}"/>
+                  <a16:creationId xmlns:a16="http://schemas.microsoft.com/office/drawing/2014/main" id="{273B0725-298A-4328-8FB2-7C06B4A8DE32}"/>
                 </a:ext>
               </a:extLst>
             </p:cNvPr>
@@ -18459,7 +18533,7 @@
             <p:cNvPr id="17" name="Google Shape;260;p5">
               <a:extLst>
                 <a:ext uri="{FF2B5EF4-FFF2-40B4-BE49-F238E27FC236}">
-                  <a16:creationId xmlns:a16="http://schemas.microsoft.com/office/drawing/2014/main" xmlns="" id="{B7E111D1-6830-459B-A81F-B6AFB22A6947}"/>
+                  <a16:creationId xmlns:a16="http://schemas.microsoft.com/office/drawing/2014/main" id="{B7E111D1-6830-459B-A81F-B6AFB22A6947}"/>
                 </a:ext>
               </a:extLst>
             </p:cNvPr>
@@ -18522,7 +18596,7 @@
             <p:cNvPr id="18" name="Google Shape;261;p5">
               <a:extLst>
                 <a:ext uri="{FF2B5EF4-FFF2-40B4-BE49-F238E27FC236}">
-                  <a16:creationId xmlns:a16="http://schemas.microsoft.com/office/drawing/2014/main" xmlns="" id="{61F1BC2B-3B20-47C6-9DB3-C5B66EBB280E}"/>
+                  <a16:creationId xmlns:a16="http://schemas.microsoft.com/office/drawing/2014/main" id="{61F1BC2B-3B20-47C6-9DB3-C5B66EBB280E}"/>
                 </a:ext>
               </a:extLst>
             </p:cNvPr>
@@ -18585,7 +18659,7 @@
             <p:cNvPr id="19" name="Google Shape;262;p5">
               <a:extLst>
                 <a:ext uri="{FF2B5EF4-FFF2-40B4-BE49-F238E27FC236}">
-                  <a16:creationId xmlns:a16="http://schemas.microsoft.com/office/drawing/2014/main" xmlns="" id="{6C8ADEF5-0DDB-4F87-AD66-3EF3CA8FEE94}"/>
+                  <a16:creationId xmlns:a16="http://schemas.microsoft.com/office/drawing/2014/main" id="{6C8ADEF5-0DDB-4F87-AD66-3EF3CA8FEE94}"/>
                 </a:ext>
               </a:extLst>
             </p:cNvPr>
@@ -18648,7 +18722,7 @@
             <p:cNvPr id="20" name="Google Shape;263;p5">
               <a:extLst>
                 <a:ext uri="{FF2B5EF4-FFF2-40B4-BE49-F238E27FC236}">
-                  <a16:creationId xmlns:a16="http://schemas.microsoft.com/office/drawing/2014/main" xmlns="" id="{449C1977-56DF-468A-998F-5D476388D0F9}"/>
+                  <a16:creationId xmlns:a16="http://schemas.microsoft.com/office/drawing/2014/main" id="{449C1977-56DF-468A-998F-5D476388D0F9}"/>
                 </a:ext>
               </a:extLst>
             </p:cNvPr>
@@ -18711,7 +18785,7 @@
             <p:cNvPr id="21" name="Google Shape;264;p5">
               <a:extLst>
                 <a:ext uri="{FF2B5EF4-FFF2-40B4-BE49-F238E27FC236}">
-                  <a16:creationId xmlns:a16="http://schemas.microsoft.com/office/drawing/2014/main" xmlns="" id="{E2C3AB1E-C611-467F-A3D7-971382FA9B13}"/>
+                  <a16:creationId xmlns:a16="http://schemas.microsoft.com/office/drawing/2014/main" id="{E2C3AB1E-C611-467F-A3D7-971382FA9B13}"/>
                 </a:ext>
               </a:extLst>
             </p:cNvPr>
@@ -18774,7 +18848,7 @@
             <p:cNvPr id="22" name="Google Shape;265;p5">
               <a:extLst>
                 <a:ext uri="{FF2B5EF4-FFF2-40B4-BE49-F238E27FC236}">
-                  <a16:creationId xmlns:a16="http://schemas.microsoft.com/office/drawing/2014/main" xmlns="" id="{73136191-6D72-4D07-8315-AA8294F0441A}"/>
+                  <a16:creationId xmlns:a16="http://schemas.microsoft.com/office/drawing/2014/main" id="{73136191-6D72-4D07-8315-AA8294F0441A}"/>
                 </a:ext>
               </a:extLst>
             </p:cNvPr>
@@ -18838,7 +18912,7 @@
           <p:cNvPr id="62" name="그림 61">
             <a:extLst>
               <a:ext uri="{FF2B5EF4-FFF2-40B4-BE49-F238E27FC236}">
-                <a16:creationId xmlns:a16="http://schemas.microsoft.com/office/drawing/2014/main" xmlns="" id="{B6CF988E-0FDC-45AC-AE29-A91246C62D79}"/>
+                <a16:creationId xmlns:a16="http://schemas.microsoft.com/office/drawing/2014/main" id="{B6CF988E-0FDC-45AC-AE29-A91246C62D79}"/>
               </a:ext>
             </a:extLst>
           </p:cNvPr>
@@ -18874,7 +18948,7 @@
           <p:cNvPr id="3" name="타원 2">
             <a:extLst>
               <a:ext uri="{FF2B5EF4-FFF2-40B4-BE49-F238E27FC236}">
-                <a16:creationId xmlns:a16="http://schemas.microsoft.com/office/drawing/2014/main" xmlns="" id="{924B4F2D-AF25-9B80-5815-D1DDA835911C}"/>
+                <a16:creationId xmlns:a16="http://schemas.microsoft.com/office/drawing/2014/main" id="{924B4F2D-AF25-9B80-5815-D1DDA835911C}"/>
               </a:ext>
             </a:extLst>
           </p:cNvPr>
@@ -18927,7 +19001,7 @@
           <p:cNvPr id="64" name="타원 63">
             <a:extLst>
               <a:ext uri="{FF2B5EF4-FFF2-40B4-BE49-F238E27FC236}">
-                <a16:creationId xmlns:a16="http://schemas.microsoft.com/office/drawing/2014/main" xmlns="" id="{F623653E-FC2D-29B3-0587-CFCEFC6E0612}"/>
+                <a16:creationId xmlns:a16="http://schemas.microsoft.com/office/drawing/2014/main" id="{F623653E-FC2D-29B3-0587-CFCEFC6E0612}"/>
               </a:ext>
             </a:extLst>
           </p:cNvPr>
@@ -18980,7 +19054,7 @@
           <p:cNvPr id="65" name="타원 64">
             <a:extLst>
               <a:ext uri="{FF2B5EF4-FFF2-40B4-BE49-F238E27FC236}">
-                <a16:creationId xmlns:a16="http://schemas.microsoft.com/office/drawing/2014/main" xmlns="" id="{30BA8B6C-22A8-C16D-24A4-4DBEA6374822}"/>
+                <a16:creationId xmlns:a16="http://schemas.microsoft.com/office/drawing/2014/main" id="{30BA8B6C-22A8-C16D-24A4-4DBEA6374822}"/>
               </a:ext>
             </a:extLst>
           </p:cNvPr>
@@ -19033,7 +19107,7 @@
           <p:cNvPr id="67" name="타원 66">
             <a:extLst>
               <a:ext uri="{FF2B5EF4-FFF2-40B4-BE49-F238E27FC236}">
-                <a16:creationId xmlns:a16="http://schemas.microsoft.com/office/drawing/2014/main" xmlns="" id="{835F3297-9676-391C-EBE6-D3A45E60A83B}"/>
+                <a16:creationId xmlns:a16="http://schemas.microsoft.com/office/drawing/2014/main" id="{835F3297-9676-391C-EBE6-D3A45E60A83B}"/>
               </a:ext>
             </a:extLst>
           </p:cNvPr>
@@ -19086,7 +19160,7 @@
           <p:cNvPr id="68" name="타원 67">
             <a:extLst>
               <a:ext uri="{FF2B5EF4-FFF2-40B4-BE49-F238E27FC236}">
-                <a16:creationId xmlns:a16="http://schemas.microsoft.com/office/drawing/2014/main" xmlns="" id="{5611FCF5-BA3F-4783-BA2D-B4A3AAAE82BB}"/>
+                <a16:creationId xmlns:a16="http://schemas.microsoft.com/office/drawing/2014/main" id="{5611FCF5-BA3F-4783-BA2D-B4A3AAAE82BB}"/>
               </a:ext>
             </a:extLst>
           </p:cNvPr>
@@ -19139,7 +19213,7 @@
           <p:cNvPr id="69" name="타원 68">
             <a:extLst>
               <a:ext uri="{FF2B5EF4-FFF2-40B4-BE49-F238E27FC236}">
-                <a16:creationId xmlns:a16="http://schemas.microsoft.com/office/drawing/2014/main" xmlns="" id="{51A74C35-9D13-00BE-D64B-5661E6234318}"/>
+                <a16:creationId xmlns:a16="http://schemas.microsoft.com/office/drawing/2014/main" id="{51A74C35-9D13-00BE-D64B-5661E6234318}"/>
               </a:ext>
             </a:extLst>
           </p:cNvPr>
@@ -19192,7 +19266,7 @@
           <p:cNvPr id="70" name="TextBox 69">
             <a:extLst>
               <a:ext uri="{FF2B5EF4-FFF2-40B4-BE49-F238E27FC236}">
-                <a16:creationId xmlns:a16="http://schemas.microsoft.com/office/drawing/2014/main" xmlns="" id="{4078D4C8-13A7-BB6E-F074-393F86FABD65}"/>
+                <a16:creationId xmlns:a16="http://schemas.microsoft.com/office/drawing/2014/main" id="{4078D4C8-13A7-BB6E-F074-393F86FABD65}"/>
               </a:ext>
             </a:extLst>
           </p:cNvPr>
@@ -19239,7 +19313,7 @@
           <p:cNvPr id="71" name="TextBox 70">
             <a:extLst>
               <a:ext uri="{FF2B5EF4-FFF2-40B4-BE49-F238E27FC236}">
-                <a16:creationId xmlns:a16="http://schemas.microsoft.com/office/drawing/2014/main" xmlns="" id="{334DD9A8-C097-5658-7AE1-BB3A5964FACD}"/>
+                <a16:creationId xmlns:a16="http://schemas.microsoft.com/office/drawing/2014/main" id="{334DD9A8-C097-5658-7AE1-BB3A5964FACD}"/>
               </a:ext>
             </a:extLst>
           </p:cNvPr>
@@ -19316,7 +19390,7 @@
           <p:cNvPr id="184" name="그룹 183">
             <a:extLst>
               <a:ext uri="{FF2B5EF4-FFF2-40B4-BE49-F238E27FC236}">
-                <a16:creationId xmlns:a16="http://schemas.microsoft.com/office/drawing/2014/main" xmlns="" id="{E55AB02A-D1FB-4E3A-8C98-16D35D4A7B37}"/>
+                <a16:creationId xmlns:a16="http://schemas.microsoft.com/office/drawing/2014/main" id="{E55AB02A-D1FB-4E3A-8C98-16D35D4A7B37}"/>
               </a:ext>
             </a:extLst>
           </p:cNvPr>
@@ -19339,7 +19413,7 @@
             <p:cNvPr id="185" name="Google Shape;225;p5">
               <a:extLst>
                 <a:ext uri="{FF2B5EF4-FFF2-40B4-BE49-F238E27FC236}">
-                  <a16:creationId xmlns:a16="http://schemas.microsoft.com/office/drawing/2014/main" xmlns="" id="{D971B657-5628-8213-75AA-4A87C7ED4E37}"/>
+                  <a16:creationId xmlns:a16="http://schemas.microsoft.com/office/drawing/2014/main" id="{D971B657-5628-8213-75AA-4A87C7ED4E37}"/>
                 </a:ext>
               </a:extLst>
             </p:cNvPr>
@@ -19400,7 +19474,7 @@
             <p:cNvPr id="186" name="Google Shape;226;p5">
               <a:extLst>
                 <a:ext uri="{FF2B5EF4-FFF2-40B4-BE49-F238E27FC236}">
-                  <a16:creationId xmlns:a16="http://schemas.microsoft.com/office/drawing/2014/main" xmlns="" id="{68F2F9D1-8BF2-135B-D14E-692634D48A76}"/>
+                  <a16:creationId xmlns:a16="http://schemas.microsoft.com/office/drawing/2014/main" id="{68F2F9D1-8BF2-135B-D14E-692634D48A76}"/>
                 </a:ext>
               </a:extLst>
             </p:cNvPr>
@@ -19463,7 +19537,7 @@
             <p:cNvPr id="187" name="Google Shape;227;p5">
               <a:extLst>
                 <a:ext uri="{FF2B5EF4-FFF2-40B4-BE49-F238E27FC236}">
-                  <a16:creationId xmlns:a16="http://schemas.microsoft.com/office/drawing/2014/main" xmlns="" id="{F2909CEA-F02F-95EB-9C64-AF8B5781893E}"/>
+                  <a16:creationId xmlns:a16="http://schemas.microsoft.com/office/drawing/2014/main" id="{F2909CEA-F02F-95EB-9C64-AF8B5781893E}"/>
                 </a:ext>
               </a:extLst>
             </p:cNvPr>
@@ -19518,7 +19592,7 @@
             <p:cNvPr id="188" name="Google Shape;229;p5">
               <a:extLst>
                 <a:ext uri="{FF2B5EF4-FFF2-40B4-BE49-F238E27FC236}">
-                  <a16:creationId xmlns:a16="http://schemas.microsoft.com/office/drawing/2014/main" xmlns="" id="{A34FBB4F-6316-0109-1C7E-9AFF9B667FD3}"/>
+                  <a16:creationId xmlns:a16="http://schemas.microsoft.com/office/drawing/2014/main" id="{A34FBB4F-6316-0109-1C7E-9AFF9B667FD3}"/>
                 </a:ext>
               </a:extLst>
             </p:cNvPr>
@@ -19573,7 +19647,7 @@
             <p:cNvPr id="189" name="Google Shape;231;p5">
               <a:extLst>
                 <a:ext uri="{FF2B5EF4-FFF2-40B4-BE49-F238E27FC236}">
-                  <a16:creationId xmlns:a16="http://schemas.microsoft.com/office/drawing/2014/main" xmlns="" id="{4CA0BC00-53A0-FCD6-30B5-180C63D2118B}"/>
+                  <a16:creationId xmlns:a16="http://schemas.microsoft.com/office/drawing/2014/main" id="{4CA0BC00-53A0-FCD6-30B5-180C63D2118B}"/>
                 </a:ext>
               </a:extLst>
             </p:cNvPr>
@@ -19634,7 +19708,7 @@
             <p:cNvPr id="190" name="Google Shape;232;p5">
               <a:extLst>
                 <a:ext uri="{FF2B5EF4-FFF2-40B4-BE49-F238E27FC236}">
-                  <a16:creationId xmlns:a16="http://schemas.microsoft.com/office/drawing/2014/main" xmlns="" id="{ABC5E924-E54A-925E-9D0C-B155BD87B7D7}"/>
+                  <a16:creationId xmlns:a16="http://schemas.microsoft.com/office/drawing/2014/main" id="{ABC5E924-E54A-925E-9D0C-B155BD87B7D7}"/>
                 </a:ext>
               </a:extLst>
             </p:cNvPr>
@@ -19695,7 +19769,7 @@
             <p:cNvPr id="191" name="Google Shape;234;p5">
               <a:extLst>
                 <a:ext uri="{FF2B5EF4-FFF2-40B4-BE49-F238E27FC236}">
-                  <a16:creationId xmlns:a16="http://schemas.microsoft.com/office/drawing/2014/main" xmlns="" id="{3406A807-D58F-CEA6-A94C-661B0BED92BF}"/>
+                  <a16:creationId xmlns:a16="http://schemas.microsoft.com/office/drawing/2014/main" id="{3406A807-D58F-CEA6-A94C-661B0BED92BF}"/>
                 </a:ext>
               </a:extLst>
             </p:cNvPr>
@@ -19758,7 +19832,7 @@
             <p:cNvPr id="192" name="Google Shape;235;p5">
               <a:extLst>
                 <a:ext uri="{FF2B5EF4-FFF2-40B4-BE49-F238E27FC236}">
-                  <a16:creationId xmlns:a16="http://schemas.microsoft.com/office/drawing/2014/main" xmlns="" id="{63388801-4083-C862-7250-D8438136126C}"/>
+                  <a16:creationId xmlns:a16="http://schemas.microsoft.com/office/drawing/2014/main" id="{63388801-4083-C862-7250-D8438136126C}"/>
                 </a:ext>
               </a:extLst>
             </p:cNvPr>
@@ -19813,7 +19887,7 @@
             <p:cNvPr id="193" name="Google Shape;237;p5">
               <a:extLst>
                 <a:ext uri="{FF2B5EF4-FFF2-40B4-BE49-F238E27FC236}">
-                  <a16:creationId xmlns:a16="http://schemas.microsoft.com/office/drawing/2014/main" xmlns="" id="{48C1036A-D812-8623-4B20-757FE2089F5A}"/>
+                  <a16:creationId xmlns:a16="http://schemas.microsoft.com/office/drawing/2014/main" id="{48C1036A-D812-8623-4B20-757FE2089F5A}"/>
                 </a:ext>
               </a:extLst>
             </p:cNvPr>
@@ -19876,7 +19950,7 @@
             <p:cNvPr id="194" name="Google Shape;238;p5">
               <a:extLst>
                 <a:ext uri="{FF2B5EF4-FFF2-40B4-BE49-F238E27FC236}">
-                  <a16:creationId xmlns:a16="http://schemas.microsoft.com/office/drawing/2014/main" xmlns="" id="{9D9A1C5A-9F8C-7FF4-8998-BD80F5264221}"/>
+                  <a16:creationId xmlns:a16="http://schemas.microsoft.com/office/drawing/2014/main" id="{9D9A1C5A-9F8C-7FF4-8998-BD80F5264221}"/>
                 </a:ext>
               </a:extLst>
             </p:cNvPr>
@@ -19931,7 +20005,7 @@
             <p:cNvPr id="195" name="Google Shape;240;p5">
               <a:extLst>
                 <a:ext uri="{FF2B5EF4-FFF2-40B4-BE49-F238E27FC236}">
-                  <a16:creationId xmlns:a16="http://schemas.microsoft.com/office/drawing/2014/main" xmlns="" id="{7641C8E1-9457-C836-6516-0E33FA9D4568}"/>
+                  <a16:creationId xmlns:a16="http://schemas.microsoft.com/office/drawing/2014/main" id="{7641C8E1-9457-C836-6516-0E33FA9D4568}"/>
                 </a:ext>
               </a:extLst>
             </p:cNvPr>
@@ -19992,7 +20066,7 @@
             <p:cNvPr id="196" name="Google Shape;241;p5">
               <a:extLst>
                 <a:ext uri="{FF2B5EF4-FFF2-40B4-BE49-F238E27FC236}">
-                  <a16:creationId xmlns:a16="http://schemas.microsoft.com/office/drawing/2014/main" xmlns="" id="{0CD1CE8F-6167-0B38-1891-D5ADC262366A}"/>
+                  <a16:creationId xmlns:a16="http://schemas.microsoft.com/office/drawing/2014/main" id="{0CD1CE8F-6167-0B38-1891-D5ADC262366A}"/>
                 </a:ext>
               </a:extLst>
             </p:cNvPr>
@@ -20053,7 +20127,7 @@
             <p:cNvPr id="197" name="Google Shape;244;p5">
               <a:extLst>
                 <a:ext uri="{FF2B5EF4-FFF2-40B4-BE49-F238E27FC236}">
-                  <a16:creationId xmlns:a16="http://schemas.microsoft.com/office/drawing/2014/main" xmlns="" id="{57724D5C-8F3B-388D-F7AE-304C1EB2612D}"/>
+                  <a16:creationId xmlns:a16="http://schemas.microsoft.com/office/drawing/2014/main" id="{57724D5C-8F3B-388D-F7AE-304C1EB2612D}"/>
                 </a:ext>
               </a:extLst>
             </p:cNvPr>
@@ -20116,7 +20190,7 @@
             <p:cNvPr id="198" name="Google Shape;245;p5">
               <a:extLst>
                 <a:ext uri="{FF2B5EF4-FFF2-40B4-BE49-F238E27FC236}">
-                  <a16:creationId xmlns:a16="http://schemas.microsoft.com/office/drawing/2014/main" xmlns="" id="{CDB9F95B-9C2F-2D3E-563E-49885A18DC94}"/>
+                  <a16:creationId xmlns:a16="http://schemas.microsoft.com/office/drawing/2014/main" id="{CDB9F95B-9C2F-2D3E-563E-49885A18DC94}"/>
                 </a:ext>
               </a:extLst>
             </p:cNvPr>
@@ -20179,7 +20253,7 @@
             <p:cNvPr id="199" name="Google Shape;246;p5">
               <a:extLst>
                 <a:ext uri="{FF2B5EF4-FFF2-40B4-BE49-F238E27FC236}">
-                  <a16:creationId xmlns:a16="http://schemas.microsoft.com/office/drawing/2014/main" xmlns="" id="{5FCE892E-83C0-718B-0C40-7FE70ACB0EF3}"/>
+                  <a16:creationId xmlns:a16="http://schemas.microsoft.com/office/drawing/2014/main" id="{5FCE892E-83C0-718B-0C40-7FE70ACB0EF3}"/>
                 </a:ext>
               </a:extLst>
             </p:cNvPr>
@@ -20234,7 +20308,7 @@
             <p:cNvPr id="200" name="Google Shape;248;p5">
               <a:extLst>
                 <a:ext uri="{FF2B5EF4-FFF2-40B4-BE49-F238E27FC236}">
-                  <a16:creationId xmlns:a16="http://schemas.microsoft.com/office/drawing/2014/main" xmlns="" id="{59AB5736-8D8F-944F-5D82-5C8099A42769}"/>
+                  <a16:creationId xmlns:a16="http://schemas.microsoft.com/office/drawing/2014/main" id="{59AB5736-8D8F-944F-5D82-5C8099A42769}"/>
                 </a:ext>
               </a:extLst>
             </p:cNvPr>
@@ -20289,7 +20363,7 @@
             <p:cNvPr id="201" name="Google Shape;250;p5">
               <a:extLst>
                 <a:ext uri="{FF2B5EF4-FFF2-40B4-BE49-F238E27FC236}">
-                  <a16:creationId xmlns:a16="http://schemas.microsoft.com/office/drawing/2014/main" xmlns="" id="{C763DDD0-56BF-D3EC-73C2-928E545900B7}"/>
+                  <a16:creationId xmlns:a16="http://schemas.microsoft.com/office/drawing/2014/main" id="{C763DDD0-56BF-D3EC-73C2-928E545900B7}"/>
                 </a:ext>
               </a:extLst>
             </p:cNvPr>
@@ -20352,7 +20426,7 @@
             <p:cNvPr id="202" name="Google Shape;251;p5">
               <a:extLst>
                 <a:ext uri="{FF2B5EF4-FFF2-40B4-BE49-F238E27FC236}">
-                  <a16:creationId xmlns:a16="http://schemas.microsoft.com/office/drawing/2014/main" xmlns="" id="{A82B9821-B700-180B-0DE5-942942BCFE8C}"/>
+                  <a16:creationId xmlns:a16="http://schemas.microsoft.com/office/drawing/2014/main" id="{A82B9821-B700-180B-0DE5-942942BCFE8C}"/>
                 </a:ext>
               </a:extLst>
             </p:cNvPr>
@@ -20413,7 +20487,7 @@
             <p:cNvPr id="203" name="Google Shape;253;p5">
               <a:extLst>
                 <a:ext uri="{FF2B5EF4-FFF2-40B4-BE49-F238E27FC236}">
-                  <a16:creationId xmlns:a16="http://schemas.microsoft.com/office/drawing/2014/main" xmlns="" id="{3D6A1C81-D0F1-D02C-D3A1-0BAFB5D637BF}"/>
+                  <a16:creationId xmlns:a16="http://schemas.microsoft.com/office/drawing/2014/main" id="{3D6A1C81-D0F1-D02C-D3A1-0BAFB5D637BF}"/>
                 </a:ext>
               </a:extLst>
             </p:cNvPr>
@@ -20476,7 +20550,7 @@
             <p:cNvPr id="204" name="Google Shape;254;p5">
               <a:extLst>
                 <a:ext uri="{FF2B5EF4-FFF2-40B4-BE49-F238E27FC236}">
-                  <a16:creationId xmlns:a16="http://schemas.microsoft.com/office/drawing/2014/main" xmlns="" id="{034BE30E-CDE0-86B4-58CF-C0DA887DF8A1}"/>
+                  <a16:creationId xmlns:a16="http://schemas.microsoft.com/office/drawing/2014/main" id="{034BE30E-CDE0-86B4-58CF-C0DA887DF8A1}"/>
                 </a:ext>
               </a:extLst>
             </p:cNvPr>
@@ -20539,7 +20613,7 @@
             <p:cNvPr id="205" name="Google Shape;255;p5">
               <a:extLst>
                 <a:ext uri="{FF2B5EF4-FFF2-40B4-BE49-F238E27FC236}">
-                  <a16:creationId xmlns:a16="http://schemas.microsoft.com/office/drawing/2014/main" xmlns="" id="{ADFFA17E-E3E9-E8EF-AD2E-D0B2A7B67659}"/>
+                  <a16:creationId xmlns:a16="http://schemas.microsoft.com/office/drawing/2014/main" id="{ADFFA17E-E3E9-E8EF-AD2E-D0B2A7B67659}"/>
                 </a:ext>
               </a:extLst>
             </p:cNvPr>
@@ -20602,7 +20676,7 @@
             <p:cNvPr id="206" name="Google Shape;256;p5">
               <a:extLst>
                 <a:ext uri="{FF2B5EF4-FFF2-40B4-BE49-F238E27FC236}">
-                  <a16:creationId xmlns:a16="http://schemas.microsoft.com/office/drawing/2014/main" xmlns="" id="{2B07A580-BF81-5D8E-9E4F-BB1952597FEC}"/>
+                  <a16:creationId xmlns:a16="http://schemas.microsoft.com/office/drawing/2014/main" id="{2B07A580-BF81-5D8E-9E4F-BB1952597FEC}"/>
                 </a:ext>
               </a:extLst>
             </p:cNvPr>
@@ -20665,7 +20739,7 @@
             <p:cNvPr id="207" name="Google Shape;257;p5">
               <a:extLst>
                 <a:ext uri="{FF2B5EF4-FFF2-40B4-BE49-F238E27FC236}">
-                  <a16:creationId xmlns:a16="http://schemas.microsoft.com/office/drawing/2014/main" xmlns="" id="{2C658CA0-0636-1D9D-1287-95445310923C}"/>
+                  <a16:creationId xmlns:a16="http://schemas.microsoft.com/office/drawing/2014/main" id="{2C658CA0-0636-1D9D-1287-95445310923C}"/>
                 </a:ext>
               </a:extLst>
             </p:cNvPr>
@@ -20726,7 +20800,7 @@
             <p:cNvPr id="208" name="Google Shape;258;p5">
               <a:extLst>
                 <a:ext uri="{FF2B5EF4-FFF2-40B4-BE49-F238E27FC236}">
-                  <a16:creationId xmlns:a16="http://schemas.microsoft.com/office/drawing/2014/main" xmlns="" id="{D994589C-C02C-4B40-E3AA-FDF71F98A426}"/>
+                  <a16:creationId xmlns:a16="http://schemas.microsoft.com/office/drawing/2014/main" id="{D994589C-C02C-4B40-E3AA-FDF71F98A426}"/>
                 </a:ext>
               </a:extLst>
             </p:cNvPr>
@@ -20787,7 +20861,7 @@
             <p:cNvPr id="209" name="Google Shape;260;p5">
               <a:extLst>
                 <a:ext uri="{FF2B5EF4-FFF2-40B4-BE49-F238E27FC236}">
-                  <a16:creationId xmlns:a16="http://schemas.microsoft.com/office/drawing/2014/main" xmlns="" id="{ECCFC139-7578-05D8-8D7F-87667D33ABEC}"/>
+                  <a16:creationId xmlns:a16="http://schemas.microsoft.com/office/drawing/2014/main" id="{ECCFC139-7578-05D8-8D7F-87667D33ABEC}"/>
                 </a:ext>
               </a:extLst>
             </p:cNvPr>
@@ -20848,7 +20922,7 @@
             <p:cNvPr id="210" name="Google Shape;261;p5">
               <a:extLst>
                 <a:ext uri="{FF2B5EF4-FFF2-40B4-BE49-F238E27FC236}">
-                  <a16:creationId xmlns:a16="http://schemas.microsoft.com/office/drawing/2014/main" xmlns="" id="{66FFA6FA-D982-AD6E-1498-F14F37557243}"/>
+                  <a16:creationId xmlns:a16="http://schemas.microsoft.com/office/drawing/2014/main" id="{66FFA6FA-D982-AD6E-1498-F14F37557243}"/>
                 </a:ext>
               </a:extLst>
             </p:cNvPr>
@@ -20911,7 +20985,7 @@
             <p:cNvPr id="211" name="Google Shape;262;p5">
               <a:extLst>
                 <a:ext uri="{FF2B5EF4-FFF2-40B4-BE49-F238E27FC236}">
-                  <a16:creationId xmlns:a16="http://schemas.microsoft.com/office/drawing/2014/main" xmlns="" id="{F8A4F0BC-8DC0-1727-C5DF-FF82ECF98CC5}"/>
+                  <a16:creationId xmlns:a16="http://schemas.microsoft.com/office/drawing/2014/main" id="{F8A4F0BC-8DC0-1727-C5DF-FF82ECF98CC5}"/>
                 </a:ext>
               </a:extLst>
             </p:cNvPr>
@@ -20974,7 +21048,7 @@
             <p:cNvPr id="212" name="Google Shape;263;p5">
               <a:extLst>
                 <a:ext uri="{FF2B5EF4-FFF2-40B4-BE49-F238E27FC236}">
-                  <a16:creationId xmlns:a16="http://schemas.microsoft.com/office/drawing/2014/main" xmlns="" id="{ECFF8DD1-F94C-2166-76C1-8E7C4A33DC80}"/>
+                  <a16:creationId xmlns:a16="http://schemas.microsoft.com/office/drawing/2014/main" id="{ECFF8DD1-F94C-2166-76C1-8E7C4A33DC80}"/>
                 </a:ext>
               </a:extLst>
             </p:cNvPr>
@@ -21037,7 +21111,7 @@
             <p:cNvPr id="213" name="Google Shape;264;p5">
               <a:extLst>
                 <a:ext uri="{FF2B5EF4-FFF2-40B4-BE49-F238E27FC236}">
-                  <a16:creationId xmlns:a16="http://schemas.microsoft.com/office/drawing/2014/main" xmlns="" id="{A4C19549-254C-7240-98F7-65760958CD9B}"/>
+                  <a16:creationId xmlns:a16="http://schemas.microsoft.com/office/drawing/2014/main" id="{A4C19549-254C-7240-98F7-65760958CD9B}"/>
                 </a:ext>
               </a:extLst>
             </p:cNvPr>
@@ -21098,7 +21172,7 @@
             <p:cNvPr id="214" name="Google Shape;265;p5">
               <a:extLst>
                 <a:ext uri="{FF2B5EF4-FFF2-40B4-BE49-F238E27FC236}">
-                  <a16:creationId xmlns:a16="http://schemas.microsoft.com/office/drawing/2014/main" xmlns="" id="{E1CDB572-B11C-0470-F72E-0B4C628D8BBA}"/>
+                  <a16:creationId xmlns:a16="http://schemas.microsoft.com/office/drawing/2014/main" id="{E1CDB572-B11C-0470-F72E-0B4C628D8BBA}"/>
                 </a:ext>
               </a:extLst>
             </p:cNvPr>
@@ -21472,7 +21546,7 @@
           <p:cNvPr id="56" name="Google Shape;97;p2">
             <a:extLst>
               <a:ext uri="{FF2B5EF4-FFF2-40B4-BE49-F238E27FC236}">
-                <a16:creationId xmlns:a16="http://schemas.microsoft.com/office/drawing/2014/main" xmlns="" id="{62588F5F-EF44-4D87-B105-53BCC0462955}"/>
+                <a16:creationId xmlns:a16="http://schemas.microsoft.com/office/drawing/2014/main" id="{62588F5F-EF44-4D87-B105-53BCC0462955}"/>
               </a:ext>
             </a:extLst>
           </p:cNvPr>
@@ -21506,7 +21580,7 @@
           <p:cNvPr id="31" name="TextBox 30">
             <a:extLst>
               <a:ext uri="{FF2B5EF4-FFF2-40B4-BE49-F238E27FC236}">
-                <a16:creationId xmlns:a16="http://schemas.microsoft.com/office/drawing/2014/main" xmlns="" id="{CC75C9D9-15F2-4CB0-A798-8F3CE0486109}"/>
+                <a16:creationId xmlns:a16="http://schemas.microsoft.com/office/drawing/2014/main" id="{CC75C9D9-15F2-4CB0-A798-8F3CE0486109}"/>
               </a:ext>
             </a:extLst>
           </p:cNvPr>
@@ -21633,13 +21707,6 @@
               </a:rPr>
               <a:t>광역 </a:t>
             </a:r>
-            <a:r>
-              <a:rPr lang="en-US" altLang="ko-KR" sz="1200" dirty="0">
-                <a:latin typeface="+mn-ea"/>
-                <a:ea typeface="+mn-ea"/>
-              </a:rPr>
-              <a:t/>
-            </a:r>
             <a:br>
               <a:rPr lang="en-US" altLang="ko-KR" sz="1200" dirty="0">
                 <a:latin typeface="+mn-ea"/>
@@ -21659,13 +21726,6 @@
                 <a:ea typeface="+mn-ea"/>
               </a:rPr>
               <a:t>대상</a:t>
-            </a:r>
-            <a:r>
-              <a:rPr lang="en-US" altLang="ko-KR" sz="1200" dirty="0">
-                <a:latin typeface="+mn-ea"/>
-                <a:ea typeface="+mn-ea"/>
-              </a:rPr>
-              <a:t/>
             </a:r>
             <a:br>
               <a:rPr lang="en-US" altLang="ko-KR" sz="1200" dirty="0">
@@ -21687,13 +21747,6 @@
               </a:rPr>
               <a:t>확산</a:t>
             </a:r>
-            <a:r>
-              <a:rPr lang="en-US" altLang="ko-KR" sz="1200" dirty="0">
-                <a:latin typeface="+mn-ea"/>
-                <a:ea typeface="+mn-ea"/>
-              </a:rPr>
-              <a:t/>
-            </a:r>
             <a:br>
               <a:rPr lang="en-US" altLang="ko-KR" sz="1200" dirty="0">
                 <a:latin typeface="+mn-ea"/>
@@ -21708,13 +21761,13 @@
               <a:t>4. </a:t>
             </a:r>
             <a:r>
-              <a:rPr lang="ko-KR" altLang="en-US" sz="1200" dirty="0" smtClean="0">
+              <a:rPr lang="ko-KR" altLang="en-US" sz="1200" dirty="0">
                 <a:latin typeface="+mn-ea"/>
                 <a:ea typeface="+mn-ea"/>
               </a:rPr>
               <a:t>도넛</a:t>
             </a:r>
-            <a:endParaRPr lang="en-US" altLang="ko-KR" sz="1200" dirty="0" smtClean="0">
+            <a:endParaRPr lang="en-US" altLang="ko-KR" sz="1200" dirty="0">
               <a:latin typeface="+mn-ea"/>
               <a:ea typeface="+mn-ea"/>
             </a:endParaRPr>
@@ -21741,151 +21794,144 @@
               <a:buChar char="•"/>
             </a:pPr>
             <a:r>
-              <a:rPr lang="ko-KR" altLang="en-US" sz="1200" dirty="0" smtClean="0">
+              <a:rPr lang="ko-KR" altLang="en-US" sz="1200" dirty="0">
                 <a:latin typeface="+mn-ea"/>
                 <a:ea typeface="+mn-ea"/>
               </a:rPr>
               <a:t>확산의 경우 방향</a:t>
             </a:r>
             <a:r>
-              <a:rPr lang="en-US" altLang="ko-KR" sz="1200" dirty="0" smtClean="0">
+              <a:rPr lang="en-US" altLang="ko-KR" sz="1200" dirty="0">
                 <a:latin typeface="+mn-ea"/>
                 <a:ea typeface="+mn-ea"/>
               </a:rPr>
               <a:t>1”Direction1”</a:t>
             </a:r>
             <a:r>
-              <a:rPr lang="ko-KR" altLang="en-US" sz="1200" dirty="0" smtClean="0">
+              <a:rPr lang="ko-KR" altLang="en-US" sz="1200" dirty="0">
                 <a:latin typeface="+mn-ea"/>
                 <a:ea typeface="+mn-ea"/>
               </a:rPr>
               <a:t>을 정면으로</a:t>
             </a:r>
-            <a:r>
-              <a:rPr lang="en-US" altLang="ko-KR" sz="1200" dirty="0" smtClean="0">
-                <a:latin typeface="+mn-ea"/>
-                <a:ea typeface="+mn-ea"/>
-              </a:rPr>
-              <a:t/>
-            </a:r>
             <a:br>
-              <a:rPr lang="en-US" altLang="ko-KR" sz="1200" dirty="0" smtClean="0">
+              <a:rPr lang="en-US" altLang="ko-KR" sz="1200" dirty="0">
                 <a:latin typeface="+mn-ea"/>
                 <a:ea typeface="+mn-ea"/>
               </a:rPr>
             </a:br>
             <a:r>
-              <a:rPr lang="ko-KR" altLang="en-US" sz="1200" dirty="0" smtClean="0">
+              <a:rPr lang="ko-KR" altLang="en-US" sz="1200" dirty="0">
                 <a:latin typeface="+mn-ea"/>
                 <a:ea typeface="+mn-ea"/>
               </a:rPr>
               <a:t>보고 </a:t>
             </a:r>
             <a:r>
-              <a:rPr lang="en-US" altLang="ko-KR" sz="1200" dirty="0" smtClean="0">
+              <a:rPr lang="en-US" altLang="ko-KR" sz="1200" dirty="0">
                 <a:latin typeface="+mn-ea"/>
                 <a:ea typeface="+mn-ea"/>
               </a:rPr>
               <a:t>2</a:t>
             </a:r>
             <a:r>
-              <a:rPr lang="ko-KR" altLang="en-US" sz="1200" dirty="0" smtClean="0">
+              <a:rPr lang="ko-KR" altLang="en-US" sz="1200" dirty="0">
                 <a:latin typeface="+mn-ea"/>
                 <a:ea typeface="+mn-ea"/>
               </a:rPr>
               <a:t>부터 시계방향으로 돌아간다</a:t>
             </a:r>
             <a:r>
-              <a:rPr lang="en-US" altLang="ko-KR" sz="1200" dirty="0" smtClean="0">
+              <a:rPr lang="en-US" altLang="ko-KR" sz="1200" dirty="0">
                 <a:latin typeface="+mn-ea"/>
                 <a:ea typeface="+mn-ea"/>
               </a:rPr>
               <a:t>.</a:t>
             </a:r>
             <a:br>
-              <a:rPr lang="en-US" altLang="ko-KR" sz="1200" dirty="0" smtClean="0">
+              <a:rPr lang="en-US" altLang="ko-KR" sz="1200" dirty="0">
                 <a:latin typeface="+mn-ea"/>
                 <a:ea typeface="+mn-ea"/>
               </a:rPr>
             </a:br>
             <a:r>
-              <a:rPr lang="en-US" altLang="ko-KR" sz="1200" dirty="0" smtClean="0">
+              <a:rPr lang="en-US" altLang="ko-KR" sz="1200" dirty="0">
                 <a:latin typeface="+mn-ea"/>
                 <a:ea typeface="+mn-ea"/>
               </a:rPr>
               <a:t>3</a:t>
             </a:r>
             <a:r>
-              <a:rPr lang="ko-KR" altLang="en-US" sz="1200" dirty="0" smtClean="0">
+              <a:rPr lang="ko-KR" altLang="en-US" sz="1200" dirty="0">
                 <a:latin typeface="+mn-ea"/>
                 <a:ea typeface="+mn-ea"/>
               </a:rPr>
               <a:t>의 이미지를 기준으로 </a:t>
             </a:r>
             <a:r>
-              <a:rPr lang="ko-KR" altLang="en-US" sz="1200" dirty="0" err="1" smtClean="0">
+              <a:rPr lang="ko-KR" altLang="en-US" sz="1200" dirty="0" err="1">
                 <a:latin typeface="+mn-ea"/>
                 <a:ea typeface="+mn-ea"/>
               </a:rPr>
               <a:t>파랑색은</a:t>
             </a:r>
             <a:r>
-              <a:rPr lang="ko-KR" altLang="en-US" sz="1200" dirty="0" smtClean="0">
+              <a:rPr lang="ko-KR" altLang="en-US" sz="1200" dirty="0">
                 <a:latin typeface="+mn-ea"/>
                 <a:ea typeface="+mn-ea"/>
               </a:rPr>
               <a:t> 방향</a:t>
             </a:r>
             <a:r>
-              <a:rPr lang="en-US" altLang="ko-KR" sz="1200" dirty="0" smtClean="0">
+              <a:rPr lang="en-US" altLang="ko-KR" sz="1200" dirty="0">
                 <a:latin typeface="+mn-ea"/>
                 <a:ea typeface="+mn-ea"/>
               </a:rPr>
               <a:t>1,</a:t>
             </a:r>
             <a:br>
-              <a:rPr lang="en-US" altLang="ko-KR" sz="1200" dirty="0" smtClean="0">
+              <a:rPr lang="en-US" altLang="ko-KR" sz="1200" dirty="0">
                 <a:latin typeface="+mn-ea"/>
                 <a:ea typeface="+mn-ea"/>
               </a:rPr>
             </a:br>
             <a:r>
-              <a:rPr lang="ko-KR" altLang="en-US" sz="1200" dirty="0" smtClean="0">
+              <a:rPr lang="ko-KR" altLang="en-US" sz="1200" dirty="0">
                 <a:latin typeface="+mn-ea"/>
                 <a:ea typeface="+mn-ea"/>
               </a:rPr>
               <a:t>붉은색은 </a:t>
             </a:r>
             <a:r>
-              <a:rPr lang="en-US" altLang="ko-KR" sz="1200" dirty="0" smtClean="0">
+              <a:rPr lang="en-US" altLang="ko-KR" sz="1200" dirty="0">
                 <a:latin typeface="+mn-ea"/>
                 <a:ea typeface="+mn-ea"/>
               </a:rPr>
               <a:t>2, </a:t>
             </a:r>
             <a:r>
-              <a:rPr lang="ko-KR" altLang="en-US" sz="1200" dirty="0" smtClean="0">
+              <a:rPr lang="ko-KR" altLang="en-US" sz="1200" dirty="0">
                 <a:latin typeface="+mn-ea"/>
                 <a:ea typeface="+mn-ea"/>
               </a:rPr>
               <a:t>보라색은 </a:t>
             </a:r>
             <a:r>
-              <a:rPr lang="en-US" altLang="ko-KR" sz="1200" dirty="0" smtClean="0">
+              <a:rPr lang="en-US" altLang="ko-KR" sz="1200" dirty="0">
                 <a:latin typeface="+mn-ea"/>
                 <a:ea typeface="+mn-ea"/>
               </a:rPr>
               <a:t>4</a:t>
             </a:r>
             <a:r>
-              <a:rPr lang="ko-KR" altLang="en-US" sz="1200" dirty="0" smtClean="0">
+              <a:rPr lang="ko-KR" altLang="en-US" sz="1200" dirty="0">
                 <a:latin typeface="+mn-ea"/>
                 <a:ea typeface="+mn-ea"/>
               </a:rPr>
               <a:t>가 된다</a:t>
             </a:r>
             <a:r>
-              <a:rPr lang="en-US" altLang="ko-KR" sz="1200" dirty="0" smtClean="0">
+              <a:rPr lang="en-US" altLang="ko-KR" sz="1200" dirty="0">
                 <a:latin typeface="+mn-ea"/>
                 <a:ea typeface="+mn-ea"/>
               </a:rPr>
@@ -21914,146 +21960,135 @@
               <a:buChar char="•"/>
             </a:pPr>
             <a:r>
-              <a:rPr lang="en-US" altLang="ko-KR" sz="1200" dirty="0" smtClean="0">
+              <a:rPr lang="en-US" altLang="ko-KR" sz="1200" dirty="0">
                 <a:latin typeface="+mn-ea"/>
                 <a:ea typeface="+mn-ea"/>
               </a:rPr>
               <a:t>4</a:t>
             </a:r>
             <a:r>
-              <a:rPr lang="ko-KR" altLang="en-US" sz="1200" dirty="0" smtClean="0">
+              <a:rPr lang="ko-KR" altLang="en-US" sz="1200" dirty="0">
                 <a:latin typeface="+mn-ea"/>
                 <a:ea typeface="+mn-ea"/>
               </a:rPr>
               <a:t>의 이미지 도넛의 경우 주황은 광역</a:t>
             </a:r>
             <a:r>
-              <a:rPr lang="en-US" altLang="ko-KR" sz="1200" dirty="0" smtClean="0">
+              <a:rPr lang="en-US" altLang="ko-KR" sz="1200" dirty="0">
                 <a:latin typeface="+mn-ea"/>
                 <a:ea typeface="+mn-ea"/>
               </a:rPr>
               <a:t>,</a:t>
             </a:r>
             <a:r>
-              <a:rPr lang="ko-KR" altLang="en-US" sz="1200" dirty="0" smtClean="0">
+              <a:rPr lang="ko-KR" altLang="en-US" sz="1200" dirty="0">
                 <a:latin typeface="+mn-ea"/>
                 <a:ea typeface="+mn-ea"/>
               </a:rPr>
               <a:t> 거리</a:t>
             </a:r>
             <a:r>
-              <a:rPr lang="en-US" altLang="ko-KR" sz="1200" dirty="0" smtClean="0">
+              <a:rPr lang="en-US" altLang="ko-KR" sz="1200" dirty="0">
                 <a:latin typeface="+mn-ea"/>
                 <a:ea typeface="+mn-ea"/>
               </a:rPr>
               <a:t>1</a:t>
             </a:r>
             <a:br>
-              <a:rPr lang="en-US" altLang="ko-KR" sz="1200" dirty="0" smtClean="0">
+              <a:rPr lang="en-US" altLang="ko-KR" sz="1200" dirty="0">
                 <a:latin typeface="+mn-ea"/>
                 <a:ea typeface="+mn-ea"/>
               </a:rPr>
             </a:br>
             <a:r>
-              <a:rPr lang="ko-KR" altLang="en-US" sz="1200" dirty="0" smtClean="0">
+              <a:rPr lang="ko-KR" altLang="en-US" sz="1200" dirty="0">
                 <a:latin typeface="+mn-ea"/>
                 <a:ea typeface="+mn-ea"/>
               </a:rPr>
               <a:t>과 같지만 도넛</a:t>
             </a:r>
             <a:r>
-              <a:rPr lang="en-US" altLang="ko-KR" sz="1200" dirty="0" smtClean="0">
+              <a:rPr lang="en-US" altLang="ko-KR" sz="1200" dirty="0">
                 <a:latin typeface="+mn-ea"/>
                 <a:ea typeface="+mn-ea"/>
               </a:rPr>
               <a:t>, </a:t>
             </a:r>
             <a:r>
-              <a:rPr lang="ko-KR" altLang="en-US" sz="1200" dirty="0" smtClean="0">
+              <a:rPr lang="ko-KR" altLang="en-US" sz="1200" dirty="0">
                 <a:latin typeface="+mn-ea"/>
                 <a:ea typeface="+mn-ea"/>
               </a:rPr>
               <a:t>거리</a:t>
             </a:r>
             <a:r>
-              <a:rPr lang="en-US" altLang="ko-KR" sz="1200" dirty="0" smtClean="0">
+              <a:rPr lang="en-US" altLang="ko-KR" sz="1200" dirty="0">
                 <a:latin typeface="+mn-ea"/>
                 <a:ea typeface="+mn-ea"/>
               </a:rPr>
               <a:t>2</a:t>
             </a:r>
             <a:r>
-              <a:rPr lang="ko-KR" altLang="en-US" sz="1200" dirty="0" smtClean="0">
+              <a:rPr lang="ko-KR" altLang="en-US" sz="1200" dirty="0">
                 <a:latin typeface="+mn-ea"/>
                 <a:ea typeface="+mn-ea"/>
               </a:rPr>
               <a:t>의 경우 파랑색만</a:t>
             </a:r>
             <a:r>
-              <a:rPr lang="en-US" altLang="ko-KR" sz="1200" dirty="0" smtClean="0">
+              <a:rPr lang="en-US" altLang="ko-KR" sz="1200" dirty="0">
                 <a:latin typeface="+mn-ea"/>
                 <a:ea typeface="+mn-ea"/>
               </a:rPr>
               <a:t>, </a:t>
             </a:r>
             <a:br>
-              <a:rPr lang="en-US" altLang="ko-KR" sz="1200" dirty="0" smtClean="0">
+              <a:rPr lang="en-US" altLang="ko-KR" sz="1200" dirty="0">
                 <a:latin typeface="+mn-ea"/>
                 <a:ea typeface="+mn-ea"/>
               </a:rPr>
             </a:br>
             <a:r>
-              <a:rPr lang="ko-KR" altLang="en-US" sz="1200" dirty="0" smtClean="0">
+              <a:rPr lang="ko-KR" altLang="en-US" sz="1200" dirty="0">
                 <a:latin typeface="+mn-ea"/>
                 <a:ea typeface="+mn-ea"/>
               </a:rPr>
               <a:t>거리</a:t>
             </a:r>
             <a:r>
-              <a:rPr lang="en-US" altLang="ko-KR" sz="1200" dirty="0" smtClean="0">
+              <a:rPr lang="en-US" altLang="ko-KR" sz="1200" dirty="0">
                 <a:latin typeface="+mn-ea"/>
                 <a:ea typeface="+mn-ea"/>
               </a:rPr>
               <a:t>3</a:t>
             </a:r>
             <a:r>
-              <a:rPr lang="ko-KR" altLang="en-US" sz="1200" dirty="0" smtClean="0">
+              <a:rPr lang="ko-KR" altLang="en-US" sz="1200" dirty="0">
                 <a:latin typeface="+mn-ea"/>
                 <a:ea typeface="+mn-ea"/>
               </a:rPr>
               <a:t>의 경우 하늘색 범위에만 피해가 들어</a:t>
             </a:r>
-            <a:r>
-              <a:rPr lang="en-US" altLang="ko-KR" sz="1200" dirty="0" smtClean="0">
-                <a:latin typeface="+mn-ea"/>
-                <a:ea typeface="+mn-ea"/>
-              </a:rPr>
-              <a:t/>
-            </a:r>
             <a:br>
-              <a:rPr lang="en-US" altLang="ko-KR" sz="1200" dirty="0" smtClean="0">
+              <a:rPr lang="en-US" altLang="ko-KR" sz="1200" dirty="0">
                 <a:latin typeface="+mn-ea"/>
                 <a:ea typeface="+mn-ea"/>
               </a:rPr>
             </a:br>
             <a:r>
-              <a:rPr lang="ko-KR" altLang="en-US" sz="1200" dirty="0" smtClean="0">
+              <a:rPr lang="ko-KR" altLang="en-US" sz="1200" dirty="0">
                 <a:latin typeface="+mn-ea"/>
                 <a:ea typeface="+mn-ea"/>
               </a:rPr>
               <a:t>간다</a:t>
             </a:r>
             <a:r>
-              <a:rPr lang="en-US" altLang="ko-KR" sz="1200" dirty="0" smtClean="0">
+              <a:rPr lang="en-US" altLang="ko-KR" sz="1200" dirty="0">
                 <a:latin typeface="+mn-ea"/>
                 <a:ea typeface="+mn-ea"/>
               </a:rPr>
               <a:t>.</a:t>
             </a:r>
-            <a:endParaRPr lang="en-US" altLang="ko-KR" sz="1200" dirty="0">
-              <a:latin typeface="+mn-ea"/>
-              <a:ea typeface="+mn-ea"/>
-            </a:endParaRPr>
           </a:p>
         </p:txBody>
       </p:sp>
@@ -22062,7 +22097,7 @@
           <p:cNvPr id="4" name="그룹 3">
             <a:extLst>
               <a:ext uri="{FF2B5EF4-FFF2-40B4-BE49-F238E27FC236}">
-                <a16:creationId xmlns:a16="http://schemas.microsoft.com/office/drawing/2014/main" xmlns="" id="{B0D22671-0346-8061-977F-E9E49F1B9942}"/>
+                <a16:creationId xmlns:a16="http://schemas.microsoft.com/office/drawing/2014/main" id="{B0D22671-0346-8061-977F-E9E49F1B9942}"/>
               </a:ext>
             </a:extLst>
           </p:cNvPr>
@@ -22085,7 +22120,7 @@
             <p:cNvPr id="50" name="Google Shape;225;p5">
               <a:extLst>
                 <a:ext uri="{FF2B5EF4-FFF2-40B4-BE49-F238E27FC236}">
-                  <a16:creationId xmlns:a16="http://schemas.microsoft.com/office/drawing/2014/main" xmlns="" id="{939543F8-15C7-4912-B7FA-3A69AD66E22B}"/>
+                  <a16:creationId xmlns:a16="http://schemas.microsoft.com/office/drawing/2014/main" id="{939543F8-15C7-4912-B7FA-3A69AD66E22B}"/>
                 </a:ext>
               </a:extLst>
             </p:cNvPr>
@@ -22146,7 +22181,7 @@
             <p:cNvPr id="51" name="Google Shape;226;p5">
               <a:extLst>
                 <a:ext uri="{FF2B5EF4-FFF2-40B4-BE49-F238E27FC236}">
-                  <a16:creationId xmlns:a16="http://schemas.microsoft.com/office/drawing/2014/main" xmlns="" id="{3B1A3F6D-922F-40B8-9D11-7041D88704AA}"/>
+                  <a16:creationId xmlns:a16="http://schemas.microsoft.com/office/drawing/2014/main" id="{3B1A3F6D-922F-40B8-9D11-7041D88704AA}"/>
                 </a:ext>
               </a:extLst>
             </p:cNvPr>
@@ -22209,7 +22244,7 @@
             <p:cNvPr id="52" name="Google Shape;227;p5">
               <a:extLst>
                 <a:ext uri="{FF2B5EF4-FFF2-40B4-BE49-F238E27FC236}">
-                  <a16:creationId xmlns:a16="http://schemas.microsoft.com/office/drawing/2014/main" xmlns="" id="{F279AED2-7D9F-4F8A-A80B-4BAFD93EC53F}"/>
+                  <a16:creationId xmlns:a16="http://schemas.microsoft.com/office/drawing/2014/main" id="{F279AED2-7D9F-4F8A-A80B-4BAFD93EC53F}"/>
                 </a:ext>
               </a:extLst>
             </p:cNvPr>
@@ -22264,7 +22299,7 @@
             <p:cNvPr id="54" name="Google Shape;229;p5">
               <a:extLst>
                 <a:ext uri="{FF2B5EF4-FFF2-40B4-BE49-F238E27FC236}">
-                  <a16:creationId xmlns:a16="http://schemas.microsoft.com/office/drawing/2014/main" xmlns="" id="{ABB137C5-5468-49E6-B59E-B73543740219}"/>
+                  <a16:creationId xmlns:a16="http://schemas.microsoft.com/office/drawing/2014/main" id="{ABB137C5-5468-49E6-B59E-B73543740219}"/>
                 </a:ext>
               </a:extLst>
             </p:cNvPr>
@@ -22319,7 +22354,7 @@
             <p:cNvPr id="57" name="Google Shape;231;p5">
               <a:extLst>
                 <a:ext uri="{FF2B5EF4-FFF2-40B4-BE49-F238E27FC236}">
-                  <a16:creationId xmlns:a16="http://schemas.microsoft.com/office/drawing/2014/main" xmlns="" id="{2B7C9FF9-3904-40CF-9A81-5B5AD8B75380}"/>
+                  <a16:creationId xmlns:a16="http://schemas.microsoft.com/office/drawing/2014/main" id="{2B7C9FF9-3904-40CF-9A81-5B5AD8B75380}"/>
                 </a:ext>
               </a:extLst>
             </p:cNvPr>
@@ -22380,7 +22415,7 @@
             <p:cNvPr id="58" name="Google Shape;232;p5">
               <a:extLst>
                 <a:ext uri="{FF2B5EF4-FFF2-40B4-BE49-F238E27FC236}">
-                  <a16:creationId xmlns:a16="http://schemas.microsoft.com/office/drawing/2014/main" xmlns="" id="{0475544F-CEE4-4470-A6A4-6D0BECB04716}"/>
+                  <a16:creationId xmlns:a16="http://schemas.microsoft.com/office/drawing/2014/main" id="{0475544F-CEE4-4470-A6A4-6D0BECB04716}"/>
                 </a:ext>
               </a:extLst>
             </p:cNvPr>
@@ -22441,7 +22476,7 @@
             <p:cNvPr id="42" name="Google Shape;234;p5">
               <a:extLst>
                 <a:ext uri="{FF2B5EF4-FFF2-40B4-BE49-F238E27FC236}">
-                  <a16:creationId xmlns:a16="http://schemas.microsoft.com/office/drawing/2014/main" xmlns="" id="{EEAC6096-7A42-4CF6-AFFE-F154B2D22863}"/>
+                  <a16:creationId xmlns:a16="http://schemas.microsoft.com/office/drawing/2014/main" id="{EEAC6096-7A42-4CF6-AFFE-F154B2D22863}"/>
                 </a:ext>
               </a:extLst>
             </p:cNvPr>
@@ -22504,7 +22539,7 @@
             <p:cNvPr id="43" name="Google Shape;235;p5">
               <a:extLst>
                 <a:ext uri="{FF2B5EF4-FFF2-40B4-BE49-F238E27FC236}">
-                  <a16:creationId xmlns:a16="http://schemas.microsoft.com/office/drawing/2014/main" xmlns="" id="{B75559D3-14F5-49CE-B80E-FB7DDD01A0CD}"/>
+                  <a16:creationId xmlns:a16="http://schemas.microsoft.com/office/drawing/2014/main" id="{B75559D3-14F5-49CE-B80E-FB7DDD01A0CD}"/>
                 </a:ext>
               </a:extLst>
             </p:cNvPr>
@@ -22559,7 +22594,7 @@
             <p:cNvPr id="45" name="Google Shape;237;p5">
               <a:extLst>
                 <a:ext uri="{FF2B5EF4-FFF2-40B4-BE49-F238E27FC236}">
-                  <a16:creationId xmlns:a16="http://schemas.microsoft.com/office/drawing/2014/main" xmlns="" id="{ECB5F8CA-B006-4CBC-8C33-4835E74EA08C}"/>
+                  <a16:creationId xmlns:a16="http://schemas.microsoft.com/office/drawing/2014/main" id="{ECB5F8CA-B006-4CBC-8C33-4835E74EA08C}"/>
                 </a:ext>
               </a:extLst>
             </p:cNvPr>
@@ -22622,7 +22657,7 @@
             <p:cNvPr id="46" name="Google Shape;238;p5">
               <a:extLst>
                 <a:ext uri="{FF2B5EF4-FFF2-40B4-BE49-F238E27FC236}">
-                  <a16:creationId xmlns:a16="http://schemas.microsoft.com/office/drawing/2014/main" xmlns="" id="{28630FEE-0004-4085-A019-10A211245A67}"/>
+                  <a16:creationId xmlns:a16="http://schemas.microsoft.com/office/drawing/2014/main" id="{28630FEE-0004-4085-A019-10A211245A67}"/>
                 </a:ext>
               </a:extLst>
             </p:cNvPr>
@@ -22677,7 +22712,7 @@
             <p:cNvPr id="48" name="Google Shape;240;p5">
               <a:extLst>
                 <a:ext uri="{FF2B5EF4-FFF2-40B4-BE49-F238E27FC236}">
-                  <a16:creationId xmlns:a16="http://schemas.microsoft.com/office/drawing/2014/main" xmlns="" id="{C07CBEFF-AC23-48EE-9AAC-1FA1D8A06680}"/>
+                  <a16:creationId xmlns:a16="http://schemas.microsoft.com/office/drawing/2014/main" id="{C07CBEFF-AC23-48EE-9AAC-1FA1D8A06680}"/>
                 </a:ext>
               </a:extLst>
             </p:cNvPr>
@@ -22738,7 +22773,7 @@
             <p:cNvPr id="49" name="Google Shape;241;p5">
               <a:extLst>
                 <a:ext uri="{FF2B5EF4-FFF2-40B4-BE49-F238E27FC236}">
-                  <a16:creationId xmlns:a16="http://schemas.microsoft.com/office/drawing/2014/main" xmlns="" id="{7B5E2799-9016-421C-90B2-8F7868573E65}"/>
+                  <a16:creationId xmlns:a16="http://schemas.microsoft.com/office/drawing/2014/main" id="{7B5E2799-9016-421C-90B2-8F7868573E65}"/>
                 </a:ext>
               </a:extLst>
             </p:cNvPr>
@@ -22799,7 +22834,7 @@
             <p:cNvPr id="32" name="Google Shape;244;p5">
               <a:extLst>
                 <a:ext uri="{FF2B5EF4-FFF2-40B4-BE49-F238E27FC236}">
-                  <a16:creationId xmlns:a16="http://schemas.microsoft.com/office/drawing/2014/main" xmlns="" id="{DDF56EF9-DF75-4F42-ABE9-769413AE8D65}"/>
+                  <a16:creationId xmlns:a16="http://schemas.microsoft.com/office/drawing/2014/main" id="{DDF56EF9-DF75-4F42-ABE9-769413AE8D65}"/>
                 </a:ext>
               </a:extLst>
             </p:cNvPr>
@@ -22862,7 +22897,7 @@
             <p:cNvPr id="33" name="Google Shape;245;p5">
               <a:extLst>
                 <a:ext uri="{FF2B5EF4-FFF2-40B4-BE49-F238E27FC236}">
-                  <a16:creationId xmlns:a16="http://schemas.microsoft.com/office/drawing/2014/main" xmlns="" id="{30F9EBDA-7D12-4358-BAA3-2AF5D9245942}"/>
+                  <a16:creationId xmlns:a16="http://schemas.microsoft.com/office/drawing/2014/main" id="{30F9EBDA-7D12-4358-BAA3-2AF5D9245942}"/>
                 </a:ext>
               </a:extLst>
             </p:cNvPr>
@@ -22925,7 +22960,7 @@
             <p:cNvPr id="34" name="Google Shape;246;p5">
               <a:extLst>
                 <a:ext uri="{FF2B5EF4-FFF2-40B4-BE49-F238E27FC236}">
-                  <a16:creationId xmlns:a16="http://schemas.microsoft.com/office/drawing/2014/main" xmlns="" id="{2A2D70C6-90B9-4CB4-BA29-CAC6D31397A5}"/>
+                  <a16:creationId xmlns:a16="http://schemas.microsoft.com/office/drawing/2014/main" id="{2A2D70C6-90B9-4CB4-BA29-CAC6D31397A5}"/>
                 </a:ext>
               </a:extLst>
             </p:cNvPr>
@@ -22980,7 +23015,7 @@
             <p:cNvPr id="36" name="Google Shape;248;p5">
               <a:extLst>
                 <a:ext uri="{FF2B5EF4-FFF2-40B4-BE49-F238E27FC236}">
-                  <a16:creationId xmlns:a16="http://schemas.microsoft.com/office/drawing/2014/main" xmlns="" id="{7F5CFE63-EF5B-4071-8429-2AAB6B8B7581}"/>
+                  <a16:creationId xmlns:a16="http://schemas.microsoft.com/office/drawing/2014/main" id="{7F5CFE63-EF5B-4071-8429-2AAB6B8B7581}"/>
                 </a:ext>
               </a:extLst>
             </p:cNvPr>
@@ -23035,7 +23070,7 @@
             <p:cNvPr id="38" name="Google Shape;250;p5">
               <a:extLst>
                 <a:ext uri="{FF2B5EF4-FFF2-40B4-BE49-F238E27FC236}">
-                  <a16:creationId xmlns:a16="http://schemas.microsoft.com/office/drawing/2014/main" xmlns="" id="{E6FE6F3F-4FA4-4563-A3E1-C0F66B51DE60}"/>
+                  <a16:creationId xmlns:a16="http://schemas.microsoft.com/office/drawing/2014/main" id="{E6FE6F3F-4FA4-4563-A3E1-C0F66B51DE60}"/>
                 </a:ext>
               </a:extLst>
             </p:cNvPr>
@@ -23098,7 +23133,7 @@
             <p:cNvPr id="39" name="Google Shape;251;p5">
               <a:extLst>
                 <a:ext uri="{FF2B5EF4-FFF2-40B4-BE49-F238E27FC236}">
-                  <a16:creationId xmlns:a16="http://schemas.microsoft.com/office/drawing/2014/main" xmlns="" id="{20779659-A168-40EB-B881-47EB493F0382}"/>
+                  <a16:creationId xmlns:a16="http://schemas.microsoft.com/office/drawing/2014/main" id="{20779659-A168-40EB-B881-47EB493F0382}"/>
                 </a:ext>
               </a:extLst>
             </p:cNvPr>
@@ -23159,7 +23194,7 @@
             <p:cNvPr id="25" name="Google Shape;253;p5">
               <a:extLst>
                 <a:ext uri="{FF2B5EF4-FFF2-40B4-BE49-F238E27FC236}">
-                  <a16:creationId xmlns:a16="http://schemas.microsoft.com/office/drawing/2014/main" xmlns="" id="{80894CCC-4639-4059-B4EA-49BB60527D29}"/>
+                  <a16:creationId xmlns:a16="http://schemas.microsoft.com/office/drawing/2014/main" id="{80894CCC-4639-4059-B4EA-49BB60527D29}"/>
                 </a:ext>
               </a:extLst>
             </p:cNvPr>
@@ -23222,7 +23257,7 @@
             <p:cNvPr id="26" name="Google Shape;254;p5">
               <a:extLst>
                 <a:ext uri="{FF2B5EF4-FFF2-40B4-BE49-F238E27FC236}">
-                  <a16:creationId xmlns:a16="http://schemas.microsoft.com/office/drawing/2014/main" xmlns="" id="{CC6BE0D9-0F7E-4CEE-8ADE-641A2B8BA585}"/>
+                  <a16:creationId xmlns:a16="http://schemas.microsoft.com/office/drawing/2014/main" id="{CC6BE0D9-0F7E-4CEE-8ADE-641A2B8BA585}"/>
                 </a:ext>
               </a:extLst>
             </p:cNvPr>
@@ -23285,7 +23320,7 @@
             <p:cNvPr id="27" name="Google Shape;255;p5">
               <a:extLst>
                 <a:ext uri="{FF2B5EF4-FFF2-40B4-BE49-F238E27FC236}">
-                  <a16:creationId xmlns:a16="http://schemas.microsoft.com/office/drawing/2014/main" xmlns="" id="{EB5807E3-0DBA-49E7-B0E7-3CDFF428FAA4}"/>
+                  <a16:creationId xmlns:a16="http://schemas.microsoft.com/office/drawing/2014/main" id="{EB5807E3-0DBA-49E7-B0E7-3CDFF428FAA4}"/>
                 </a:ext>
               </a:extLst>
             </p:cNvPr>
@@ -23348,7 +23383,7 @@
             <p:cNvPr id="28" name="Google Shape;256;p5">
               <a:extLst>
                 <a:ext uri="{FF2B5EF4-FFF2-40B4-BE49-F238E27FC236}">
-                  <a16:creationId xmlns:a16="http://schemas.microsoft.com/office/drawing/2014/main" xmlns="" id="{FBF41069-FFCA-4875-9ED6-AEDBE7ABBE22}"/>
+                  <a16:creationId xmlns:a16="http://schemas.microsoft.com/office/drawing/2014/main" id="{FBF41069-FFCA-4875-9ED6-AEDBE7ABBE22}"/>
                 </a:ext>
               </a:extLst>
             </p:cNvPr>
@@ -23411,7 +23446,7 @@
             <p:cNvPr id="29" name="Google Shape;257;p5">
               <a:extLst>
                 <a:ext uri="{FF2B5EF4-FFF2-40B4-BE49-F238E27FC236}">
-                  <a16:creationId xmlns:a16="http://schemas.microsoft.com/office/drawing/2014/main" xmlns="" id="{68722AA1-70B6-4111-93A8-1DAFEE187FA1}"/>
+                  <a16:creationId xmlns:a16="http://schemas.microsoft.com/office/drawing/2014/main" id="{68722AA1-70B6-4111-93A8-1DAFEE187FA1}"/>
                 </a:ext>
               </a:extLst>
             </p:cNvPr>
@@ -23472,7 +23507,7 @@
             <p:cNvPr id="30" name="Google Shape;258;p5">
               <a:extLst>
                 <a:ext uri="{FF2B5EF4-FFF2-40B4-BE49-F238E27FC236}">
-                  <a16:creationId xmlns:a16="http://schemas.microsoft.com/office/drawing/2014/main" xmlns="" id="{273B0725-298A-4328-8FB2-7C06B4A8DE32}"/>
+                  <a16:creationId xmlns:a16="http://schemas.microsoft.com/office/drawing/2014/main" id="{273B0725-298A-4328-8FB2-7C06B4A8DE32}"/>
                 </a:ext>
               </a:extLst>
             </p:cNvPr>
@@ -23533,7 +23568,7 @@
             <p:cNvPr id="17" name="Google Shape;260;p5">
               <a:extLst>
                 <a:ext uri="{FF2B5EF4-FFF2-40B4-BE49-F238E27FC236}">
-                  <a16:creationId xmlns:a16="http://schemas.microsoft.com/office/drawing/2014/main" xmlns="" id="{B7E111D1-6830-459B-A81F-B6AFB22A6947}"/>
+                  <a16:creationId xmlns:a16="http://schemas.microsoft.com/office/drawing/2014/main" id="{B7E111D1-6830-459B-A81F-B6AFB22A6947}"/>
                 </a:ext>
               </a:extLst>
             </p:cNvPr>
@@ -23594,7 +23629,7 @@
             <p:cNvPr id="18" name="Google Shape;261;p5">
               <a:extLst>
                 <a:ext uri="{FF2B5EF4-FFF2-40B4-BE49-F238E27FC236}">
-                  <a16:creationId xmlns:a16="http://schemas.microsoft.com/office/drawing/2014/main" xmlns="" id="{61F1BC2B-3B20-47C6-9DB3-C5B66EBB280E}"/>
+                  <a16:creationId xmlns:a16="http://schemas.microsoft.com/office/drawing/2014/main" id="{61F1BC2B-3B20-47C6-9DB3-C5B66EBB280E}"/>
                 </a:ext>
               </a:extLst>
             </p:cNvPr>
@@ -23657,7 +23692,7 @@
             <p:cNvPr id="19" name="Google Shape;262;p5">
               <a:extLst>
                 <a:ext uri="{FF2B5EF4-FFF2-40B4-BE49-F238E27FC236}">
-                  <a16:creationId xmlns:a16="http://schemas.microsoft.com/office/drawing/2014/main" xmlns="" id="{6C8ADEF5-0DDB-4F87-AD66-3EF3CA8FEE94}"/>
+                  <a16:creationId xmlns:a16="http://schemas.microsoft.com/office/drawing/2014/main" id="{6C8ADEF5-0DDB-4F87-AD66-3EF3CA8FEE94}"/>
                 </a:ext>
               </a:extLst>
             </p:cNvPr>
@@ -23720,7 +23755,7 @@
             <p:cNvPr id="20" name="Google Shape;263;p5">
               <a:extLst>
                 <a:ext uri="{FF2B5EF4-FFF2-40B4-BE49-F238E27FC236}">
-                  <a16:creationId xmlns:a16="http://schemas.microsoft.com/office/drawing/2014/main" xmlns="" id="{449C1977-56DF-468A-998F-5D476388D0F9}"/>
+                  <a16:creationId xmlns:a16="http://schemas.microsoft.com/office/drawing/2014/main" id="{449C1977-56DF-468A-998F-5D476388D0F9}"/>
                 </a:ext>
               </a:extLst>
             </p:cNvPr>
@@ -23783,7 +23818,7 @@
             <p:cNvPr id="21" name="Google Shape;264;p5">
               <a:extLst>
                 <a:ext uri="{FF2B5EF4-FFF2-40B4-BE49-F238E27FC236}">
-                  <a16:creationId xmlns:a16="http://schemas.microsoft.com/office/drawing/2014/main" xmlns="" id="{E2C3AB1E-C611-467F-A3D7-971382FA9B13}"/>
+                  <a16:creationId xmlns:a16="http://schemas.microsoft.com/office/drawing/2014/main" id="{E2C3AB1E-C611-467F-A3D7-971382FA9B13}"/>
                 </a:ext>
               </a:extLst>
             </p:cNvPr>
@@ -23844,7 +23879,7 @@
             <p:cNvPr id="22" name="Google Shape;265;p5">
               <a:extLst>
                 <a:ext uri="{FF2B5EF4-FFF2-40B4-BE49-F238E27FC236}">
-                  <a16:creationId xmlns:a16="http://schemas.microsoft.com/office/drawing/2014/main" xmlns="" id="{73136191-6D72-4D07-8315-AA8294F0441A}"/>
+                  <a16:creationId xmlns:a16="http://schemas.microsoft.com/office/drawing/2014/main" id="{73136191-6D72-4D07-8315-AA8294F0441A}"/>
                 </a:ext>
               </a:extLst>
             </p:cNvPr>
@@ -23906,7 +23941,7 @@
           <p:cNvPr id="62" name="그림 61">
             <a:extLst>
               <a:ext uri="{FF2B5EF4-FFF2-40B4-BE49-F238E27FC236}">
-                <a16:creationId xmlns:a16="http://schemas.microsoft.com/office/drawing/2014/main" xmlns="" id="{B6CF988E-0FDC-45AC-AE29-A91246C62D79}"/>
+                <a16:creationId xmlns:a16="http://schemas.microsoft.com/office/drawing/2014/main" id="{B6CF988E-0FDC-45AC-AE29-A91246C62D79}"/>
               </a:ext>
             </a:extLst>
           </p:cNvPr>
@@ -23942,7 +23977,7 @@
           <p:cNvPr id="59" name="그룹 58">
             <a:extLst>
               <a:ext uri="{FF2B5EF4-FFF2-40B4-BE49-F238E27FC236}">
-                <a16:creationId xmlns:a16="http://schemas.microsoft.com/office/drawing/2014/main" xmlns="" id="{1A1090DD-64BD-E728-22E9-44D248DFB6AF}"/>
+                <a16:creationId xmlns:a16="http://schemas.microsoft.com/office/drawing/2014/main" id="{1A1090DD-64BD-E728-22E9-44D248DFB6AF}"/>
               </a:ext>
             </a:extLst>
           </p:cNvPr>
@@ -23965,7 +24000,7 @@
             <p:cNvPr id="61" name="Google Shape;225;p5">
               <a:extLst>
                 <a:ext uri="{FF2B5EF4-FFF2-40B4-BE49-F238E27FC236}">
-                  <a16:creationId xmlns:a16="http://schemas.microsoft.com/office/drawing/2014/main" xmlns="" id="{7FF31F27-F67D-554A-E9FD-98FCE37F1A89}"/>
+                  <a16:creationId xmlns:a16="http://schemas.microsoft.com/office/drawing/2014/main" id="{7FF31F27-F67D-554A-E9FD-98FCE37F1A89}"/>
                 </a:ext>
               </a:extLst>
             </p:cNvPr>
@@ -24026,7 +24061,7 @@
             <p:cNvPr id="63" name="Google Shape;226;p5">
               <a:extLst>
                 <a:ext uri="{FF2B5EF4-FFF2-40B4-BE49-F238E27FC236}">
-                  <a16:creationId xmlns:a16="http://schemas.microsoft.com/office/drawing/2014/main" xmlns="" id="{5D7F1D87-1693-AA1D-FF3D-BB4F8227B777}"/>
+                  <a16:creationId xmlns:a16="http://schemas.microsoft.com/office/drawing/2014/main" id="{5D7F1D87-1693-AA1D-FF3D-BB4F8227B777}"/>
                 </a:ext>
               </a:extLst>
             </p:cNvPr>
@@ -24087,7 +24122,7 @@
             <p:cNvPr id="66" name="Google Shape;227;p5">
               <a:extLst>
                 <a:ext uri="{FF2B5EF4-FFF2-40B4-BE49-F238E27FC236}">
-                  <a16:creationId xmlns:a16="http://schemas.microsoft.com/office/drawing/2014/main" xmlns="" id="{BA51022D-E065-67BC-D25F-8E69DBBF78BE}"/>
+                  <a16:creationId xmlns:a16="http://schemas.microsoft.com/office/drawing/2014/main" id="{BA51022D-E065-67BC-D25F-8E69DBBF78BE}"/>
                 </a:ext>
               </a:extLst>
             </p:cNvPr>
@@ -24140,7 +24175,7 @@
             <p:cNvPr id="72" name="Google Shape;229;p5">
               <a:extLst>
                 <a:ext uri="{FF2B5EF4-FFF2-40B4-BE49-F238E27FC236}">
-                  <a16:creationId xmlns:a16="http://schemas.microsoft.com/office/drawing/2014/main" xmlns="" id="{9344447E-F4CE-6E08-4AB0-682F96FA367F}"/>
+                  <a16:creationId xmlns:a16="http://schemas.microsoft.com/office/drawing/2014/main" id="{9344447E-F4CE-6E08-4AB0-682F96FA367F}"/>
                 </a:ext>
               </a:extLst>
             </p:cNvPr>
@@ -24195,7 +24230,7 @@
             <p:cNvPr id="73" name="Google Shape;231;p5">
               <a:extLst>
                 <a:ext uri="{FF2B5EF4-FFF2-40B4-BE49-F238E27FC236}">
-                  <a16:creationId xmlns:a16="http://schemas.microsoft.com/office/drawing/2014/main" xmlns="" id="{613AD46A-77B5-D1F8-BA62-2265F1C67676}"/>
+                  <a16:creationId xmlns:a16="http://schemas.microsoft.com/office/drawing/2014/main" id="{613AD46A-77B5-D1F8-BA62-2265F1C67676}"/>
                 </a:ext>
               </a:extLst>
             </p:cNvPr>
@@ -24258,7 +24293,7 @@
             <p:cNvPr id="74" name="Google Shape;232;p5">
               <a:extLst>
                 <a:ext uri="{FF2B5EF4-FFF2-40B4-BE49-F238E27FC236}">
-                  <a16:creationId xmlns:a16="http://schemas.microsoft.com/office/drawing/2014/main" xmlns="" id="{8D057FEF-D3D3-44A6-6082-81CCA3A10AAD}"/>
+                  <a16:creationId xmlns:a16="http://schemas.microsoft.com/office/drawing/2014/main" id="{8D057FEF-D3D3-44A6-6082-81CCA3A10AAD}"/>
                 </a:ext>
               </a:extLst>
             </p:cNvPr>
@@ -24321,7 +24356,7 @@
             <p:cNvPr id="75" name="Google Shape;234;p5">
               <a:extLst>
                 <a:ext uri="{FF2B5EF4-FFF2-40B4-BE49-F238E27FC236}">
-                  <a16:creationId xmlns:a16="http://schemas.microsoft.com/office/drawing/2014/main" xmlns="" id="{939B94E7-E0D4-C077-DFD6-4938AB01BEB6}"/>
+                  <a16:creationId xmlns:a16="http://schemas.microsoft.com/office/drawing/2014/main" id="{939B94E7-E0D4-C077-DFD6-4938AB01BEB6}"/>
                 </a:ext>
               </a:extLst>
             </p:cNvPr>
@@ -24382,7 +24417,7 @@
             <p:cNvPr id="76" name="Google Shape;235;p5">
               <a:extLst>
                 <a:ext uri="{FF2B5EF4-FFF2-40B4-BE49-F238E27FC236}">
-                  <a16:creationId xmlns:a16="http://schemas.microsoft.com/office/drawing/2014/main" xmlns="" id="{53D24812-C116-983A-737D-ECD34F458234}"/>
+                  <a16:creationId xmlns:a16="http://schemas.microsoft.com/office/drawing/2014/main" id="{53D24812-C116-983A-737D-ECD34F458234}"/>
                 </a:ext>
               </a:extLst>
             </p:cNvPr>
@@ -24435,7 +24470,7 @@
             <p:cNvPr id="77" name="Google Shape;237;p5">
               <a:extLst>
                 <a:ext uri="{FF2B5EF4-FFF2-40B4-BE49-F238E27FC236}">
-                  <a16:creationId xmlns:a16="http://schemas.microsoft.com/office/drawing/2014/main" xmlns="" id="{B83245AB-2E14-CD89-E516-B7BA0D150ACF}"/>
+                  <a16:creationId xmlns:a16="http://schemas.microsoft.com/office/drawing/2014/main" id="{B83245AB-2E14-CD89-E516-B7BA0D150ACF}"/>
                 </a:ext>
               </a:extLst>
             </p:cNvPr>
@@ -24498,7 +24533,7 @@
             <p:cNvPr id="78" name="Google Shape;238;p5">
               <a:extLst>
                 <a:ext uri="{FF2B5EF4-FFF2-40B4-BE49-F238E27FC236}">
-                  <a16:creationId xmlns:a16="http://schemas.microsoft.com/office/drawing/2014/main" xmlns="" id="{1BFE84DB-9DEA-9952-A816-7287FD8D75AF}"/>
+                  <a16:creationId xmlns:a16="http://schemas.microsoft.com/office/drawing/2014/main" id="{1BFE84DB-9DEA-9952-A816-7287FD8D75AF}"/>
                 </a:ext>
               </a:extLst>
             </p:cNvPr>
@@ -24553,7 +24588,7 @@
             <p:cNvPr id="79" name="Google Shape;240;p5">
               <a:extLst>
                 <a:ext uri="{FF2B5EF4-FFF2-40B4-BE49-F238E27FC236}">
-                  <a16:creationId xmlns:a16="http://schemas.microsoft.com/office/drawing/2014/main" xmlns="" id="{62823C2E-0F0C-4204-73DD-05F0628CBBEC}"/>
+                  <a16:creationId xmlns:a16="http://schemas.microsoft.com/office/drawing/2014/main" id="{62823C2E-0F0C-4204-73DD-05F0628CBBEC}"/>
                 </a:ext>
               </a:extLst>
             </p:cNvPr>
@@ -24616,7 +24651,7 @@
             <p:cNvPr id="80" name="Google Shape;241;p5">
               <a:extLst>
                 <a:ext uri="{FF2B5EF4-FFF2-40B4-BE49-F238E27FC236}">
-                  <a16:creationId xmlns:a16="http://schemas.microsoft.com/office/drawing/2014/main" xmlns="" id="{F759B8FD-C18E-C816-A689-DC4D36C18495}"/>
+                  <a16:creationId xmlns:a16="http://schemas.microsoft.com/office/drawing/2014/main" id="{F759B8FD-C18E-C816-A689-DC4D36C18495}"/>
                 </a:ext>
               </a:extLst>
             </p:cNvPr>
@@ -24679,7 +24714,7 @@
             <p:cNvPr id="81" name="Google Shape;244;p5">
               <a:extLst>
                 <a:ext uri="{FF2B5EF4-FFF2-40B4-BE49-F238E27FC236}">
-                  <a16:creationId xmlns:a16="http://schemas.microsoft.com/office/drawing/2014/main" xmlns="" id="{F3C52BF1-EC20-BE34-542E-E47272C2ABAD}"/>
+                  <a16:creationId xmlns:a16="http://schemas.microsoft.com/office/drawing/2014/main" id="{F3C52BF1-EC20-BE34-542E-E47272C2ABAD}"/>
                 </a:ext>
               </a:extLst>
             </p:cNvPr>
@@ -24740,7 +24775,7 @@
             <p:cNvPr id="82" name="Google Shape;245;p5">
               <a:extLst>
                 <a:ext uri="{FF2B5EF4-FFF2-40B4-BE49-F238E27FC236}">
-                  <a16:creationId xmlns:a16="http://schemas.microsoft.com/office/drawing/2014/main" xmlns="" id="{FD8850F5-EB3D-6B4E-6E2F-55A0D5188ADD}"/>
+                  <a16:creationId xmlns:a16="http://schemas.microsoft.com/office/drawing/2014/main" id="{FD8850F5-EB3D-6B4E-6E2F-55A0D5188ADD}"/>
                 </a:ext>
               </a:extLst>
             </p:cNvPr>
@@ -24801,7 +24836,7 @@
             <p:cNvPr id="83" name="Google Shape;246;p5">
               <a:extLst>
                 <a:ext uri="{FF2B5EF4-FFF2-40B4-BE49-F238E27FC236}">
-                  <a16:creationId xmlns:a16="http://schemas.microsoft.com/office/drawing/2014/main" xmlns="" id="{BCDCC166-3455-C213-029D-535C0220E8F9}"/>
+                  <a16:creationId xmlns:a16="http://schemas.microsoft.com/office/drawing/2014/main" id="{BCDCC166-3455-C213-029D-535C0220E8F9}"/>
                 </a:ext>
               </a:extLst>
             </p:cNvPr>
@@ -24856,7 +24891,7 @@
             <p:cNvPr id="84" name="Google Shape;248;p5">
               <a:extLst>
                 <a:ext uri="{FF2B5EF4-FFF2-40B4-BE49-F238E27FC236}">
-                  <a16:creationId xmlns:a16="http://schemas.microsoft.com/office/drawing/2014/main" xmlns="" id="{2E14F881-2172-4ADA-51FB-F8BD13467F3C}"/>
+                  <a16:creationId xmlns:a16="http://schemas.microsoft.com/office/drawing/2014/main" id="{2E14F881-2172-4ADA-51FB-F8BD13467F3C}"/>
                 </a:ext>
               </a:extLst>
             </p:cNvPr>
@@ -24911,7 +24946,7 @@
             <p:cNvPr id="85" name="Google Shape;250;p5">
               <a:extLst>
                 <a:ext uri="{FF2B5EF4-FFF2-40B4-BE49-F238E27FC236}">
-                  <a16:creationId xmlns:a16="http://schemas.microsoft.com/office/drawing/2014/main" xmlns="" id="{BBEA52A4-0179-03D1-6D75-CE669AC4B800}"/>
+                  <a16:creationId xmlns:a16="http://schemas.microsoft.com/office/drawing/2014/main" id="{BBEA52A4-0179-03D1-6D75-CE669AC4B800}"/>
                 </a:ext>
               </a:extLst>
             </p:cNvPr>
@@ -24974,7 +25009,7 @@
             <p:cNvPr id="86" name="Google Shape;251;p5">
               <a:extLst>
                 <a:ext uri="{FF2B5EF4-FFF2-40B4-BE49-F238E27FC236}">
-                  <a16:creationId xmlns:a16="http://schemas.microsoft.com/office/drawing/2014/main" xmlns="" id="{0F00750D-7772-7633-7692-EDC9AB30A390}"/>
+                  <a16:creationId xmlns:a16="http://schemas.microsoft.com/office/drawing/2014/main" id="{0F00750D-7772-7633-7692-EDC9AB30A390}"/>
                 </a:ext>
               </a:extLst>
             </p:cNvPr>
@@ -25037,7 +25072,7 @@
             <p:cNvPr id="87" name="Google Shape;253;p5">
               <a:extLst>
                 <a:ext uri="{FF2B5EF4-FFF2-40B4-BE49-F238E27FC236}">
-                  <a16:creationId xmlns:a16="http://schemas.microsoft.com/office/drawing/2014/main" xmlns="" id="{97C3A06E-339F-1F34-C9E9-3AA1B197F0ED}"/>
+                  <a16:creationId xmlns:a16="http://schemas.microsoft.com/office/drawing/2014/main" id="{97C3A06E-339F-1F34-C9E9-3AA1B197F0ED}"/>
                 </a:ext>
               </a:extLst>
             </p:cNvPr>
@@ -25098,7 +25133,7 @@
             <p:cNvPr id="88" name="Google Shape;254;p5">
               <a:extLst>
                 <a:ext uri="{FF2B5EF4-FFF2-40B4-BE49-F238E27FC236}">
-                  <a16:creationId xmlns:a16="http://schemas.microsoft.com/office/drawing/2014/main" xmlns="" id="{17B632D0-498A-491D-0F94-B0A253145371}"/>
+                  <a16:creationId xmlns:a16="http://schemas.microsoft.com/office/drawing/2014/main" id="{17B632D0-498A-491D-0F94-B0A253145371}"/>
                 </a:ext>
               </a:extLst>
             </p:cNvPr>
@@ -25159,7 +25194,7 @@
             <p:cNvPr id="89" name="Google Shape;255;p5">
               <a:extLst>
                 <a:ext uri="{FF2B5EF4-FFF2-40B4-BE49-F238E27FC236}">
-                  <a16:creationId xmlns:a16="http://schemas.microsoft.com/office/drawing/2014/main" xmlns="" id="{FA5B3521-BBE3-FA9F-D5F6-740907F651A5}"/>
+                  <a16:creationId xmlns:a16="http://schemas.microsoft.com/office/drawing/2014/main" id="{FA5B3521-BBE3-FA9F-D5F6-740907F651A5}"/>
                 </a:ext>
               </a:extLst>
             </p:cNvPr>
@@ -25222,7 +25257,7 @@
             <p:cNvPr id="90" name="Google Shape;256;p5">
               <a:extLst>
                 <a:ext uri="{FF2B5EF4-FFF2-40B4-BE49-F238E27FC236}">
-                  <a16:creationId xmlns:a16="http://schemas.microsoft.com/office/drawing/2014/main" xmlns="" id="{964D9183-A9E2-381F-8610-995462332D8A}"/>
+                  <a16:creationId xmlns:a16="http://schemas.microsoft.com/office/drawing/2014/main" id="{964D9183-A9E2-381F-8610-995462332D8A}"/>
                 </a:ext>
               </a:extLst>
             </p:cNvPr>
@@ -25285,7 +25320,7 @@
             <p:cNvPr id="91" name="Google Shape;257;p5">
               <a:extLst>
                 <a:ext uri="{FF2B5EF4-FFF2-40B4-BE49-F238E27FC236}">
-                  <a16:creationId xmlns:a16="http://schemas.microsoft.com/office/drawing/2014/main" xmlns="" id="{F84D7715-E29F-5004-6461-5E67404EF625}"/>
+                  <a16:creationId xmlns:a16="http://schemas.microsoft.com/office/drawing/2014/main" id="{F84D7715-E29F-5004-6461-5E67404EF625}"/>
                 </a:ext>
               </a:extLst>
             </p:cNvPr>
@@ -25348,7 +25383,7 @@
             <p:cNvPr id="92" name="Google Shape;258;p5">
               <a:extLst>
                 <a:ext uri="{FF2B5EF4-FFF2-40B4-BE49-F238E27FC236}">
-                  <a16:creationId xmlns:a16="http://schemas.microsoft.com/office/drawing/2014/main" xmlns="" id="{BDB6123C-D785-FAE5-1DF4-6E5AD762FB2D}"/>
+                  <a16:creationId xmlns:a16="http://schemas.microsoft.com/office/drawing/2014/main" id="{BDB6123C-D785-FAE5-1DF4-6E5AD762FB2D}"/>
                 </a:ext>
               </a:extLst>
             </p:cNvPr>
@@ -25411,7 +25446,7 @@
             <p:cNvPr id="93" name="Google Shape;260;p5">
               <a:extLst>
                 <a:ext uri="{FF2B5EF4-FFF2-40B4-BE49-F238E27FC236}">
-                  <a16:creationId xmlns:a16="http://schemas.microsoft.com/office/drawing/2014/main" xmlns="" id="{F344FDCB-830E-0A65-5D06-5534711A4E00}"/>
+                  <a16:creationId xmlns:a16="http://schemas.microsoft.com/office/drawing/2014/main" id="{F344FDCB-830E-0A65-5D06-5534711A4E00}"/>
                 </a:ext>
               </a:extLst>
             </p:cNvPr>
@@ -25472,7 +25507,7 @@
             <p:cNvPr id="94" name="Google Shape;261;p5">
               <a:extLst>
                 <a:ext uri="{FF2B5EF4-FFF2-40B4-BE49-F238E27FC236}">
-                  <a16:creationId xmlns:a16="http://schemas.microsoft.com/office/drawing/2014/main" xmlns="" id="{3C0F15DE-2BE2-F0F3-F4BC-0FAC2BD31696}"/>
+                  <a16:creationId xmlns:a16="http://schemas.microsoft.com/office/drawing/2014/main" id="{3C0F15DE-2BE2-F0F3-F4BC-0FAC2BD31696}"/>
                 </a:ext>
               </a:extLst>
             </p:cNvPr>
@@ -25533,7 +25568,7 @@
             <p:cNvPr id="95" name="Google Shape;262;p5">
               <a:extLst>
                 <a:ext uri="{FF2B5EF4-FFF2-40B4-BE49-F238E27FC236}">
-                  <a16:creationId xmlns:a16="http://schemas.microsoft.com/office/drawing/2014/main" xmlns="" id="{65625AF9-9A9E-32D0-ACD2-3B7EAD71E016}"/>
+                  <a16:creationId xmlns:a16="http://schemas.microsoft.com/office/drawing/2014/main" id="{65625AF9-9A9E-32D0-ACD2-3B7EAD71E016}"/>
                 </a:ext>
               </a:extLst>
             </p:cNvPr>
@@ -25594,7 +25629,7 @@
             <p:cNvPr id="96" name="Google Shape;263;p5">
               <a:extLst>
                 <a:ext uri="{FF2B5EF4-FFF2-40B4-BE49-F238E27FC236}">
-                  <a16:creationId xmlns:a16="http://schemas.microsoft.com/office/drawing/2014/main" xmlns="" id="{3A97F7E3-DA42-7DFF-F98A-ED86237A1EB8}"/>
+                  <a16:creationId xmlns:a16="http://schemas.microsoft.com/office/drawing/2014/main" id="{3A97F7E3-DA42-7DFF-F98A-ED86237A1EB8}"/>
                 </a:ext>
               </a:extLst>
             </p:cNvPr>
@@ -25657,7 +25692,7 @@
             <p:cNvPr id="97" name="Google Shape;264;p5">
               <a:extLst>
                 <a:ext uri="{FF2B5EF4-FFF2-40B4-BE49-F238E27FC236}">
-                  <a16:creationId xmlns:a16="http://schemas.microsoft.com/office/drawing/2014/main" xmlns="" id="{26D24AC0-4F32-F4A9-5B38-D6BEB75CAFD6}"/>
+                  <a16:creationId xmlns:a16="http://schemas.microsoft.com/office/drawing/2014/main" id="{26D24AC0-4F32-F4A9-5B38-D6BEB75CAFD6}"/>
                 </a:ext>
               </a:extLst>
             </p:cNvPr>
@@ -25720,7 +25755,7 @@
             <p:cNvPr id="98" name="Google Shape;265;p5">
               <a:extLst>
                 <a:ext uri="{FF2B5EF4-FFF2-40B4-BE49-F238E27FC236}">
-                  <a16:creationId xmlns:a16="http://schemas.microsoft.com/office/drawing/2014/main" xmlns="" id="{BFD7B7FC-8B42-FD1D-3CD7-B90619ACBD0A}"/>
+                  <a16:creationId xmlns:a16="http://schemas.microsoft.com/office/drawing/2014/main" id="{BFD7B7FC-8B42-FD1D-3CD7-B90619ACBD0A}"/>
                 </a:ext>
               </a:extLst>
             </p:cNvPr>
@@ -25784,7 +25819,7 @@
           <p:cNvPr id="60" name="그림 59">
             <a:extLst>
               <a:ext uri="{FF2B5EF4-FFF2-40B4-BE49-F238E27FC236}">
-                <a16:creationId xmlns:a16="http://schemas.microsoft.com/office/drawing/2014/main" xmlns="" id="{FA4B5FCB-9D26-C9E5-C8D5-CB8603C86130}"/>
+                <a16:creationId xmlns:a16="http://schemas.microsoft.com/office/drawing/2014/main" id="{FA4B5FCB-9D26-C9E5-C8D5-CB8603C86130}"/>
               </a:ext>
             </a:extLst>
           </p:cNvPr>
@@ -25820,7 +25855,7 @@
           <p:cNvPr id="100" name="그룹 99">
             <a:extLst>
               <a:ext uri="{FF2B5EF4-FFF2-40B4-BE49-F238E27FC236}">
-                <a16:creationId xmlns:a16="http://schemas.microsoft.com/office/drawing/2014/main" xmlns="" id="{92302509-FF3F-9A2C-41B2-7867CA35DE2C}"/>
+                <a16:creationId xmlns:a16="http://schemas.microsoft.com/office/drawing/2014/main" id="{92302509-FF3F-9A2C-41B2-7867CA35DE2C}"/>
               </a:ext>
             </a:extLst>
           </p:cNvPr>
@@ -25843,7 +25878,7 @@
             <p:cNvPr id="102" name="Google Shape;225;p5">
               <a:extLst>
                 <a:ext uri="{FF2B5EF4-FFF2-40B4-BE49-F238E27FC236}">
-                  <a16:creationId xmlns:a16="http://schemas.microsoft.com/office/drawing/2014/main" xmlns="" id="{F518AAD9-9A64-39E8-30C7-2CE7812B6A27}"/>
+                  <a16:creationId xmlns:a16="http://schemas.microsoft.com/office/drawing/2014/main" id="{F518AAD9-9A64-39E8-30C7-2CE7812B6A27}"/>
                 </a:ext>
               </a:extLst>
             </p:cNvPr>
@@ -25904,7 +25939,7 @@
             <p:cNvPr id="103" name="Google Shape;226;p5">
               <a:extLst>
                 <a:ext uri="{FF2B5EF4-FFF2-40B4-BE49-F238E27FC236}">
-                  <a16:creationId xmlns:a16="http://schemas.microsoft.com/office/drawing/2014/main" xmlns="" id="{C0D12B72-B709-FDBE-F4F8-FDD74611FC5B}"/>
+                  <a16:creationId xmlns:a16="http://schemas.microsoft.com/office/drawing/2014/main" id="{C0D12B72-B709-FDBE-F4F8-FDD74611FC5B}"/>
                 </a:ext>
               </a:extLst>
             </p:cNvPr>
@@ -25965,7 +26000,7 @@
             <p:cNvPr id="104" name="Google Shape;227;p5">
               <a:extLst>
                 <a:ext uri="{FF2B5EF4-FFF2-40B4-BE49-F238E27FC236}">
-                  <a16:creationId xmlns:a16="http://schemas.microsoft.com/office/drawing/2014/main" xmlns="" id="{3A3B525B-5392-5E07-E0FA-E4C7A9BFF68D}"/>
+                  <a16:creationId xmlns:a16="http://schemas.microsoft.com/office/drawing/2014/main" id="{3A3B525B-5392-5E07-E0FA-E4C7A9BFF68D}"/>
                 </a:ext>
               </a:extLst>
             </p:cNvPr>
@@ -26018,7 +26053,7 @@
             <p:cNvPr id="105" name="Google Shape;229;p5">
               <a:extLst>
                 <a:ext uri="{FF2B5EF4-FFF2-40B4-BE49-F238E27FC236}">
-                  <a16:creationId xmlns:a16="http://schemas.microsoft.com/office/drawing/2014/main" xmlns="" id="{DE6B0123-B97F-7766-F21D-29629B38D121}"/>
+                  <a16:creationId xmlns:a16="http://schemas.microsoft.com/office/drawing/2014/main" id="{DE6B0123-B97F-7766-F21D-29629B38D121}"/>
                 </a:ext>
               </a:extLst>
             </p:cNvPr>
@@ -26071,7 +26106,7 @@
             <p:cNvPr id="106" name="Google Shape;231;p5">
               <a:extLst>
                 <a:ext uri="{FF2B5EF4-FFF2-40B4-BE49-F238E27FC236}">
-                  <a16:creationId xmlns:a16="http://schemas.microsoft.com/office/drawing/2014/main" xmlns="" id="{CC404064-EA37-3208-1087-38A095DB1BB3}"/>
+                  <a16:creationId xmlns:a16="http://schemas.microsoft.com/office/drawing/2014/main" id="{CC404064-EA37-3208-1087-38A095DB1BB3}"/>
                 </a:ext>
               </a:extLst>
             </p:cNvPr>
@@ -26132,7 +26167,7 @@
             <p:cNvPr id="107" name="Google Shape;232;p5">
               <a:extLst>
                 <a:ext uri="{FF2B5EF4-FFF2-40B4-BE49-F238E27FC236}">
-                  <a16:creationId xmlns:a16="http://schemas.microsoft.com/office/drawing/2014/main" xmlns="" id="{4C11EDDA-C89D-8FEF-086F-E9E937160993}"/>
+                  <a16:creationId xmlns:a16="http://schemas.microsoft.com/office/drawing/2014/main" id="{4C11EDDA-C89D-8FEF-086F-E9E937160993}"/>
                 </a:ext>
               </a:extLst>
             </p:cNvPr>
@@ -26193,7 +26228,7 @@
             <p:cNvPr id="108" name="Google Shape;234;p5">
               <a:extLst>
                 <a:ext uri="{FF2B5EF4-FFF2-40B4-BE49-F238E27FC236}">
-                  <a16:creationId xmlns:a16="http://schemas.microsoft.com/office/drawing/2014/main" xmlns="" id="{630FC8FD-E55A-C9A8-5A16-3C7F96979BFE}"/>
+                  <a16:creationId xmlns:a16="http://schemas.microsoft.com/office/drawing/2014/main" id="{630FC8FD-E55A-C9A8-5A16-3C7F96979BFE}"/>
                 </a:ext>
               </a:extLst>
             </p:cNvPr>
@@ -26254,7 +26289,7 @@
             <p:cNvPr id="109" name="Google Shape;235;p5">
               <a:extLst>
                 <a:ext uri="{FF2B5EF4-FFF2-40B4-BE49-F238E27FC236}">
-                  <a16:creationId xmlns:a16="http://schemas.microsoft.com/office/drawing/2014/main" xmlns="" id="{45F1FF0E-4EB4-A4AC-4FF0-3423274ABE8F}"/>
+                  <a16:creationId xmlns:a16="http://schemas.microsoft.com/office/drawing/2014/main" id="{45F1FF0E-4EB4-A4AC-4FF0-3423274ABE8F}"/>
                 </a:ext>
               </a:extLst>
             </p:cNvPr>
@@ -26307,7 +26342,7 @@
             <p:cNvPr id="110" name="Google Shape;237;p5">
               <a:extLst>
                 <a:ext uri="{FF2B5EF4-FFF2-40B4-BE49-F238E27FC236}">
-                  <a16:creationId xmlns:a16="http://schemas.microsoft.com/office/drawing/2014/main" xmlns="" id="{1915EA7B-B9F6-3021-617A-FCC2FBD20AEC}"/>
+                  <a16:creationId xmlns:a16="http://schemas.microsoft.com/office/drawing/2014/main" id="{1915EA7B-B9F6-3021-617A-FCC2FBD20AEC}"/>
                 </a:ext>
               </a:extLst>
             </p:cNvPr>
@@ -26368,7 +26403,7 @@
             <p:cNvPr id="111" name="Google Shape;238;p5">
               <a:extLst>
                 <a:ext uri="{FF2B5EF4-FFF2-40B4-BE49-F238E27FC236}">
-                  <a16:creationId xmlns:a16="http://schemas.microsoft.com/office/drawing/2014/main" xmlns="" id="{C049D11C-99EA-C5CE-DB26-CB7427402906}"/>
+                  <a16:creationId xmlns:a16="http://schemas.microsoft.com/office/drawing/2014/main" id="{C049D11C-99EA-C5CE-DB26-CB7427402906}"/>
                 </a:ext>
               </a:extLst>
             </p:cNvPr>
@@ -26421,7 +26456,7 @@
             <p:cNvPr id="112" name="Google Shape;240;p5">
               <a:extLst>
                 <a:ext uri="{FF2B5EF4-FFF2-40B4-BE49-F238E27FC236}">
-                  <a16:creationId xmlns:a16="http://schemas.microsoft.com/office/drawing/2014/main" xmlns="" id="{8A3C015F-5414-D413-87DC-BFB978F9CB85}"/>
+                  <a16:creationId xmlns:a16="http://schemas.microsoft.com/office/drawing/2014/main" id="{8A3C015F-5414-D413-87DC-BFB978F9CB85}"/>
                 </a:ext>
               </a:extLst>
             </p:cNvPr>
@@ -26482,7 +26517,7 @@
             <p:cNvPr id="113" name="Google Shape;241;p5">
               <a:extLst>
                 <a:ext uri="{FF2B5EF4-FFF2-40B4-BE49-F238E27FC236}">
-                  <a16:creationId xmlns:a16="http://schemas.microsoft.com/office/drawing/2014/main" xmlns="" id="{C2736475-D702-EFE9-CC6B-17C21F90C8AB}"/>
+                  <a16:creationId xmlns:a16="http://schemas.microsoft.com/office/drawing/2014/main" id="{C2736475-D702-EFE9-CC6B-17C21F90C8AB}"/>
                 </a:ext>
               </a:extLst>
             </p:cNvPr>
@@ -26543,7 +26578,7 @@
             <p:cNvPr id="114" name="Google Shape;244;p5">
               <a:extLst>
                 <a:ext uri="{FF2B5EF4-FFF2-40B4-BE49-F238E27FC236}">
-                  <a16:creationId xmlns:a16="http://schemas.microsoft.com/office/drawing/2014/main" xmlns="" id="{5584F9AA-C244-73E9-8062-4BF172B63926}"/>
+                  <a16:creationId xmlns:a16="http://schemas.microsoft.com/office/drawing/2014/main" id="{5584F9AA-C244-73E9-8062-4BF172B63926}"/>
                 </a:ext>
               </a:extLst>
             </p:cNvPr>
@@ -26604,7 +26639,7 @@
             <p:cNvPr id="115" name="Google Shape;245;p5">
               <a:extLst>
                 <a:ext uri="{FF2B5EF4-FFF2-40B4-BE49-F238E27FC236}">
-                  <a16:creationId xmlns:a16="http://schemas.microsoft.com/office/drawing/2014/main" xmlns="" id="{9B2E85AC-75E1-43B3-5C38-126E56BE25F7}"/>
+                  <a16:creationId xmlns:a16="http://schemas.microsoft.com/office/drawing/2014/main" id="{9B2E85AC-75E1-43B3-5C38-126E56BE25F7}"/>
                 </a:ext>
               </a:extLst>
             </p:cNvPr>
@@ -26667,7 +26702,7 @@
             <p:cNvPr id="116" name="Google Shape;246;p5">
               <a:extLst>
                 <a:ext uri="{FF2B5EF4-FFF2-40B4-BE49-F238E27FC236}">
-                  <a16:creationId xmlns:a16="http://schemas.microsoft.com/office/drawing/2014/main" xmlns="" id="{1E8ACAA5-90F4-336F-B41E-391C28368AB6}"/>
+                  <a16:creationId xmlns:a16="http://schemas.microsoft.com/office/drawing/2014/main" id="{1E8ACAA5-90F4-336F-B41E-391C28368AB6}"/>
                 </a:ext>
               </a:extLst>
             </p:cNvPr>
@@ -26722,7 +26757,7 @@
             <p:cNvPr id="118" name="Google Shape;248;p5">
               <a:extLst>
                 <a:ext uri="{FF2B5EF4-FFF2-40B4-BE49-F238E27FC236}">
-                  <a16:creationId xmlns:a16="http://schemas.microsoft.com/office/drawing/2014/main" xmlns="" id="{FB449E84-460C-00EB-0DF3-51B1A236641F}"/>
+                  <a16:creationId xmlns:a16="http://schemas.microsoft.com/office/drawing/2014/main" id="{FB449E84-460C-00EB-0DF3-51B1A236641F}"/>
                 </a:ext>
               </a:extLst>
             </p:cNvPr>
@@ -26777,7 +26812,7 @@
             <p:cNvPr id="126" name="Google Shape;250;p5">
               <a:extLst>
                 <a:ext uri="{FF2B5EF4-FFF2-40B4-BE49-F238E27FC236}">
-                  <a16:creationId xmlns:a16="http://schemas.microsoft.com/office/drawing/2014/main" xmlns="" id="{9D6A95B4-0178-C048-0A9A-FD890F592A9A}"/>
+                  <a16:creationId xmlns:a16="http://schemas.microsoft.com/office/drawing/2014/main" id="{9D6A95B4-0178-C048-0A9A-FD890F592A9A}"/>
                 </a:ext>
               </a:extLst>
             </p:cNvPr>
@@ -26840,7 +26875,7 @@
             <p:cNvPr id="127" name="Google Shape;251;p5">
               <a:extLst>
                 <a:ext uri="{FF2B5EF4-FFF2-40B4-BE49-F238E27FC236}">
-                  <a16:creationId xmlns:a16="http://schemas.microsoft.com/office/drawing/2014/main" xmlns="" id="{34356193-D853-8885-242F-B81D6445A9FA}"/>
+                  <a16:creationId xmlns:a16="http://schemas.microsoft.com/office/drawing/2014/main" id="{34356193-D853-8885-242F-B81D6445A9FA}"/>
                 </a:ext>
               </a:extLst>
             </p:cNvPr>
@@ -26903,7 +26938,7 @@
             <p:cNvPr id="128" name="Google Shape;253;p5">
               <a:extLst>
                 <a:ext uri="{FF2B5EF4-FFF2-40B4-BE49-F238E27FC236}">
-                  <a16:creationId xmlns:a16="http://schemas.microsoft.com/office/drawing/2014/main" xmlns="" id="{1BB502B4-8452-FF3B-BF89-E95B36B88A54}"/>
+                  <a16:creationId xmlns:a16="http://schemas.microsoft.com/office/drawing/2014/main" id="{1BB502B4-8452-FF3B-BF89-E95B36B88A54}"/>
                 </a:ext>
               </a:extLst>
             </p:cNvPr>
@@ -26964,7 +26999,7 @@
             <p:cNvPr id="129" name="Google Shape;254;p5">
               <a:extLst>
                 <a:ext uri="{FF2B5EF4-FFF2-40B4-BE49-F238E27FC236}">
-                  <a16:creationId xmlns:a16="http://schemas.microsoft.com/office/drawing/2014/main" xmlns="" id="{53C61893-5296-31D8-FEF5-F777D26A2881}"/>
+                  <a16:creationId xmlns:a16="http://schemas.microsoft.com/office/drawing/2014/main" id="{53C61893-5296-31D8-FEF5-F777D26A2881}"/>
                 </a:ext>
               </a:extLst>
             </p:cNvPr>
@@ -27025,7 +27060,7 @@
             <p:cNvPr id="130" name="Google Shape;255;p5">
               <a:extLst>
                 <a:ext uri="{FF2B5EF4-FFF2-40B4-BE49-F238E27FC236}">
-                  <a16:creationId xmlns:a16="http://schemas.microsoft.com/office/drawing/2014/main" xmlns="" id="{43954C80-1DBE-6414-BEBA-46C98DD57084}"/>
+                  <a16:creationId xmlns:a16="http://schemas.microsoft.com/office/drawing/2014/main" id="{43954C80-1DBE-6414-BEBA-46C98DD57084}"/>
                 </a:ext>
               </a:extLst>
             </p:cNvPr>
@@ -27088,7 +27123,7 @@
             <p:cNvPr id="131" name="Google Shape;256;p5">
               <a:extLst>
                 <a:ext uri="{FF2B5EF4-FFF2-40B4-BE49-F238E27FC236}">
-                  <a16:creationId xmlns:a16="http://schemas.microsoft.com/office/drawing/2014/main" xmlns="" id="{BFCB6730-EB72-F2AB-8009-5CC220351BE8}"/>
+                  <a16:creationId xmlns:a16="http://schemas.microsoft.com/office/drawing/2014/main" id="{BFCB6730-EB72-F2AB-8009-5CC220351BE8}"/>
                 </a:ext>
               </a:extLst>
             </p:cNvPr>
@@ -27149,7 +27184,7 @@
             <p:cNvPr id="132" name="Google Shape;257;p5">
               <a:extLst>
                 <a:ext uri="{FF2B5EF4-FFF2-40B4-BE49-F238E27FC236}">
-                  <a16:creationId xmlns:a16="http://schemas.microsoft.com/office/drawing/2014/main" xmlns="" id="{DED2F79F-6D7B-8BB5-E5DE-CF8A2D6C16C0}"/>
+                  <a16:creationId xmlns:a16="http://schemas.microsoft.com/office/drawing/2014/main" id="{DED2F79F-6D7B-8BB5-E5DE-CF8A2D6C16C0}"/>
                 </a:ext>
               </a:extLst>
             </p:cNvPr>
@@ -27210,7 +27245,7 @@
             <p:cNvPr id="133" name="Google Shape;258;p5">
               <a:extLst>
                 <a:ext uri="{FF2B5EF4-FFF2-40B4-BE49-F238E27FC236}">
-                  <a16:creationId xmlns:a16="http://schemas.microsoft.com/office/drawing/2014/main" xmlns="" id="{16501B0D-988C-4C55-D0C0-82A1D2C7C862}"/>
+                  <a16:creationId xmlns:a16="http://schemas.microsoft.com/office/drawing/2014/main" id="{16501B0D-988C-4C55-D0C0-82A1D2C7C862}"/>
                 </a:ext>
               </a:extLst>
             </p:cNvPr>
@@ -27271,7 +27306,7 @@
             <p:cNvPr id="134" name="Google Shape;260;p5">
               <a:extLst>
                 <a:ext uri="{FF2B5EF4-FFF2-40B4-BE49-F238E27FC236}">
-                  <a16:creationId xmlns:a16="http://schemas.microsoft.com/office/drawing/2014/main" xmlns="" id="{69C4F289-7D9F-5C13-CF5A-1149A62A3B81}"/>
+                  <a16:creationId xmlns:a16="http://schemas.microsoft.com/office/drawing/2014/main" id="{69C4F289-7D9F-5C13-CF5A-1149A62A3B81}"/>
                 </a:ext>
               </a:extLst>
             </p:cNvPr>
@@ -27332,7 +27367,7 @@
             <p:cNvPr id="135" name="Google Shape;261;p5">
               <a:extLst>
                 <a:ext uri="{FF2B5EF4-FFF2-40B4-BE49-F238E27FC236}">
-                  <a16:creationId xmlns:a16="http://schemas.microsoft.com/office/drawing/2014/main" xmlns="" id="{AEF9CF5A-E3A8-EED6-AA32-B39EF1705F87}"/>
+                  <a16:creationId xmlns:a16="http://schemas.microsoft.com/office/drawing/2014/main" id="{AEF9CF5A-E3A8-EED6-AA32-B39EF1705F87}"/>
                 </a:ext>
               </a:extLst>
             </p:cNvPr>
@@ -27393,7 +27428,7 @@
             <p:cNvPr id="136" name="Google Shape;262;p5">
               <a:extLst>
                 <a:ext uri="{FF2B5EF4-FFF2-40B4-BE49-F238E27FC236}">
-                  <a16:creationId xmlns:a16="http://schemas.microsoft.com/office/drawing/2014/main" xmlns="" id="{985C8417-51E6-E903-99AC-A57AB3E72706}"/>
+                  <a16:creationId xmlns:a16="http://schemas.microsoft.com/office/drawing/2014/main" id="{985C8417-51E6-E903-99AC-A57AB3E72706}"/>
                 </a:ext>
               </a:extLst>
             </p:cNvPr>
@@ -27454,7 +27489,7 @@
             <p:cNvPr id="137" name="Google Shape;263;p5">
               <a:extLst>
                 <a:ext uri="{FF2B5EF4-FFF2-40B4-BE49-F238E27FC236}">
-                  <a16:creationId xmlns:a16="http://schemas.microsoft.com/office/drawing/2014/main" xmlns="" id="{2738A6E1-AE1D-8CFC-F022-A32F7FB8E205}"/>
+                  <a16:creationId xmlns:a16="http://schemas.microsoft.com/office/drawing/2014/main" id="{2738A6E1-AE1D-8CFC-F022-A32F7FB8E205}"/>
                 </a:ext>
               </a:extLst>
             </p:cNvPr>
@@ -27515,7 +27550,7 @@
             <p:cNvPr id="138" name="Google Shape;264;p5">
               <a:extLst>
                 <a:ext uri="{FF2B5EF4-FFF2-40B4-BE49-F238E27FC236}">
-                  <a16:creationId xmlns:a16="http://schemas.microsoft.com/office/drawing/2014/main" xmlns="" id="{C3E4DF1D-DF09-FDB0-0FC2-BA0C40D16DCB}"/>
+                  <a16:creationId xmlns:a16="http://schemas.microsoft.com/office/drawing/2014/main" id="{C3E4DF1D-DF09-FDB0-0FC2-BA0C40D16DCB}"/>
                 </a:ext>
               </a:extLst>
             </p:cNvPr>
@@ -27576,7 +27611,7 @@
             <p:cNvPr id="139" name="Google Shape;265;p5">
               <a:extLst>
                 <a:ext uri="{FF2B5EF4-FFF2-40B4-BE49-F238E27FC236}">
-                  <a16:creationId xmlns:a16="http://schemas.microsoft.com/office/drawing/2014/main" xmlns="" id="{1BEE1217-E4D3-FF9B-5909-75FE7AF5289F}"/>
+                  <a16:creationId xmlns:a16="http://schemas.microsoft.com/office/drawing/2014/main" id="{1BEE1217-E4D3-FF9B-5909-75FE7AF5289F}"/>
                 </a:ext>
               </a:extLst>
             </p:cNvPr>
@@ -27638,7 +27673,7 @@
           <p:cNvPr id="101" name="그림 100">
             <a:extLst>
               <a:ext uri="{FF2B5EF4-FFF2-40B4-BE49-F238E27FC236}">
-                <a16:creationId xmlns:a16="http://schemas.microsoft.com/office/drawing/2014/main" xmlns="" id="{E6A90F28-2804-1471-C735-C839C6C39178}"/>
+                <a16:creationId xmlns:a16="http://schemas.microsoft.com/office/drawing/2014/main" id="{E6A90F28-2804-1471-C735-C839C6C39178}"/>
               </a:ext>
             </a:extLst>
           </p:cNvPr>
@@ -27674,7 +27709,7 @@
           <p:cNvPr id="142" name="그림 141">
             <a:extLst>
               <a:ext uri="{FF2B5EF4-FFF2-40B4-BE49-F238E27FC236}">
-                <a16:creationId xmlns:a16="http://schemas.microsoft.com/office/drawing/2014/main" xmlns="" id="{3B313DC1-1B3A-6D96-4BFD-01A44CD14268}"/>
+                <a16:creationId xmlns:a16="http://schemas.microsoft.com/office/drawing/2014/main" id="{3B313DC1-1B3A-6D96-4BFD-01A44CD14268}"/>
               </a:ext>
             </a:extLst>
           </p:cNvPr>
@@ -27710,7 +27745,7 @@
           <p:cNvPr id="6" name="타원 5">
             <a:extLst>
               <a:ext uri="{FF2B5EF4-FFF2-40B4-BE49-F238E27FC236}">
-                <a16:creationId xmlns:a16="http://schemas.microsoft.com/office/drawing/2014/main" xmlns="" id="{203BD027-07D5-59A4-026D-2DCA99EC2642}"/>
+                <a16:creationId xmlns:a16="http://schemas.microsoft.com/office/drawing/2014/main" id="{203BD027-07D5-59A4-026D-2DCA99EC2642}"/>
               </a:ext>
             </a:extLst>
           </p:cNvPr>
@@ -27760,7 +27795,7 @@
           <p:cNvPr id="173" name="타원 172">
             <a:extLst>
               <a:ext uri="{FF2B5EF4-FFF2-40B4-BE49-F238E27FC236}">
-                <a16:creationId xmlns:a16="http://schemas.microsoft.com/office/drawing/2014/main" xmlns="" id="{281AE669-BA39-E12B-3093-A06D0AF5E703}"/>
+                <a16:creationId xmlns:a16="http://schemas.microsoft.com/office/drawing/2014/main" id="{281AE669-BA39-E12B-3093-A06D0AF5E703}"/>
               </a:ext>
             </a:extLst>
           </p:cNvPr>
@@ -27810,7 +27845,7 @@
           <p:cNvPr id="174" name="타원 173">
             <a:extLst>
               <a:ext uri="{FF2B5EF4-FFF2-40B4-BE49-F238E27FC236}">
-                <a16:creationId xmlns:a16="http://schemas.microsoft.com/office/drawing/2014/main" xmlns="" id="{DA62BAD9-99FA-916E-DD8C-0E225B6B63F0}"/>
+                <a16:creationId xmlns:a16="http://schemas.microsoft.com/office/drawing/2014/main" id="{DA62BAD9-99FA-916E-DD8C-0E225B6B63F0}"/>
               </a:ext>
             </a:extLst>
           </p:cNvPr>
@@ -27860,7 +27895,7 @@
           <p:cNvPr id="175" name="타원 174">
             <a:extLst>
               <a:ext uri="{FF2B5EF4-FFF2-40B4-BE49-F238E27FC236}">
-                <a16:creationId xmlns:a16="http://schemas.microsoft.com/office/drawing/2014/main" xmlns="" id="{CF1907E0-3FA7-C8D0-D7CF-69FE92702818}"/>
+                <a16:creationId xmlns:a16="http://schemas.microsoft.com/office/drawing/2014/main" id="{CF1907E0-3FA7-C8D0-D7CF-69FE92702818}"/>
               </a:ext>
             </a:extLst>
           </p:cNvPr>
@@ -27910,7 +27945,7 @@
           <p:cNvPr id="176" name="타원 175">
             <a:extLst>
               <a:ext uri="{FF2B5EF4-FFF2-40B4-BE49-F238E27FC236}">
-                <a16:creationId xmlns:a16="http://schemas.microsoft.com/office/drawing/2014/main" xmlns="" id="{D83DF4FC-CF45-7DCB-BCBB-770452804D67}"/>
+                <a16:creationId xmlns:a16="http://schemas.microsoft.com/office/drawing/2014/main" id="{D83DF4FC-CF45-7DCB-BCBB-770452804D67}"/>
               </a:ext>
             </a:extLst>
           </p:cNvPr>
@@ -27963,7 +27998,7 @@
           <p:cNvPr id="177" name="타원 176">
             <a:extLst>
               <a:ext uri="{FF2B5EF4-FFF2-40B4-BE49-F238E27FC236}">
-                <a16:creationId xmlns:a16="http://schemas.microsoft.com/office/drawing/2014/main" xmlns="" id="{4FD8199D-E27A-0E0C-12CA-93CB84A32E77}"/>
+                <a16:creationId xmlns:a16="http://schemas.microsoft.com/office/drawing/2014/main" id="{4FD8199D-E27A-0E0C-12CA-93CB84A32E77}"/>
               </a:ext>
             </a:extLst>
           </p:cNvPr>
@@ -28016,7 +28051,7 @@
           <p:cNvPr id="178" name="타원 177">
             <a:extLst>
               <a:ext uri="{FF2B5EF4-FFF2-40B4-BE49-F238E27FC236}">
-                <a16:creationId xmlns:a16="http://schemas.microsoft.com/office/drawing/2014/main" xmlns="" id="{32B1BE83-8092-D1AD-5DB6-F933378D3AB1}"/>
+                <a16:creationId xmlns:a16="http://schemas.microsoft.com/office/drawing/2014/main" id="{32B1BE83-8092-D1AD-5DB6-F933378D3AB1}"/>
               </a:ext>
             </a:extLst>
           </p:cNvPr>
@@ -28069,7 +28104,7 @@
           <p:cNvPr id="179" name="타원 178">
             <a:extLst>
               <a:ext uri="{FF2B5EF4-FFF2-40B4-BE49-F238E27FC236}">
-                <a16:creationId xmlns:a16="http://schemas.microsoft.com/office/drawing/2014/main" xmlns="" id="{8B30E9C8-3250-0B71-FD2F-ADF3CD7F8D4D}"/>
+                <a16:creationId xmlns:a16="http://schemas.microsoft.com/office/drawing/2014/main" id="{8B30E9C8-3250-0B71-FD2F-ADF3CD7F8D4D}"/>
               </a:ext>
             </a:extLst>
           </p:cNvPr>
@@ -28122,7 +28157,7 @@
           <p:cNvPr id="149" name="TextBox 148">
             <a:extLst>
               <a:ext uri="{FF2B5EF4-FFF2-40B4-BE49-F238E27FC236}">
-                <a16:creationId xmlns:a16="http://schemas.microsoft.com/office/drawing/2014/main" xmlns="" id="{CC75C9D9-15F2-4CB0-A798-8F3CE0486109}"/>
+                <a16:creationId xmlns:a16="http://schemas.microsoft.com/office/drawing/2014/main" id="{CC75C9D9-15F2-4CB0-A798-8F3CE0486109}"/>
               </a:ext>
             </a:extLst>
           </p:cNvPr>
@@ -28151,21 +28186,21 @@
               </a:lnSpc>
             </a:pPr>
             <a:r>
-              <a:rPr lang="ko-KR" altLang="en-US" sz="1200" b="1" dirty="0" smtClean="0">
+              <a:rPr lang="ko-KR" altLang="en-US" sz="1200" b="1" dirty="0">
                 <a:latin typeface="+mn-ea"/>
                 <a:ea typeface="+mn-ea"/>
               </a:rPr>
               <a:t>광역은 </a:t>
             </a:r>
             <a:r>
-              <a:rPr lang="ko-KR" altLang="en-US" sz="1200" b="1" dirty="0" err="1" smtClean="0">
+              <a:rPr lang="ko-KR" altLang="en-US" sz="1200" b="1" dirty="0" err="1">
                 <a:latin typeface="+mn-ea"/>
                 <a:ea typeface="+mn-ea"/>
               </a:rPr>
               <a:t>시전자를</a:t>
             </a:r>
             <a:r>
-              <a:rPr lang="ko-KR" altLang="en-US" sz="1200" b="1" dirty="0" smtClean="0">
+              <a:rPr lang="ko-KR" altLang="en-US" sz="1200" b="1" dirty="0">
                 <a:latin typeface="+mn-ea"/>
                 <a:ea typeface="+mn-ea"/>
               </a:rPr>
@@ -28183,7 +28218,7 @@
           <p:cNvPr id="150" name="TextBox 149">
             <a:extLst>
               <a:ext uri="{FF2B5EF4-FFF2-40B4-BE49-F238E27FC236}">
-                <a16:creationId xmlns:a16="http://schemas.microsoft.com/office/drawing/2014/main" xmlns="" id="{CC75C9D9-15F2-4CB0-A798-8F3CE0486109}"/>
+                <a16:creationId xmlns:a16="http://schemas.microsoft.com/office/drawing/2014/main" id="{CC75C9D9-15F2-4CB0-A798-8F3CE0486109}"/>
               </a:ext>
             </a:extLst>
           </p:cNvPr>
@@ -28212,21 +28247,21 @@
               </a:lnSpc>
             </a:pPr>
             <a:r>
-              <a:rPr lang="ko-KR" altLang="en-US" sz="1200" b="1" dirty="0" smtClean="0">
+              <a:rPr lang="ko-KR" altLang="en-US" sz="1200" b="1" dirty="0">
                 <a:latin typeface="+mn-ea"/>
                 <a:ea typeface="+mn-ea"/>
               </a:rPr>
               <a:t>대상은 </a:t>
             </a:r>
             <a:r>
-              <a:rPr lang="ko-KR" altLang="en-US" sz="1200" b="1" dirty="0" err="1" smtClean="0">
+              <a:rPr lang="ko-KR" altLang="en-US" sz="1200" b="1" dirty="0" err="1">
                 <a:latin typeface="+mn-ea"/>
                 <a:ea typeface="+mn-ea"/>
               </a:rPr>
               <a:t>거리안의</a:t>
             </a:r>
             <a:r>
-              <a:rPr lang="ko-KR" altLang="en-US" sz="1200" b="1" dirty="0" smtClean="0">
+              <a:rPr lang="ko-KR" altLang="en-US" sz="1200" b="1" dirty="0">
                 <a:latin typeface="+mn-ea"/>
                 <a:ea typeface="+mn-ea"/>
               </a:rPr>
@@ -28244,7 +28279,7 @@
           <p:cNvPr id="151" name="TextBox 150">
             <a:extLst>
               <a:ext uri="{FF2B5EF4-FFF2-40B4-BE49-F238E27FC236}">
-                <a16:creationId xmlns:a16="http://schemas.microsoft.com/office/drawing/2014/main" xmlns="" id="{CC75C9D9-15F2-4CB0-A798-8F3CE0486109}"/>
+                <a16:creationId xmlns:a16="http://schemas.microsoft.com/office/drawing/2014/main" id="{CC75C9D9-15F2-4CB0-A798-8F3CE0486109}"/>
               </a:ext>
             </a:extLst>
           </p:cNvPr>
@@ -28273,21 +28308,21 @@
               </a:lnSpc>
             </a:pPr>
             <a:r>
-              <a:rPr lang="ko-KR" altLang="en-US" sz="1200" b="1" dirty="0" smtClean="0">
+              <a:rPr lang="ko-KR" altLang="en-US" sz="1200" b="1" dirty="0">
                 <a:latin typeface="+mn-ea"/>
                 <a:ea typeface="+mn-ea"/>
               </a:rPr>
               <a:t>확산은 대상을 바라본 방향으로 </a:t>
             </a:r>
             <a:r>
-              <a:rPr lang="ko-KR" altLang="en-US" sz="1200" b="1" dirty="0" err="1" smtClean="0">
+              <a:rPr lang="ko-KR" altLang="en-US" sz="1200" b="1" dirty="0" err="1">
                 <a:latin typeface="+mn-ea"/>
                 <a:ea typeface="+mn-ea"/>
               </a:rPr>
               <a:t>스킬을</a:t>
             </a:r>
             <a:r>
-              <a:rPr lang="ko-KR" altLang="en-US" sz="1200" b="1" dirty="0" smtClean="0">
+              <a:rPr lang="ko-KR" altLang="en-US" sz="1200" b="1" dirty="0">
                 <a:latin typeface="+mn-ea"/>
                 <a:ea typeface="+mn-ea"/>
               </a:rPr>
@@ -28305,7 +28340,7 @@
           <p:cNvPr id="152" name="TextBox 151">
             <a:extLst>
               <a:ext uri="{FF2B5EF4-FFF2-40B4-BE49-F238E27FC236}">
-                <a16:creationId xmlns:a16="http://schemas.microsoft.com/office/drawing/2014/main" xmlns="" id="{CC75C9D9-15F2-4CB0-A798-8F3CE0486109}"/>
+                <a16:creationId xmlns:a16="http://schemas.microsoft.com/office/drawing/2014/main" id="{CC75C9D9-15F2-4CB0-A798-8F3CE0486109}"/>
               </a:ext>
             </a:extLst>
           </p:cNvPr>
@@ -28334,21 +28369,21 @@
               </a:lnSpc>
             </a:pPr>
             <a:r>
-              <a:rPr lang="ko-KR" altLang="en-US" sz="1200" b="1" dirty="0" smtClean="0">
+              <a:rPr lang="ko-KR" altLang="en-US" sz="1200" b="1" dirty="0">
                 <a:latin typeface="+mn-ea"/>
                 <a:ea typeface="+mn-ea"/>
               </a:rPr>
               <a:t>도넛은 </a:t>
             </a:r>
             <a:r>
-              <a:rPr lang="ko-KR" altLang="en-US" sz="1200" b="1" dirty="0" err="1" smtClean="0">
+              <a:rPr lang="ko-KR" altLang="en-US" sz="1200" b="1" dirty="0" err="1">
                 <a:latin typeface="+mn-ea"/>
                 <a:ea typeface="+mn-ea"/>
               </a:rPr>
               <a:t>시전자를</a:t>
             </a:r>
             <a:r>
-              <a:rPr lang="ko-KR" altLang="en-US" sz="1200" b="1" dirty="0" smtClean="0">
+              <a:rPr lang="ko-KR" altLang="en-US" sz="1200" b="1" dirty="0">
                 <a:latin typeface="+mn-ea"/>
                 <a:ea typeface="+mn-ea"/>
               </a:rPr>
@@ -28438,10 +28473,9 @@
               <a:buNone/>
             </a:pPr>
             <a:r>
-              <a:rPr lang="ko-KR" altLang="en-US" dirty="0" smtClean="0"/>
+              <a:rPr lang="ko-KR" altLang="en-US" dirty="0"/>
               <a:t>이동</a:t>
             </a:r>
-            <a:endParaRPr lang="ko-KR" altLang="en-US" dirty="0"/>
           </a:p>
         </p:txBody>
       </p:sp>
@@ -28709,7 +28743,7 @@
           <p:cNvPr id="56" name="Google Shape;97;p2">
             <a:extLst>
               <a:ext uri="{FF2B5EF4-FFF2-40B4-BE49-F238E27FC236}">
-                <a16:creationId xmlns:a16="http://schemas.microsoft.com/office/drawing/2014/main" xmlns="" id="{62588F5F-EF44-4D87-B105-53BCC0462955}"/>
+                <a16:creationId xmlns:a16="http://schemas.microsoft.com/office/drawing/2014/main" id="{62588F5F-EF44-4D87-B105-53BCC0462955}"/>
               </a:ext>
             </a:extLst>
           </p:cNvPr>
@@ -28743,7 +28777,7 @@
           <p:cNvPr id="31" name="TextBox 30">
             <a:extLst>
               <a:ext uri="{FF2B5EF4-FFF2-40B4-BE49-F238E27FC236}">
-                <a16:creationId xmlns:a16="http://schemas.microsoft.com/office/drawing/2014/main" xmlns="" id="{CC75C9D9-15F2-4CB0-A798-8F3CE0486109}"/>
+                <a16:creationId xmlns:a16="http://schemas.microsoft.com/office/drawing/2014/main" id="{CC75C9D9-15F2-4CB0-A798-8F3CE0486109}"/>
               </a:ext>
             </a:extLst>
           </p:cNvPr>
@@ -28772,28 +28806,28 @@
               </a:lnSpc>
             </a:pPr>
             <a:r>
-              <a:rPr lang="ko-KR" altLang="en-US" sz="1200" b="1" dirty="0" smtClean="0">
+              <a:rPr lang="ko-KR" altLang="en-US" sz="1200" b="1" dirty="0">
                 <a:latin typeface="+mn-ea"/>
                 <a:ea typeface="+mn-ea"/>
               </a:rPr>
               <a:t>이동</a:t>
             </a:r>
             <a:r>
-              <a:rPr lang="en-US" altLang="ko-KR" sz="1200" b="1" dirty="0" smtClean="0">
+              <a:rPr lang="en-US" altLang="ko-KR" sz="1200" b="1" dirty="0">
                 <a:latin typeface="+mn-ea"/>
                 <a:ea typeface="+mn-ea"/>
               </a:rPr>
               <a:t>”</a:t>
             </a:r>
             <a:r>
-              <a:rPr lang="en-US" altLang="ko-KR" sz="1200" b="1" dirty="0" err="1" smtClean="0">
+              <a:rPr lang="en-US" altLang="ko-KR" sz="1200" b="1" dirty="0" err="1">
                 <a:latin typeface="+mn-ea"/>
                 <a:ea typeface="+mn-ea"/>
               </a:rPr>
               <a:t>PlaceShift</a:t>
             </a:r>
             <a:r>
-              <a:rPr lang="en-US" altLang="ko-KR" sz="1200" b="1" dirty="0" smtClean="0">
+              <a:rPr lang="en-US" altLang="ko-KR" sz="1200" b="1" dirty="0">
                 <a:latin typeface="+mn-ea"/>
                 <a:ea typeface="+mn-ea"/>
               </a:rPr>
@@ -28807,7 +28841,7 @@
               <a:t>는 다음과 같다</a:t>
             </a:r>
             <a:r>
-              <a:rPr lang="en-US" altLang="ko-KR" sz="1200" b="1" dirty="0" smtClean="0">
+              <a:rPr lang="en-US" altLang="ko-KR" sz="1200" b="1" dirty="0">
                 <a:latin typeface="+mn-ea"/>
                 <a:ea typeface="+mn-ea"/>
               </a:rPr>
@@ -28823,125 +28857,107 @@
               <a:buChar char="•"/>
             </a:pPr>
             <a:r>
-              <a:rPr lang="ko-KR" altLang="en-US" sz="1200" dirty="0" smtClean="0">
+              <a:rPr lang="ko-KR" altLang="en-US" sz="1200" dirty="0">
                 <a:latin typeface="+mn-ea"/>
                 <a:ea typeface="+mn-ea"/>
               </a:rPr>
               <a:t>스킬 사용 이후 지정된 위치로 순간이동 한다</a:t>
             </a:r>
             <a:r>
-              <a:rPr lang="en-US" altLang="ko-KR" sz="1200" dirty="0" smtClean="0">
+              <a:rPr lang="en-US" altLang="ko-KR" sz="1200" dirty="0">
                 <a:latin typeface="+mn-ea"/>
                 <a:ea typeface="+mn-ea"/>
               </a:rPr>
               <a:t>.</a:t>
             </a:r>
             <a:br>
-              <a:rPr lang="en-US" altLang="ko-KR" sz="1200" dirty="0" smtClean="0">
+              <a:rPr lang="en-US" altLang="ko-KR" sz="1200" dirty="0">
                 <a:latin typeface="+mn-ea"/>
                 <a:ea typeface="+mn-ea"/>
               </a:rPr>
             </a:br>
             <a:r>
-              <a:rPr lang="ko-KR" altLang="en-US" sz="1200" dirty="0" smtClean="0">
+              <a:rPr lang="ko-KR" altLang="en-US" sz="1200" dirty="0">
                 <a:latin typeface="+mn-ea"/>
                 <a:ea typeface="+mn-ea"/>
               </a:rPr>
               <a:t>이동은 형태가 </a:t>
             </a:r>
             <a:r>
-              <a:rPr lang="en-US" altLang="ko-KR" sz="1200" dirty="0" smtClean="0">
+              <a:rPr lang="en-US" altLang="ko-KR" sz="1200" dirty="0">
                 <a:latin typeface="+mn-ea"/>
                 <a:ea typeface="+mn-ea"/>
               </a:rPr>
               <a:t>2</a:t>
             </a:r>
             <a:r>
-              <a:rPr lang="ko-KR" altLang="en-US" sz="1200" dirty="0" smtClean="0">
+              <a:rPr lang="ko-KR" altLang="en-US" sz="1200" dirty="0">
                 <a:latin typeface="+mn-ea"/>
                 <a:ea typeface="+mn-ea"/>
               </a:rPr>
               <a:t>와 </a:t>
             </a:r>
             <a:r>
-              <a:rPr lang="en-US" altLang="ko-KR" sz="1200" dirty="0" smtClean="0">
+              <a:rPr lang="en-US" altLang="ko-KR" sz="1200" dirty="0">
                 <a:latin typeface="+mn-ea"/>
                 <a:ea typeface="+mn-ea"/>
               </a:rPr>
               <a:t>3</a:t>
             </a:r>
             <a:r>
-              <a:rPr lang="ko-KR" altLang="en-US" sz="1200" dirty="0" smtClean="0">
+              <a:rPr lang="ko-KR" altLang="en-US" sz="1200" dirty="0">
                 <a:latin typeface="+mn-ea"/>
                 <a:ea typeface="+mn-ea"/>
               </a:rPr>
               <a:t>일 때만 사용 가능하며</a:t>
             </a:r>
-            <a:r>
-              <a:rPr lang="en-US" altLang="ko-KR" sz="1200" dirty="0" smtClean="0">
-                <a:latin typeface="+mn-ea"/>
-                <a:ea typeface="+mn-ea"/>
-              </a:rPr>
-              <a:t/>
-            </a:r>
             <a:br>
-              <a:rPr lang="en-US" altLang="ko-KR" sz="1200" dirty="0" smtClean="0">
+              <a:rPr lang="en-US" altLang="ko-KR" sz="1200" dirty="0">
                 <a:latin typeface="+mn-ea"/>
                 <a:ea typeface="+mn-ea"/>
               </a:rPr>
             </a:br>
             <a:r>
-              <a:rPr lang="ko-KR" altLang="en-US" sz="1200" dirty="0" smtClean="0">
+              <a:rPr lang="ko-KR" altLang="en-US" sz="1200" dirty="0">
                 <a:latin typeface="+mn-ea"/>
                 <a:ea typeface="+mn-ea"/>
               </a:rPr>
               <a:t>방출의 경우 방향</a:t>
             </a:r>
             <a:r>
-              <a:rPr lang="en-US" altLang="ko-KR" sz="1200" dirty="0" smtClean="0">
+              <a:rPr lang="en-US" altLang="ko-KR" sz="1200" dirty="0">
                 <a:latin typeface="+mn-ea"/>
                 <a:ea typeface="+mn-ea"/>
               </a:rPr>
               <a:t>1</a:t>
             </a:r>
             <a:r>
-              <a:rPr lang="ko-KR" altLang="en-US" sz="1200" dirty="0" smtClean="0">
+              <a:rPr lang="ko-KR" altLang="en-US" sz="1200" dirty="0">
                 <a:latin typeface="+mn-ea"/>
                 <a:ea typeface="+mn-ea"/>
               </a:rPr>
               <a:t>의 이동 가능한 사거리 제일</a:t>
             </a:r>
-            <a:r>
-              <a:rPr lang="en-US" altLang="ko-KR" sz="1200" dirty="0" smtClean="0">
-                <a:latin typeface="+mn-ea"/>
-                <a:ea typeface="+mn-ea"/>
-              </a:rPr>
-              <a:t/>
-            </a:r>
             <a:br>
-              <a:rPr lang="en-US" altLang="ko-KR" sz="1200" dirty="0" smtClean="0">
+              <a:rPr lang="en-US" altLang="ko-KR" sz="1200" dirty="0">
                 <a:latin typeface="+mn-ea"/>
                 <a:ea typeface="+mn-ea"/>
               </a:rPr>
             </a:br>
             <a:r>
-              <a:rPr lang="ko-KR" altLang="en-US" sz="1200" dirty="0" smtClean="0">
+              <a:rPr lang="ko-KR" altLang="en-US" sz="1200" dirty="0">
                 <a:latin typeface="+mn-ea"/>
                 <a:ea typeface="+mn-ea"/>
               </a:rPr>
               <a:t>끝으로 이동한다</a:t>
             </a:r>
             <a:r>
-              <a:rPr lang="en-US" altLang="ko-KR" sz="1200" dirty="0" smtClean="0">
+              <a:rPr lang="en-US" altLang="ko-KR" sz="1200" dirty="0">
                 <a:latin typeface="+mn-ea"/>
                 <a:ea typeface="+mn-ea"/>
               </a:rPr>
               <a:t>.</a:t>
             </a:r>
-            <a:endParaRPr lang="en-US" altLang="ko-KR" sz="1200" dirty="0">
-              <a:latin typeface="+mn-ea"/>
-              <a:ea typeface="+mn-ea"/>
-            </a:endParaRPr>
           </a:p>
         </p:txBody>
       </p:sp>
@@ -28950,7 +28966,7 @@
           <p:cNvPr id="59" name="그룹 58">
             <a:extLst>
               <a:ext uri="{FF2B5EF4-FFF2-40B4-BE49-F238E27FC236}">
-                <a16:creationId xmlns:a16="http://schemas.microsoft.com/office/drawing/2014/main" xmlns="" id="{1A1090DD-64BD-E728-22E9-44D248DFB6AF}"/>
+                <a16:creationId xmlns:a16="http://schemas.microsoft.com/office/drawing/2014/main" id="{1A1090DD-64BD-E728-22E9-44D248DFB6AF}"/>
               </a:ext>
             </a:extLst>
           </p:cNvPr>
@@ -28973,7 +28989,7 @@
             <p:cNvPr id="61" name="Google Shape;225;p5">
               <a:extLst>
                 <a:ext uri="{FF2B5EF4-FFF2-40B4-BE49-F238E27FC236}">
-                  <a16:creationId xmlns:a16="http://schemas.microsoft.com/office/drawing/2014/main" xmlns="" id="{7FF31F27-F67D-554A-E9FD-98FCE37F1A89}"/>
+                  <a16:creationId xmlns:a16="http://schemas.microsoft.com/office/drawing/2014/main" id="{7FF31F27-F67D-554A-E9FD-98FCE37F1A89}"/>
                 </a:ext>
               </a:extLst>
             </p:cNvPr>
@@ -29034,7 +29050,7 @@
             <p:cNvPr id="63" name="Google Shape;226;p5">
               <a:extLst>
                 <a:ext uri="{FF2B5EF4-FFF2-40B4-BE49-F238E27FC236}">
-                  <a16:creationId xmlns:a16="http://schemas.microsoft.com/office/drawing/2014/main" xmlns="" id="{5D7F1D87-1693-AA1D-FF3D-BB4F8227B777}"/>
+                  <a16:creationId xmlns:a16="http://schemas.microsoft.com/office/drawing/2014/main" id="{5D7F1D87-1693-AA1D-FF3D-BB4F8227B777}"/>
                 </a:ext>
               </a:extLst>
             </p:cNvPr>
@@ -29095,7 +29111,7 @@
             <p:cNvPr id="66" name="Google Shape;227;p5">
               <a:extLst>
                 <a:ext uri="{FF2B5EF4-FFF2-40B4-BE49-F238E27FC236}">
-                  <a16:creationId xmlns:a16="http://schemas.microsoft.com/office/drawing/2014/main" xmlns="" id="{BA51022D-E065-67BC-D25F-8E69DBBF78BE}"/>
+                  <a16:creationId xmlns:a16="http://schemas.microsoft.com/office/drawing/2014/main" id="{BA51022D-E065-67BC-D25F-8E69DBBF78BE}"/>
                 </a:ext>
               </a:extLst>
             </p:cNvPr>
@@ -29148,7 +29164,7 @@
             <p:cNvPr id="72" name="Google Shape;229;p5">
               <a:extLst>
                 <a:ext uri="{FF2B5EF4-FFF2-40B4-BE49-F238E27FC236}">
-                  <a16:creationId xmlns:a16="http://schemas.microsoft.com/office/drawing/2014/main" xmlns="" id="{9344447E-F4CE-6E08-4AB0-682F96FA367F}"/>
+                  <a16:creationId xmlns:a16="http://schemas.microsoft.com/office/drawing/2014/main" id="{9344447E-F4CE-6E08-4AB0-682F96FA367F}"/>
                 </a:ext>
               </a:extLst>
             </p:cNvPr>
@@ -29203,7 +29219,7 @@
             <p:cNvPr id="73" name="Google Shape;231;p5">
               <a:extLst>
                 <a:ext uri="{FF2B5EF4-FFF2-40B4-BE49-F238E27FC236}">
-                  <a16:creationId xmlns:a16="http://schemas.microsoft.com/office/drawing/2014/main" xmlns="" id="{613AD46A-77B5-D1F8-BA62-2265F1C67676}"/>
+                  <a16:creationId xmlns:a16="http://schemas.microsoft.com/office/drawing/2014/main" id="{613AD46A-77B5-D1F8-BA62-2265F1C67676}"/>
                 </a:ext>
               </a:extLst>
             </p:cNvPr>
@@ -29266,7 +29282,7 @@
             <p:cNvPr id="74" name="Google Shape;232;p5">
               <a:extLst>
                 <a:ext uri="{FF2B5EF4-FFF2-40B4-BE49-F238E27FC236}">
-                  <a16:creationId xmlns:a16="http://schemas.microsoft.com/office/drawing/2014/main" xmlns="" id="{8D057FEF-D3D3-44A6-6082-81CCA3A10AAD}"/>
+                  <a16:creationId xmlns:a16="http://schemas.microsoft.com/office/drawing/2014/main" id="{8D057FEF-D3D3-44A6-6082-81CCA3A10AAD}"/>
                 </a:ext>
               </a:extLst>
             </p:cNvPr>
@@ -29329,7 +29345,7 @@
             <p:cNvPr id="75" name="Google Shape;234;p5">
               <a:extLst>
                 <a:ext uri="{FF2B5EF4-FFF2-40B4-BE49-F238E27FC236}">
-                  <a16:creationId xmlns:a16="http://schemas.microsoft.com/office/drawing/2014/main" xmlns="" id="{939B94E7-E0D4-C077-DFD6-4938AB01BEB6}"/>
+                  <a16:creationId xmlns:a16="http://schemas.microsoft.com/office/drawing/2014/main" id="{939B94E7-E0D4-C077-DFD6-4938AB01BEB6}"/>
                 </a:ext>
               </a:extLst>
             </p:cNvPr>
@@ -29390,7 +29406,7 @@
             <p:cNvPr id="76" name="Google Shape;235;p5">
               <a:extLst>
                 <a:ext uri="{FF2B5EF4-FFF2-40B4-BE49-F238E27FC236}">
-                  <a16:creationId xmlns:a16="http://schemas.microsoft.com/office/drawing/2014/main" xmlns="" id="{53D24812-C116-983A-737D-ECD34F458234}"/>
+                  <a16:creationId xmlns:a16="http://schemas.microsoft.com/office/drawing/2014/main" id="{53D24812-C116-983A-737D-ECD34F458234}"/>
                 </a:ext>
               </a:extLst>
             </p:cNvPr>
@@ -29443,7 +29459,7 @@
             <p:cNvPr id="77" name="Google Shape;237;p5">
               <a:extLst>
                 <a:ext uri="{FF2B5EF4-FFF2-40B4-BE49-F238E27FC236}">
-                  <a16:creationId xmlns:a16="http://schemas.microsoft.com/office/drawing/2014/main" xmlns="" id="{B83245AB-2E14-CD89-E516-B7BA0D150ACF}"/>
+                  <a16:creationId xmlns:a16="http://schemas.microsoft.com/office/drawing/2014/main" id="{B83245AB-2E14-CD89-E516-B7BA0D150ACF}"/>
                 </a:ext>
               </a:extLst>
             </p:cNvPr>
@@ -29506,7 +29522,7 @@
             <p:cNvPr id="78" name="Google Shape;238;p5">
               <a:extLst>
                 <a:ext uri="{FF2B5EF4-FFF2-40B4-BE49-F238E27FC236}">
-                  <a16:creationId xmlns:a16="http://schemas.microsoft.com/office/drawing/2014/main" xmlns="" id="{1BFE84DB-9DEA-9952-A816-7287FD8D75AF}"/>
+                  <a16:creationId xmlns:a16="http://schemas.microsoft.com/office/drawing/2014/main" id="{1BFE84DB-9DEA-9952-A816-7287FD8D75AF}"/>
                 </a:ext>
               </a:extLst>
             </p:cNvPr>
@@ -29561,7 +29577,7 @@
             <p:cNvPr id="79" name="Google Shape;240;p5">
               <a:extLst>
                 <a:ext uri="{FF2B5EF4-FFF2-40B4-BE49-F238E27FC236}">
-                  <a16:creationId xmlns:a16="http://schemas.microsoft.com/office/drawing/2014/main" xmlns="" id="{62823C2E-0F0C-4204-73DD-05F0628CBBEC}"/>
+                  <a16:creationId xmlns:a16="http://schemas.microsoft.com/office/drawing/2014/main" id="{62823C2E-0F0C-4204-73DD-05F0628CBBEC}"/>
                 </a:ext>
               </a:extLst>
             </p:cNvPr>
@@ -29624,7 +29640,7 @@
             <p:cNvPr id="80" name="Google Shape;241;p5">
               <a:extLst>
                 <a:ext uri="{FF2B5EF4-FFF2-40B4-BE49-F238E27FC236}">
-                  <a16:creationId xmlns:a16="http://schemas.microsoft.com/office/drawing/2014/main" xmlns="" id="{F759B8FD-C18E-C816-A689-DC4D36C18495}"/>
+                  <a16:creationId xmlns:a16="http://schemas.microsoft.com/office/drawing/2014/main" id="{F759B8FD-C18E-C816-A689-DC4D36C18495}"/>
                 </a:ext>
               </a:extLst>
             </p:cNvPr>
@@ -29687,7 +29703,7 @@
             <p:cNvPr id="81" name="Google Shape;244;p5">
               <a:extLst>
                 <a:ext uri="{FF2B5EF4-FFF2-40B4-BE49-F238E27FC236}">
-                  <a16:creationId xmlns:a16="http://schemas.microsoft.com/office/drawing/2014/main" xmlns="" id="{F3C52BF1-EC20-BE34-542E-E47272C2ABAD}"/>
+                  <a16:creationId xmlns:a16="http://schemas.microsoft.com/office/drawing/2014/main" id="{F3C52BF1-EC20-BE34-542E-E47272C2ABAD}"/>
                 </a:ext>
               </a:extLst>
             </p:cNvPr>
@@ -29748,7 +29764,7 @@
             <p:cNvPr id="82" name="Google Shape;245;p5">
               <a:extLst>
                 <a:ext uri="{FF2B5EF4-FFF2-40B4-BE49-F238E27FC236}">
-                  <a16:creationId xmlns:a16="http://schemas.microsoft.com/office/drawing/2014/main" xmlns="" id="{FD8850F5-EB3D-6B4E-6E2F-55A0D5188ADD}"/>
+                  <a16:creationId xmlns:a16="http://schemas.microsoft.com/office/drawing/2014/main" id="{FD8850F5-EB3D-6B4E-6E2F-55A0D5188ADD}"/>
                 </a:ext>
               </a:extLst>
             </p:cNvPr>
@@ -29809,7 +29825,7 @@
             <p:cNvPr id="83" name="Google Shape;246;p5">
               <a:extLst>
                 <a:ext uri="{FF2B5EF4-FFF2-40B4-BE49-F238E27FC236}">
-                  <a16:creationId xmlns:a16="http://schemas.microsoft.com/office/drawing/2014/main" xmlns="" id="{BCDCC166-3455-C213-029D-535C0220E8F9}"/>
+                  <a16:creationId xmlns:a16="http://schemas.microsoft.com/office/drawing/2014/main" id="{BCDCC166-3455-C213-029D-535C0220E8F9}"/>
                 </a:ext>
               </a:extLst>
             </p:cNvPr>
@@ -29864,7 +29880,7 @@
             <p:cNvPr id="84" name="Google Shape;248;p5">
               <a:extLst>
                 <a:ext uri="{FF2B5EF4-FFF2-40B4-BE49-F238E27FC236}">
-                  <a16:creationId xmlns:a16="http://schemas.microsoft.com/office/drawing/2014/main" xmlns="" id="{2E14F881-2172-4ADA-51FB-F8BD13467F3C}"/>
+                  <a16:creationId xmlns:a16="http://schemas.microsoft.com/office/drawing/2014/main" id="{2E14F881-2172-4ADA-51FB-F8BD13467F3C}"/>
                 </a:ext>
               </a:extLst>
             </p:cNvPr>
@@ -29919,7 +29935,7 @@
             <p:cNvPr id="85" name="Google Shape;250;p5">
               <a:extLst>
                 <a:ext uri="{FF2B5EF4-FFF2-40B4-BE49-F238E27FC236}">
-                  <a16:creationId xmlns:a16="http://schemas.microsoft.com/office/drawing/2014/main" xmlns="" id="{BBEA52A4-0179-03D1-6D75-CE669AC4B800}"/>
+                  <a16:creationId xmlns:a16="http://schemas.microsoft.com/office/drawing/2014/main" id="{BBEA52A4-0179-03D1-6D75-CE669AC4B800}"/>
                 </a:ext>
               </a:extLst>
             </p:cNvPr>
@@ -29982,7 +29998,7 @@
             <p:cNvPr id="86" name="Google Shape;251;p5">
               <a:extLst>
                 <a:ext uri="{FF2B5EF4-FFF2-40B4-BE49-F238E27FC236}">
-                  <a16:creationId xmlns:a16="http://schemas.microsoft.com/office/drawing/2014/main" xmlns="" id="{0F00750D-7772-7633-7692-EDC9AB30A390}"/>
+                  <a16:creationId xmlns:a16="http://schemas.microsoft.com/office/drawing/2014/main" id="{0F00750D-7772-7633-7692-EDC9AB30A390}"/>
                 </a:ext>
               </a:extLst>
             </p:cNvPr>
@@ -30045,7 +30061,7 @@
             <p:cNvPr id="87" name="Google Shape;253;p5">
               <a:extLst>
                 <a:ext uri="{FF2B5EF4-FFF2-40B4-BE49-F238E27FC236}">
-                  <a16:creationId xmlns:a16="http://schemas.microsoft.com/office/drawing/2014/main" xmlns="" id="{97C3A06E-339F-1F34-C9E9-3AA1B197F0ED}"/>
+                  <a16:creationId xmlns:a16="http://schemas.microsoft.com/office/drawing/2014/main" id="{97C3A06E-339F-1F34-C9E9-3AA1B197F0ED}"/>
                 </a:ext>
               </a:extLst>
             </p:cNvPr>
@@ -30106,7 +30122,7 @@
             <p:cNvPr id="88" name="Google Shape;254;p5">
               <a:extLst>
                 <a:ext uri="{FF2B5EF4-FFF2-40B4-BE49-F238E27FC236}">
-                  <a16:creationId xmlns:a16="http://schemas.microsoft.com/office/drawing/2014/main" xmlns="" id="{17B632D0-498A-491D-0F94-B0A253145371}"/>
+                  <a16:creationId xmlns:a16="http://schemas.microsoft.com/office/drawing/2014/main" id="{17B632D0-498A-491D-0F94-B0A253145371}"/>
                 </a:ext>
               </a:extLst>
             </p:cNvPr>
@@ -30167,7 +30183,7 @@
             <p:cNvPr id="89" name="Google Shape;255;p5">
               <a:extLst>
                 <a:ext uri="{FF2B5EF4-FFF2-40B4-BE49-F238E27FC236}">
-                  <a16:creationId xmlns:a16="http://schemas.microsoft.com/office/drawing/2014/main" xmlns="" id="{FA5B3521-BBE3-FA9F-D5F6-740907F651A5}"/>
+                  <a16:creationId xmlns:a16="http://schemas.microsoft.com/office/drawing/2014/main" id="{FA5B3521-BBE3-FA9F-D5F6-740907F651A5}"/>
                 </a:ext>
               </a:extLst>
             </p:cNvPr>
@@ -30230,7 +30246,7 @@
             <p:cNvPr id="90" name="Google Shape;256;p5">
               <a:extLst>
                 <a:ext uri="{FF2B5EF4-FFF2-40B4-BE49-F238E27FC236}">
-                  <a16:creationId xmlns:a16="http://schemas.microsoft.com/office/drawing/2014/main" xmlns="" id="{964D9183-A9E2-381F-8610-995462332D8A}"/>
+                  <a16:creationId xmlns:a16="http://schemas.microsoft.com/office/drawing/2014/main" id="{964D9183-A9E2-381F-8610-995462332D8A}"/>
                 </a:ext>
               </a:extLst>
             </p:cNvPr>
@@ -30293,7 +30309,7 @@
             <p:cNvPr id="91" name="Google Shape;257;p5">
               <a:extLst>
                 <a:ext uri="{FF2B5EF4-FFF2-40B4-BE49-F238E27FC236}">
-                  <a16:creationId xmlns:a16="http://schemas.microsoft.com/office/drawing/2014/main" xmlns="" id="{F84D7715-E29F-5004-6461-5E67404EF625}"/>
+                  <a16:creationId xmlns:a16="http://schemas.microsoft.com/office/drawing/2014/main" id="{F84D7715-E29F-5004-6461-5E67404EF625}"/>
                 </a:ext>
               </a:extLst>
             </p:cNvPr>
@@ -30356,7 +30372,7 @@
             <p:cNvPr id="92" name="Google Shape;258;p5">
               <a:extLst>
                 <a:ext uri="{FF2B5EF4-FFF2-40B4-BE49-F238E27FC236}">
-                  <a16:creationId xmlns:a16="http://schemas.microsoft.com/office/drawing/2014/main" xmlns="" id="{BDB6123C-D785-FAE5-1DF4-6E5AD762FB2D}"/>
+                  <a16:creationId xmlns:a16="http://schemas.microsoft.com/office/drawing/2014/main" id="{BDB6123C-D785-FAE5-1DF4-6E5AD762FB2D}"/>
                 </a:ext>
               </a:extLst>
             </p:cNvPr>
@@ -30419,7 +30435,7 @@
             <p:cNvPr id="93" name="Google Shape;260;p5">
               <a:extLst>
                 <a:ext uri="{FF2B5EF4-FFF2-40B4-BE49-F238E27FC236}">
-                  <a16:creationId xmlns:a16="http://schemas.microsoft.com/office/drawing/2014/main" xmlns="" id="{F344FDCB-830E-0A65-5D06-5534711A4E00}"/>
+                  <a16:creationId xmlns:a16="http://schemas.microsoft.com/office/drawing/2014/main" id="{F344FDCB-830E-0A65-5D06-5534711A4E00}"/>
                 </a:ext>
               </a:extLst>
             </p:cNvPr>
@@ -30480,7 +30496,7 @@
             <p:cNvPr id="94" name="Google Shape;261;p5">
               <a:extLst>
                 <a:ext uri="{FF2B5EF4-FFF2-40B4-BE49-F238E27FC236}">
-                  <a16:creationId xmlns:a16="http://schemas.microsoft.com/office/drawing/2014/main" xmlns="" id="{3C0F15DE-2BE2-F0F3-F4BC-0FAC2BD31696}"/>
+                  <a16:creationId xmlns:a16="http://schemas.microsoft.com/office/drawing/2014/main" id="{3C0F15DE-2BE2-F0F3-F4BC-0FAC2BD31696}"/>
                 </a:ext>
               </a:extLst>
             </p:cNvPr>
@@ -30541,7 +30557,7 @@
             <p:cNvPr id="95" name="Google Shape;262;p5">
               <a:extLst>
                 <a:ext uri="{FF2B5EF4-FFF2-40B4-BE49-F238E27FC236}">
-                  <a16:creationId xmlns:a16="http://schemas.microsoft.com/office/drawing/2014/main" xmlns="" id="{65625AF9-9A9E-32D0-ACD2-3B7EAD71E016}"/>
+                  <a16:creationId xmlns:a16="http://schemas.microsoft.com/office/drawing/2014/main" id="{65625AF9-9A9E-32D0-ACD2-3B7EAD71E016}"/>
                 </a:ext>
               </a:extLst>
             </p:cNvPr>
@@ -30602,7 +30618,7 @@
             <p:cNvPr id="96" name="Google Shape;263;p5">
               <a:extLst>
                 <a:ext uri="{FF2B5EF4-FFF2-40B4-BE49-F238E27FC236}">
-                  <a16:creationId xmlns:a16="http://schemas.microsoft.com/office/drawing/2014/main" xmlns="" id="{3A97F7E3-DA42-7DFF-F98A-ED86237A1EB8}"/>
+                  <a16:creationId xmlns:a16="http://schemas.microsoft.com/office/drawing/2014/main" id="{3A97F7E3-DA42-7DFF-F98A-ED86237A1EB8}"/>
                 </a:ext>
               </a:extLst>
             </p:cNvPr>
@@ -30665,7 +30681,7 @@
             <p:cNvPr id="97" name="Google Shape;264;p5">
               <a:extLst>
                 <a:ext uri="{FF2B5EF4-FFF2-40B4-BE49-F238E27FC236}">
-                  <a16:creationId xmlns:a16="http://schemas.microsoft.com/office/drawing/2014/main" xmlns="" id="{26D24AC0-4F32-F4A9-5B38-D6BEB75CAFD6}"/>
+                  <a16:creationId xmlns:a16="http://schemas.microsoft.com/office/drawing/2014/main" id="{26D24AC0-4F32-F4A9-5B38-D6BEB75CAFD6}"/>
                 </a:ext>
               </a:extLst>
             </p:cNvPr>
@@ -30728,7 +30744,7 @@
             <p:cNvPr id="98" name="Google Shape;265;p5">
               <a:extLst>
                 <a:ext uri="{FF2B5EF4-FFF2-40B4-BE49-F238E27FC236}">
-                  <a16:creationId xmlns:a16="http://schemas.microsoft.com/office/drawing/2014/main" xmlns="" id="{BFD7B7FC-8B42-FD1D-3CD7-B90619ACBD0A}"/>
+                  <a16:creationId xmlns:a16="http://schemas.microsoft.com/office/drawing/2014/main" id="{BFD7B7FC-8B42-FD1D-3CD7-B90619ACBD0A}"/>
                 </a:ext>
               </a:extLst>
             </p:cNvPr>
@@ -30792,7 +30808,7 @@
           <p:cNvPr id="60" name="그림 59">
             <a:extLst>
               <a:ext uri="{FF2B5EF4-FFF2-40B4-BE49-F238E27FC236}">
-                <a16:creationId xmlns:a16="http://schemas.microsoft.com/office/drawing/2014/main" xmlns="" id="{FA4B5FCB-9D26-C9E5-C8D5-CB8603C86130}"/>
+                <a16:creationId xmlns:a16="http://schemas.microsoft.com/office/drawing/2014/main" id="{FA4B5FCB-9D26-C9E5-C8D5-CB8603C86130}"/>
               </a:ext>
             </a:extLst>
           </p:cNvPr>
@@ -30835,7 +30851,7 @@
           <p:cNvPr id="100" name="그룹 99">
             <a:extLst>
               <a:ext uri="{FF2B5EF4-FFF2-40B4-BE49-F238E27FC236}">
-                <a16:creationId xmlns:a16="http://schemas.microsoft.com/office/drawing/2014/main" xmlns="" id="{92302509-FF3F-9A2C-41B2-7867CA35DE2C}"/>
+                <a16:creationId xmlns:a16="http://schemas.microsoft.com/office/drawing/2014/main" id="{92302509-FF3F-9A2C-41B2-7867CA35DE2C}"/>
               </a:ext>
             </a:extLst>
           </p:cNvPr>
@@ -30858,7 +30874,7 @@
             <p:cNvPr id="102" name="Google Shape;225;p5">
               <a:extLst>
                 <a:ext uri="{FF2B5EF4-FFF2-40B4-BE49-F238E27FC236}">
-                  <a16:creationId xmlns:a16="http://schemas.microsoft.com/office/drawing/2014/main" xmlns="" id="{F518AAD9-9A64-39E8-30C7-2CE7812B6A27}"/>
+                  <a16:creationId xmlns:a16="http://schemas.microsoft.com/office/drawing/2014/main" id="{F518AAD9-9A64-39E8-30C7-2CE7812B6A27}"/>
                 </a:ext>
               </a:extLst>
             </p:cNvPr>
@@ -30919,7 +30935,7 @@
             <p:cNvPr id="103" name="Google Shape;226;p5">
               <a:extLst>
                 <a:ext uri="{FF2B5EF4-FFF2-40B4-BE49-F238E27FC236}">
-                  <a16:creationId xmlns:a16="http://schemas.microsoft.com/office/drawing/2014/main" xmlns="" id="{C0D12B72-B709-FDBE-F4F8-FDD74611FC5B}"/>
+                  <a16:creationId xmlns:a16="http://schemas.microsoft.com/office/drawing/2014/main" id="{C0D12B72-B709-FDBE-F4F8-FDD74611FC5B}"/>
                 </a:ext>
               </a:extLst>
             </p:cNvPr>
@@ -30980,7 +30996,7 @@
             <p:cNvPr id="104" name="Google Shape;227;p5">
               <a:extLst>
                 <a:ext uri="{FF2B5EF4-FFF2-40B4-BE49-F238E27FC236}">
-                  <a16:creationId xmlns:a16="http://schemas.microsoft.com/office/drawing/2014/main" xmlns="" id="{3A3B525B-5392-5E07-E0FA-E4C7A9BFF68D}"/>
+                  <a16:creationId xmlns:a16="http://schemas.microsoft.com/office/drawing/2014/main" id="{3A3B525B-5392-5E07-E0FA-E4C7A9BFF68D}"/>
                 </a:ext>
               </a:extLst>
             </p:cNvPr>
@@ -31033,7 +31049,7 @@
             <p:cNvPr id="105" name="Google Shape;229;p5">
               <a:extLst>
                 <a:ext uri="{FF2B5EF4-FFF2-40B4-BE49-F238E27FC236}">
-                  <a16:creationId xmlns:a16="http://schemas.microsoft.com/office/drawing/2014/main" xmlns="" id="{DE6B0123-B97F-7766-F21D-29629B38D121}"/>
+                  <a16:creationId xmlns:a16="http://schemas.microsoft.com/office/drawing/2014/main" id="{DE6B0123-B97F-7766-F21D-29629B38D121}"/>
                 </a:ext>
               </a:extLst>
             </p:cNvPr>
@@ -31086,7 +31102,7 @@
             <p:cNvPr id="106" name="Google Shape;231;p5">
               <a:extLst>
                 <a:ext uri="{FF2B5EF4-FFF2-40B4-BE49-F238E27FC236}">
-                  <a16:creationId xmlns:a16="http://schemas.microsoft.com/office/drawing/2014/main" xmlns="" id="{CC404064-EA37-3208-1087-38A095DB1BB3}"/>
+                  <a16:creationId xmlns:a16="http://schemas.microsoft.com/office/drawing/2014/main" id="{CC404064-EA37-3208-1087-38A095DB1BB3}"/>
                 </a:ext>
               </a:extLst>
             </p:cNvPr>
@@ -31147,7 +31163,7 @@
             <p:cNvPr id="107" name="Google Shape;232;p5">
               <a:extLst>
                 <a:ext uri="{FF2B5EF4-FFF2-40B4-BE49-F238E27FC236}">
-                  <a16:creationId xmlns:a16="http://schemas.microsoft.com/office/drawing/2014/main" xmlns="" id="{4C11EDDA-C89D-8FEF-086F-E9E937160993}"/>
+                  <a16:creationId xmlns:a16="http://schemas.microsoft.com/office/drawing/2014/main" id="{4C11EDDA-C89D-8FEF-086F-E9E937160993}"/>
                 </a:ext>
               </a:extLst>
             </p:cNvPr>
@@ -31208,7 +31224,7 @@
             <p:cNvPr id="108" name="Google Shape;234;p5">
               <a:extLst>
                 <a:ext uri="{FF2B5EF4-FFF2-40B4-BE49-F238E27FC236}">
-                  <a16:creationId xmlns:a16="http://schemas.microsoft.com/office/drawing/2014/main" xmlns="" id="{630FC8FD-E55A-C9A8-5A16-3C7F96979BFE}"/>
+                  <a16:creationId xmlns:a16="http://schemas.microsoft.com/office/drawing/2014/main" id="{630FC8FD-E55A-C9A8-5A16-3C7F96979BFE}"/>
                 </a:ext>
               </a:extLst>
             </p:cNvPr>
@@ -31269,7 +31285,7 @@
             <p:cNvPr id="109" name="Google Shape;235;p5">
               <a:extLst>
                 <a:ext uri="{FF2B5EF4-FFF2-40B4-BE49-F238E27FC236}">
-                  <a16:creationId xmlns:a16="http://schemas.microsoft.com/office/drawing/2014/main" xmlns="" id="{45F1FF0E-4EB4-A4AC-4FF0-3423274ABE8F}"/>
+                  <a16:creationId xmlns:a16="http://schemas.microsoft.com/office/drawing/2014/main" id="{45F1FF0E-4EB4-A4AC-4FF0-3423274ABE8F}"/>
                 </a:ext>
               </a:extLst>
             </p:cNvPr>
@@ -31322,7 +31338,7 @@
             <p:cNvPr id="110" name="Google Shape;237;p5">
               <a:extLst>
                 <a:ext uri="{FF2B5EF4-FFF2-40B4-BE49-F238E27FC236}">
-                  <a16:creationId xmlns:a16="http://schemas.microsoft.com/office/drawing/2014/main" xmlns="" id="{1915EA7B-B9F6-3021-617A-FCC2FBD20AEC}"/>
+                  <a16:creationId xmlns:a16="http://schemas.microsoft.com/office/drawing/2014/main" id="{1915EA7B-B9F6-3021-617A-FCC2FBD20AEC}"/>
                 </a:ext>
               </a:extLst>
             </p:cNvPr>
@@ -31383,7 +31399,7 @@
             <p:cNvPr id="111" name="Google Shape;238;p5">
               <a:extLst>
                 <a:ext uri="{FF2B5EF4-FFF2-40B4-BE49-F238E27FC236}">
-                  <a16:creationId xmlns:a16="http://schemas.microsoft.com/office/drawing/2014/main" xmlns="" id="{C049D11C-99EA-C5CE-DB26-CB7427402906}"/>
+                  <a16:creationId xmlns:a16="http://schemas.microsoft.com/office/drawing/2014/main" id="{C049D11C-99EA-C5CE-DB26-CB7427402906}"/>
                 </a:ext>
               </a:extLst>
             </p:cNvPr>
@@ -31436,7 +31452,7 @@
             <p:cNvPr id="112" name="Google Shape;240;p5">
               <a:extLst>
                 <a:ext uri="{FF2B5EF4-FFF2-40B4-BE49-F238E27FC236}">
-                  <a16:creationId xmlns:a16="http://schemas.microsoft.com/office/drawing/2014/main" xmlns="" id="{8A3C015F-5414-D413-87DC-BFB978F9CB85}"/>
+                  <a16:creationId xmlns:a16="http://schemas.microsoft.com/office/drawing/2014/main" id="{8A3C015F-5414-D413-87DC-BFB978F9CB85}"/>
                 </a:ext>
               </a:extLst>
             </p:cNvPr>
@@ -31497,7 +31513,7 @@
             <p:cNvPr id="113" name="Google Shape;241;p5">
               <a:extLst>
                 <a:ext uri="{FF2B5EF4-FFF2-40B4-BE49-F238E27FC236}">
-                  <a16:creationId xmlns:a16="http://schemas.microsoft.com/office/drawing/2014/main" xmlns="" id="{C2736475-D702-EFE9-CC6B-17C21F90C8AB}"/>
+                  <a16:creationId xmlns:a16="http://schemas.microsoft.com/office/drawing/2014/main" id="{C2736475-D702-EFE9-CC6B-17C21F90C8AB}"/>
                 </a:ext>
               </a:extLst>
             </p:cNvPr>
@@ -31558,7 +31574,7 @@
             <p:cNvPr id="114" name="Google Shape;244;p5">
               <a:extLst>
                 <a:ext uri="{FF2B5EF4-FFF2-40B4-BE49-F238E27FC236}">
-                  <a16:creationId xmlns:a16="http://schemas.microsoft.com/office/drawing/2014/main" xmlns="" id="{5584F9AA-C244-73E9-8062-4BF172B63926}"/>
+                  <a16:creationId xmlns:a16="http://schemas.microsoft.com/office/drawing/2014/main" id="{5584F9AA-C244-73E9-8062-4BF172B63926}"/>
                 </a:ext>
               </a:extLst>
             </p:cNvPr>
@@ -31619,7 +31635,7 @@
             <p:cNvPr id="115" name="Google Shape;245;p5">
               <a:extLst>
                 <a:ext uri="{FF2B5EF4-FFF2-40B4-BE49-F238E27FC236}">
-                  <a16:creationId xmlns:a16="http://schemas.microsoft.com/office/drawing/2014/main" xmlns="" id="{9B2E85AC-75E1-43B3-5C38-126E56BE25F7}"/>
+                  <a16:creationId xmlns:a16="http://schemas.microsoft.com/office/drawing/2014/main" id="{9B2E85AC-75E1-43B3-5C38-126E56BE25F7}"/>
                 </a:ext>
               </a:extLst>
             </p:cNvPr>
@@ -31682,7 +31698,7 @@
             <p:cNvPr id="116" name="Google Shape;246;p5">
               <a:extLst>
                 <a:ext uri="{FF2B5EF4-FFF2-40B4-BE49-F238E27FC236}">
-                  <a16:creationId xmlns:a16="http://schemas.microsoft.com/office/drawing/2014/main" xmlns="" id="{1E8ACAA5-90F4-336F-B41E-391C28368AB6}"/>
+                  <a16:creationId xmlns:a16="http://schemas.microsoft.com/office/drawing/2014/main" id="{1E8ACAA5-90F4-336F-B41E-391C28368AB6}"/>
                 </a:ext>
               </a:extLst>
             </p:cNvPr>
@@ -31737,7 +31753,7 @@
             <p:cNvPr id="118" name="Google Shape;248;p5">
               <a:extLst>
                 <a:ext uri="{FF2B5EF4-FFF2-40B4-BE49-F238E27FC236}">
-                  <a16:creationId xmlns:a16="http://schemas.microsoft.com/office/drawing/2014/main" xmlns="" id="{FB449E84-460C-00EB-0DF3-51B1A236641F}"/>
+                  <a16:creationId xmlns:a16="http://schemas.microsoft.com/office/drawing/2014/main" id="{FB449E84-460C-00EB-0DF3-51B1A236641F}"/>
                 </a:ext>
               </a:extLst>
             </p:cNvPr>
@@ -31792,7 +31808,7 @@
             <p:cNvPr id="126" name="Google Shape;250;p5">
               <a:extLst>
                 <a:ext uri="{FF2B5EF4-FFF2-40B4-BE49-F238E27FC236}">
-                  <a16:creationId xmlns:a16="http://schemas.microsoft.com/office/drawing/2014/main" xmlns="" id="{9D6A95B4-0178-C048-0A9A-FD890F592A9A}"/>
+                  <a16:creationId xmlns:a16="http://schemas.microsoft.com/office/drawing/2014/main" id="{9D6A95B4-0178-C048-0A9A-FD890F592A9A}"/>
                 </a:ext>
               </a:extLst>
             </p:cNvPr>
@@ -31855,7 +31871,7 @@
             <p:cNvPr id="127" name="Google Shape;251;p5">
               <a:extLst>
                 <a:ext uri="{FF2B5EF4-FFF2-40B4-BE49-F238E27FC236}">
-                  <a16:creationId xmlns:a16="http://schemas.microsoft.com/office/drawing/2014/main" xmlns="" id="{34356193-D853-8885-242F-B81D6445A9FA}"/>
+                  <a16:creationId xmlns:a16="http://schemas.microsoft.com/office/drawing/2014/main" id="{34356193-D853-8885-242F-B81D6445A9FA}"/>
                 </a:ext>
               </a:extLst>
             </p:cNvPr>
@@ -31918,7 +31934,7 @@
             <p:cNvPr id="128" name="Google Shape;253;p5">
               <a:extLst>
                 <a:ext uri="{FF2B5EF4-FFF2-40B4-BE49-F238E27FC236}">
-                  <a16:creationId xmlns:a16="http://schemas.microsoft.com/office/drawing/2014/main" xmlns="" id="{1BB502B4-8452-FF3B-BF89-E95B36B88A54}"/>
+                  <a16:creationId xmlns:a16="http://schemas.microsoft.com/office/drawing/2014/main" id="{1BB502B4-8452-FF3B-BF89-E95B36B88A54}"/>
                 </a:ext>
               </a:extLst>
             </p:cNvPr>
@@ -31979,7 +31995,7 @@
             <p:cNvPr id="129" name="Google Shape;254;p5">
               <a:extLst>
                 <a:ext uri="{FF2B5EF4-FFF2-40B4-BE49-F238E27FC236}">
-                  <a16:creationId xmlns:a16="http://schemas.microsoft.com/office/drawing/2014/main" xmlns="" id="{53C61893-5296-31D8-FEF5-F777D26A2881}"/>
+                  <a16:creationId xmlns:a16="http://schemas.microsoft.com/office/drawing/2014/main" id="{53C61893-5296-31D8-FEF5-F777D26A2881}"/>
                 </a:ext>
               </a:extLst>
             </p:cNvPr>
@@ -32040,7 +32056,7 @@
             <p:cNvPr id="130" name="Google Shape;255;p5">
               <a:extLst>
                 <a:ext uri="{FF2B5EF4-FFF2-40B4-BE49-F238E27FC236}">
-                  <a16:creationId xmlns:a16="http://schemas.microsoft.com/office/drawing/2014/main" xmlns="" id="{43954C80-1DBE-6414-BEBA-46C98DD57084}"/>
+                  <a16:creationId xmlns:a16="http://schemas.microsoft.com/office/drawing/2014/main" id="{43954C80-1DBE-6414-BEBA-46C98DD57084}"/>
                 </a:ext>
               </a:extLst>
             </p:cNvPr>
@@ -32103,7 +32119,7 @@
             <p:cNvPr id="131" name="Google Shape;256;p5">
               <a:extLst>
                 <a:ext uri="{FF2B5EF4-FFF2-40B4-BE49-F238E27FC236}">
-                  <a16:creationId xmlns:a16="http://schemas.microsoft.com/office/drawing/2014/main" xmlns="" id="{BFCB6730-EB72-F2AB-8009-5CC220351BE8}"/>
+                  <a16:creationId xmlns:a16="http://schemas.microsoft.com/office/drawing/2014/main" id="{BFCB6730-EB72-F2AB-8009-5CC220351BE8}"/>
                 </a:ext>
               </a:extLst>
             </p:cNvPr>
@@ -32164,7 +32180,7 @@
             <p:cNvPr id="132" name="Google Shape;257;p5">
               <a:extLst>
                 <a:ext uri="{FF2B5EF4-FFF2-40B4-BE49-F238E27FC236}">
-                  <a16:creationId xmlns:a16="http://schemas.microsoft.com/office/drawing/2014/main" xmlns="" id="{DED2F79F-6D7B-8BB5-E5DE-CF8A2D6C16C0}"/>
+                  <a16:creationId xmlns:a16="http://schemas.microsoft.com/office/drawing/2014/main" id="{DED2F79F-6D7B-8BB5-E5DE-CF8A2D6C16C0}"/>
                 </a:ext>
               </a:extLst>
             </p:cNvPr>
@@ -32225,7 +32241,7 @@
             <p:cNvPr id="133" name="Google Shape;258;p5">
               <a:extLst>
                 <a:ext uri="{FF2B5EF4-FFF2-40B4-BE49-F238E27FC236}">
-                  <a16:creationId xmlns:a16="http://schemas.microsoft.com/office/drawing/2014/main" xmlns="" id="{16501B0D-988C-4C55-D0C0-82A1D2C7C862}"/>
+                  <a16:creationId xmlns:a16="http://schemas.microsoft.com/office/drawing/2014/main" id="{16501B0D-988C-4C55-D0C0-82A1D2C7C862}"/>
                 </a:ext>
               </a:extLst>
             </p:cNvPr>
@@ -32286,7 +32302,7 @@
             <p:cNvPr id="134" name="Google Shape;260;p5">
               <a:extLst>
                 <a:ext uri="{FF2B5EF4-FFF2-40B4-BE49-F238E27FC236}">
-                  <a16:creationId xmlns:a16="http://schemas.microsoft.com/office/drawing/2014/main" xmlns="" id="{69C4F289-7D9F-5C13-CF5A-1149A62A3B81}"/>
+                  <a16:creationId xmlns:a16="http://schemas.microsoft.com/office/drawing/2014/main" id="{69C4F289-7D9F-5C13-CF5A-1149A62A3B81}"/>
                 </a:ext>
               </a:extLst>
             </p:cNvPr>
@@ -32347,7 +32363,7 @@
             <p:cNvPr id="135" name="Google Shape;261;p5">
               <a:extLst>
                 <a:ext uri="{FF2B5EF4-FFF2-40B4-BE49-F238E27FC236}">
-                  <a16:creationId xmlns:a16="http://schemas.microsoft.com/office/drawing/2014/main" xmlns="" id="{AEF9CF5A-E3A8-EED6-AA32-B39EF1705F87}"/>
+                  <a16:creationId xmlns:a16="http://schemas.microsoft.com/office/drawing/2014/main" id="{AEF9CF5A-E3A8-EED6-AA32-B39EF1705F87}"/>
                 </a:ext>
               </a:extLst>
             </p:cNvPr>
@@ -32408,7 +32424,7 @@
             <p:cNvPr id="136" name="Google Shape;262;p5">
               <a:extLst>
                 <a:ext uri="{FF2B5EF4-FFF2-40B4-BE49-F238E27FC236}">
-                  <a16:creationId xmlns:a16="http://schemas.microsoft.com/office/drawing/2014/main" xmlns="" id="{985C8417-51E6-E903-99AC-A57AB3E72706}"/>
+                  <a16:creationId xmlns:a16="http://schemas.microsoft.com/office/drawing/2014/main" id="{985C8417-51E6-E903-99AC-A57AB3E72706}"/>
                 </a:ext>
               </a:extLst>
             </p:cNvPr>
@@ -32469,7 +32485,7 @@
             <p:cNvPr id="137" name="Google Shape;263;p5">
               <a:extLst>
                 <a:ext uri="{FF2B5EF4-FFF2-40B4-BE49-F238E27FC236}">
-                  <a16:creationId xmlns:a16="http://schemas.microsoft.com/office/drawing/2014/main" xmlns="" id="{2738A6E1-AE1D-8CFC-F022-A32F7FB8E205}"/>
+                  <a16:creationId xmlns:a16="http://schemas.microsoft.com/office/drawing/2014/main" id="{2738A6E1-AE1D-8CFC-F022-A32F7FB8E205}"/>
                 </a:ext>
               </a:extLst>
             </p:cNvPr>
@@ -32530,7 +32546,7 @@
             <p:cNvPr id="138" name="Google Shape;264;p5">
               <a:extLst>
                 <a:ext uri="{FF2B5EF4-FFF2-40B4-BE49-F238E27FC236}">
-                  <a16:creationId xmlns:a16="http://schemas.microsoft.com/office/drawing/2014/main" xmlns="" id="{C3E4DF1D-DF09-FDB0-0FC2-BA0C40D16DCB}"/>
+                  <a16:creationId xmlns:a16="http://schemas.microsoft.com/office/drawing/2014/main" id="{C3E4DF1D-DF09-FDB0-0FC2-BA0C40D16DCB}"/>
                 </a:ext>
               </a:extLst>
             </p:cNvPr>
@@ -32591,7 +32607,7 @@
             <p:cNvPr id="139" name="Google Shape;265;p5">
               <a:extLst>
                 <a:ext uri="{FF2B5EF4-FFF2-40B4-BE49-F238E27FC236}">
-                  <a16:creationId xmlns:a16="http://schemas.microsoft.com/office/drawing/2014/main" xmlns="" id="{1BEE1217-E4D3-FF9B-5909-75FE7AF5289F}"/>
+                  <a16:creationId xmlns:a16="http://schemas.microsoft.com/office/drawing/2014/main" id="{1BEE1217-E4D3-FF9B-5909-75FE7AF5289F}"/>
                 </a:ext>
               </a:extLst>
             </p:cNvPr>
@@ -32653,7 +32669,7 @@
           <p:cNvPr id="101" name="그림 100">
             <a:extLst>
               <a:ext uri="{FF2B5EF4-FFF2-40B4-BE49-F238E27FC236}">
-                <a16:creationId xmlns:a16="http://schemas.microsoft.com/office/drawing/2014/main" xmlns="" id="{E6A90F28-2804-1471-C735-C839C6C39178}"/>
+                <a16:creationId xmlns:a16="http://schemas.microsoft.com/office/drawing/2014/main" id="{E6A90F28-2804-1471-C735-C839C6C39178}"/>
               </a:ext>
             </a:extLst>
           </p:cNvPr>
@@ -32696,7 +32712,7 @@
           <p:cNvPr id="178" name="타원 177">
             <a:extLst>
               <a:ext uri="{FF2B5EF4-FFF2-40B4-BE49-F238E27FC236}">
-                <a16:creationId xmlns:a16="http://schemas.microsoft.com/office/drawing/2014/main" xmlns="" id="{32B1BE83-8092-D1AD-5DB6-F933378D3AB1}"/>
+                <a16:creationId xmlns:a16="http://schemas.microsoft.com/office/drawing/2014/main" id="{32B1BE83-8092-D1AD-5DB6-F933378D3AB1}"/>
               </a:ext>
             </a:extLst>
           </p:cNvPr>
@@ -32749,7 +32765,7 @@
           <p:cNvPr id="150" name="TextBox 149">
             <a:extLst>
               <a:ext uri="{FF2B5EF4-FFF2-40B4-BE49-F238E27FC236}">
-                <a16:creationId xmlns:a16="http://schemas.microsoft.com/office/drawing/2014/main" xmlns="" id="{CC75C9D9-15F2-4CB0-A798-8F3CE0486109}"/>
+                <a16:creationId xmlns:a16="http://schemas.microsoft.com/office/drawing/2014/main" id="{CC75C9D9-15F2-4CB0-A798-8F3CE0486109}"/>
               </a:ext>
             </a:extLst>
           </p:cNvPr>
@@ -32778,7 +32794,7 @@
               </a:lnSpc>
             </a:pPr>
             <a:r>
-              <a:rPr lang="ko-KR" altLang="en-US" sz="1200" b="1" dirty="0" smtClean="0">
+              <a:rPr lang="ko-KR" altLang="en-US" sz="1200" b="1" dirty="0">
                 <a:latin typeface="+mn-ea"/>
                 <a:ea typeface="+mn-ea"/>
               </a:rPr>
@@ -32796,7 +32812,7 @@
           <p:cNvPr id="151" name="TextBox 150">
             <a:extLst>
               <a:ext uri="{FF2B5EF4-FFF2-40B4-BE49-F238E27FC236}">
-                <a16:creationId xmlns:a16="http://schemas.microsoft.com/office/drawing/2014/main" xmlns="" id="{CC75C9D9-15F2-4CB0-A798-8F3CE0486109}"/>
+                <a16:creationId xmlns:a16="http://schemas.microsoft.com/office/drawing/2014/main" id="{CC75C9D9-15F2-4CB0-A798-8F3CE0486109}"/>
               </a:ext>
             </a:extLst>
           </p:cNvPr>
@@ -32825,14 +32841,14 @@
               </a:lnSpc>
             </a:pPr>
             <a:r>
-              <a:rPr lang="ko-KR" altLang="en-US" sz="1200" b="1" dirty="0" smtClean="0">
+              <a:rPr lang="ko-KR" altLang="en-US" sz="1200" b="1" dirty="0">
                 <a:latin typeface="+mn-ea"/>
                 <a:ea typeface="+mn-ea"/>
               </a:rPr>
               <a:t>방출의 경우 사거리의 </a:t>
             </a:r>
             <a:r>
-              <a:rPr lang="ko-KR" altLang="en-US" sz="1200" b="1" dirty="0" err="1" smtClean="0">
+              <a:rPr lang="ko-KR" altLang="en-US" sz="1200" b="1" dirty="0" err="1">
                 <a:latin typeface="+mn-ea"/>
                 <a:ea typeface="+mn-ea"/>
               </a:rPr>
@@ -32850,7 +32866,7 @@
           <p:cNvPr id="153" name="그림 152">
             <a:extLst>
               <a:ext uri="{FF2B5EF4-FFF2-40B4-BE49-F238E27FC236}">
-                <a16:creationId xmlns:a16="http://schemas.microsoft.com/office/drawing/2014/main" xmlns="" id="{E6A90F28-2804-1471-C735-C839C6C39178}"/>
+                <a16:creationId xmlns:a16="http://schemas.microsoft.com/office/drawing/2014/main" id="{E6A90F28-2804-1471-C735-C839C6C39178}"/>
               </a:ext>
             </a:extLst>
           </p:cNvPr>
@@ -32890,7 +32906,7 @@
           <p:cNvPr id="155" name="그림 154">
             <a:extLst>
               <a:ext uri="{FF2B5EF4-FFF2-40B4-BE49-F238E27FC236}">
-                <a16:creationId xmlns:a16="http://schemas.microsoft.com/office/drawing/2014/main" xmlns="" id="{FA4B5FCB-9D26-C9E5-C8D5-CB8603C86130}"/>
+                <a16:creationId xmlns:a16="http://schemas.microsoft.com/office/drawing/2014/main" id="{FA4B5FCB-9D26-C9E5-C8D5-CB8603C86130}"/>
               </a:ext>
             </a:extLst>
           </p:cNvPr>
@@ -32930,7 +32946,7 @@
           <p:cNvPr id="177" name="타원 176">
             <a:extLst>
               <a:ext uri="{FF2B5EF4-FFF2-40B4-BE49-F238E27FC236}">
-                <a16:creationId xmlns:a16="http://schemas.microsoft.com/office/drawing/2014/main" xmlns="" id="{4FD8199D-E27A-0E0C-12CA-93CB84A32E77}"/>
+                <a16:creationId xmlns:a16="http://schemas.microsoft.com/office/drawing/2014/main" id="{4FD8199D-E27A-0E0C-12CA-93CB84A32E77}"/>
               </a:ext>
             </a:extLst>
           </p:cNvPr>
@@ -33055,19 +33071,19 @@
               <a:buNone/>
             </a:pPr>
             <a:r>
-              <a:rPr lang="ko-KR" altLang="en-US" dirty="0" smtClean="0"/>
+              <a:rPr lang="ko-KR" altLang="en-US" dirty="0"/>
               <a:t>추가 스킬 </a:t>
             </a:r>
             <a:r>
-              <a:rPr lang="en-US" altLang="ko-KR" dirty="0" smtClean="0"/>
+              <a:rPr lang="en-US" altLang="ko-KR" dirty="0"/>
               <a:t>&amp; </a:t>
             </a:r>
             <a:r>
-              <a:rPr lang="ko-KR" altLang="en-US" dirty="0" smtClean="0"/>
+              <a:rPr lang="ko-KR" altLang="en-US" dirty="0"/>
               <a:t>추가 </a:t>
             </a:r>
             <a:r>
-              <a:rPr lang="ko-KR" altLang="en-US" dirty="0" err="1" smtClean="0"/>
+              <a:rPr lang="ko-KR" altLang="en-US" dirty="0" err="1"/>
               <a:t>버프</a:t>
             </a:r>
             <a:endParaRPr lang="ko-KR" altLang="en-US" dirty="0"/>
@@ -33338,7 +33354,7 @@
           <p:cNvPr id="56" name="Google Shape;97;p2">
             <a:extLst>
               <a:ext uri="{FF2B5EF4-FFF2-40B4-BE49-F238E27FC236}">
-                <a16:creationId xmlns:a16="http://schemas.microsoft.com/office/drawing/2014/main" xmlns="" id="{62588F5F-EF44-4D87-B105-53BCC0462955}"/>
+                <a16:creationId xmlns:a16="http://schemas.microsoft.com/office/drawing/2014/main" id="{62588F5F-EF44-4D87-B105-53BCC0462955}"/>
               </a:ext>
             </a:extLst>
           </p:cNvPr>
@@ -33372,7 +33388,7 @@
           <p:cNvPr id="31" name="TextBox 30">
             <a:extLst>
               <a:ext uri="{FF2B5EF4-FFF2-40B4-BE49-F238E27FC236}">
-                <a16:creationId xmlns:a16="http://schemas.microsoft.com/office/drawing/2014/main" xmlns="" id="{CC75C9D9-15F2-4CB0-A798-8F3CE0486109}"/>
+                <a16:creationId xmlns:a16="http://schemas.microsoft.com/office/drawing/2014/main" id="{CC75C9D9-15F2-4CB0-A798-8F3CE0486109}"/>
               </a:ext>
             </a:extLst>
           </p:cNvPr>
@@ -33401,28 +33417,28 @@
               </a:lnSpc>
             </a:pPr>
             <a:r>
-              <a:rPr lang="ko-KR" altLang="en-US" sz="1200" b="1" dirty="0" smtClean="0">
+              <a:rPr lang="ko-KR" altLang="en-US" sz="1200" b="1" dirty="0">
                 <a:latin typeface="+mn-ea"/>
                 <a:ea typeface="+mn-ea"/>
               </a:rPr>
               <a:t>추가 스킬</a:t>
             </a:r>
             <a:r>
-              <a:rPr lang="en-US" altLang="ko-KR" sz="1200" b="1" dirty="0" smtClean="0">
+              <a:rPr lang="en-US" altLang="ko-KR" sz="1200" b="1" dirty="0">
                 <a:latin typeface="+mn-ea"/>
                 <a:ea typeface="+mn-ea"/>
               </a:rPr>
               <a:t>”</a:t>
             </a:r>
             <a:r>
-              <a:rPr lang="en-US" altLang="ko-KR" sz="1200" b="1" dirty="0" err="1" smtClean="0">
+              <a:rPr lang="en-US" altLang="ko-KR" sz="1200" b="1" dirty="0" err="1">
                 <a:latin typeface="+mn-ea"/>
                 <a:ea typeface="+mn-ea"/>
               </a:rPr>
               <a:t>SkillAdded</a:t>
             </a:r>
             <a:r>
-              <a:rPr lang="en-US" altLang="ko-KR" sz="1200" b="1" dirty="0" smtClean="0">
+              <a:rPr lang="en-US" altLang="ko-KR" sz="1200" b="1" dirty="0">
                 <a:latin typeface="+mn-ea"/>
                 <a:ea typeface="+mn-ea"/>
               </a:rPr>
@@ -33436,7 +33452,7 @@
               <a:t>는 다음과 같다</a:t>
             </a:r>
             <a:r>
-              <a:rPr lang="en-US" altLang="ko-KR" sz="1200" b="1" dirty="0" smtClean="0">
+              <a:rPr lang="en-US" altLang="ko-KR" sz="1200" b="1" dirty="0">
                 <a:latin typeface="+mn-ea"/>
                 <a:ea typeface="+mn-ea"/>
               </a:rPr>
@@ -33452,274 +33468,232 @@
               <a:buChar char="•"/>
             </a:pPr>
             <a:r>
-              <a:rPr lang="ko-KR" altLang="en-US" sz="1200" dirty="0" smtClean="0">
+              <a:rPr lang="ko-KR" altLang="en-US" sz="1200" dirty="0">
                 <a:latin typeface="+mn-ea"/>
                 <a:ea typeface="+mn-ea"/>
               </a:rPr>
               <a:t>추가 스킬 </a:t>
             </a:r>
             <a:r>
-              <a:rPr lang="en-US" altLang="ko-KR" sz="1200" dirty="0" smtClean="0">
+              <a:rPr lang="en-US" altLang="ko-KR" sz="1200" dirty="0">
                 <a:latin typeface="+mn-ea"/>
                 <a:ea typeface="+mn-ea"/>
               </a:rPr>
               <a:t>!= 0</a:t>
             </a:r>
             <a:r>
-              <a:rPr lang="ko-KR" altLang="en-US" sz="1200" dirty="0" smtClean="0">
+              <a:rPr lang="ko-KR" altLang="en-US" sz="1200" dirty="0">
                 <a:latin typeface="+mn-ea"/>
                 <a:ea typeface="+mn-ea"/>
               </a:rPr>
               <a:t>일 경우 해당 </a:t>
             </a:r>
             <a:r>
-              <a:rPr lang="ko-KR" altLang="en-US" sz="1200" dirty="0" err="1" smtClean="0">
+              <a:rPr lang="ko-KR" altLang="en-US" sz="1200" dirty="0" err="1">
                 <a:latin typeface="+mn-ea"/>
                 <a:ea typeface="+mn-ea"/>
               </a:rPr>
               <a:t>인덱스값의</a:t>
             </a:r>
-            <a:r>
-              <a:rPr lang="en-US" altLang="ko-KR" sz="1200" dirty="0" smtClean="0">
-                <a:latin typeface="+mn-ea"/>
-                <a:ea typeface="+mn-ea"/>
-              </a:rPr>
-              <a:t/>
-            </a:r>
             <a:br>
-              <a:rPr lang="en-US" altLang="ko-KR" sz="1200" dirty="0" smtClean="0">
+              <a:rPr lang="en-US" altLang="ko-KR" sz="1200" dirty="0">
                 <a:latin typeface="+mn-ea"/>
                 <a:ea typeface="+mn-ea"/>
               </a:rPr>
             </a:br>
             <a:r>
-              <a:rPr lang="ko-KR" altLang="en-US" sz="1200" dirty="0" err="1" smtClean="0">
+              <a:rPr lang="ko-KR" altLang="en-US" sz="1200" dirty="0" err="1">
                 <a:latin typeface="+mn-ea"/>
                 <a:ea typeface="+mn-ea"/>
               </a:rPr>
               <a:t>스킬을</a:t>
             </a:r>
             <a:r>
-              <a:rPr lang="ko-KR" altLang="en-US" sz="1200" dirty="0" smtClean="0">
+              <a:rPr lang="ko-KR" altLang="en-US" sz="1200" dirty="0">
                 <a:latin typeface="+mn-ea"/>
                 <a:ea typeface="+mn-ea"/>
               </a:rPr>
               <a:t> 불러온다</a:t>
             </a:r>
             <a:r>
-              <a:rPr lang="en-US" altLang="ko-KR" sz="1200" dirty="0" smtClean="0">
+              <a:rPr lang="en-US" altLang="ko-KR" sz="1200" dirty="0">
                 <a:latin typeface="+mn-ea"/>
                 <a:ea typeface="+mn-ea"/>
               </a:rPr>
               <a:t>, </a:t>
             </a:r>
             <a:r>
-              <a:rPr lang="ko-KR" altLang="en-US" sz="1200" dirty="0" smtClean="0">
+              <a:rPr lang="ko-KR" altLang="en-US" sz="1200" dirty="0">
                 <a:latin typeface="+mn-ea"/>
                 <a:ea typeface="+mn-ea"/>
               </a:rPr>
               <a:t>예시용 테이블에 설정된</a:t>
             </a:r>
-            <a:r>
-              <a:rPr lang="en-US" altLang="ko-KR" sz="1200" dirty="0" smtClean="0">
-                <a:latin typeface="+mn-ea"/>
-                <a:ea typeface="+mn-ea"/>
-              </a:rPr>
-              <a:t/>
-            </a:r>
             <a:br>
-              <a:rPr lang="en-US" altLang="ko-KR" sz="1200" dirty="0" smtClean="0">
+              <a:rPr lang="en-US" altLang="ko-KR" sz="1200" dirty="0">
                 <a:latin typeface="+mn-ea"/>
                 <a:ea typeface="+mn-ea"/>
               </a:rPr>
             </a:br>
             <a:r>
-              <a:rPr lang="ko-KR" altLang="en-US" sz="1200" dirty="0" smtClean="0">
+              <a:rPr lang="ko-KR" altLang="en-US" sz="1200" dirty="0">
                 <a:latin typeface="+mn-ea"/>
                 <a:ea typeface="+mn-ea"/>
               </a:rPr>
               <a:t>숫자 처럼 </a:t>
             </a:r>
             <a:r>
-              <a:rPr lang="en-US" altLang="ko-KR" sz="1200" dirty="0" smtClean="0">
+              <a:rPr lang="en-US" altLang="ko-KR" sz="1200" dirty="0">
                 <a:latin typeface="+mn-ea"/>
                 <a:ea typeface="+mn-ea"/>
               </a:rPr>
               <a:t>101001</a:t>
             </a:r>
             <a:r>
-              <a:rPr lang="ko-KR" altLang="en-US" sz="1200" dirty="0" smtClean="0">
+              <a:rPr lang="ko-KR" altLang="en-US" sz="1200" dirty="0">
                 <a:latin typeface="+mn-ea"/>
                 <a:ea typeface="+mn-ea"/>
               </a:rPr>
               <a:t>의 </a:t>
             </a:r>
             <a:r>
-              <a:rPr lang="ko-KR" altLang="en-US" sz="1200" dirty="0" err="1" smtClean="0">
+              <a:rPr lang="ko-KR" altLang="en-US" sz="1200" dirty="0" err="1">
                 <a:latin typeface="+mn-ea"/>
                 <a:ea typeface="+mn-ea"/>
               </a:rPr>
               <a:t>스킬을</a:t>
             </a:r>
             <a:r>
-              <a:rPr lang="ko-KR" altLang="en-US" sz="1200" dirty="0" smtClean="0">
+              <a:rPr lang="ko-KR" altLang="en-US" sz="1200" dirty="0">
                 <a:latin typeface="+mn-ea"/>
                 <a:ea typeface="+mn-ea"/>
               </a:rPr>
               <a:t> 보스가 사용하고</a:t>
             </a:r>
-            <a:r>
-              <a:rPr lang="en-US" altLang="ko-KR" sz="1200" dirty="0" smtClean="0">
-                <a:latin typeface="+mn-ea"/>
-                <a:ea typeface="+mn-ea"/>
-              </a:rPr>
-              <a:t/>
-            </a:r>
             <a:br>
-              <a:rPr lang="en-US" altLang="ko-KR" sz="1200" dirty="0" smtClean="0">
+              <a:rPr lang="en-US" altLang="ko-KR" sz="1200" dirty="0">
                 <a:latin typeface="+mn-ea"/>
                 <a:ea typeface="+mn-ea"/>
               </a:rPr>
             </a:br>
             <a:r>
-              <a:rPr lang="ko-KR" altLang="en-US" sz="1200" dirty="0" smtClean="0">
+              <a:rPr lang="ko-KR" altLang="en-US" sz="1200" dirty="0">
                 <a:latin typeface="+mn-ea"/>
                 <a:ea typeface="+mn-ea"/>
               </a:rPr>
               <a:t>소멸 하면 소멸 지점에서 </a:t>
             </a:r>
             <a:r>
-              <a:rPr lang="en-US" altLang="ko-KR" sz="1200" dirty="0" smtClean="0">
+              <a:rPr lang="en-US" altLang="ko-KR" sz="1200" dirty="0">
                 <a:latin typeface="+mn-ea"/>
                 <a:ea typeface="+mn-ea"/>
               </a:rPr>
               <a:t>101002</a:t>
             </a:r>
             <a:r>
-              <a:rPr lang="ko-KR" altLang="en-US" sz="1200" dirty="0" smtClean="0">
+              <a:rPr lang="ko-KR" altLang="en-US" sz="1200" dirty="0">
                 <a:latin typeface="+mn-ea"/>
                 <a:ea typeface="+mn-ea"/>
               </a:rPr>
               <a:t>의 </a:t>
             </a:r>
             <a:r>
-              <a:rPr lang="ko-KR" altLang="en-US" sz="1200" dirty="0" err="1" smtClean="0">
+              <a:rPr lang="ko-KR" altLang="en-US" sz="1200" dirty="0" err="1">
                 <a:latin typeface="+mn-ea"/>
                 <a:ea typeface="+mn-ea"/>
               </a:rPr>
               <a:t>스킬이</a:t>
             </a:r>
             <a:r>
-              <a:rPr lang="ko-KR" altLang="en-US" sz="1200" dirty="0" smtClean="0">
+              <a:rPr lang="ko-KR" altLang="en-US" sz="1200" dirty="0">
                 <a:latin typeface="+mn-ea"/>
                 <a:ea typeface="+mn-ea"/>
               </a:rPr>
               <a:t> </a:t>
             </a:r>
-            <a:r>
-              <a:rPr lang="en-US" altLang="ko-KR" sz="1200" dirty="0" smtClean="0">
-                <a:latin typeface="+mn-ea"/>
-                <a:ea typeface="+mn-ea"/>
-              </a:rPr>
-              <a:t/>
-            </a:r>
             <a:br>
-              <a:rPr lang="en-US" altLang="ko-KR" sz="1200" dirty="0" smtClean="0">
+              <a:rPr lang="en-US" altLang="ko-KR" sz="1200" dirty="0">
                 <a:latin typeface="+mn-ea"/>
                 <a:ea typeface="+mn-ea"/>
               </a:rPr>
             </a:br>
             <a:r>
-              <a:rPr lang="ko-KR" altLang="en-US" sz="1200" dirty="0" smtClean="0">
+              <a:rPr lang="ko-KR" altLang="en-US" sz="1200" dirty="0">
                 <a:latin typeface="+mn-ea"/>
                 <a:ea typeface="+mn-ea"/>
               </a:rPr>
               <a:t>대상을 찾아 발사 된다</a:t>
             </a:r>
             <a:r>
-              <a:rPr lang="en-US" altLang="ko-KR" sz="1200" dirty="0" smtClean="0">
+              <a:rPr lang="en-US" altLang="ko-KR" sz="1200" dirty="0">
                 <a:latin typeface="+mn-ea"/>
                 <a:ea typeface="+mn-ea"/>
               </a:rPr>
               <a:t>. 101002</a:t>
             </a:r>
             <a:r>
-              <a:rPr lang="ko-KR" altLang="en-US" sz="1200" dirty="0" smtClean="0">
+              <a:rPr lang="ko-KR" altLang="en-US" sz="1200" dirty="0">
                 <a:latin typeface="+mn-ea"/>
                 <a:ea typeface="+mn-ea"/>
               </a:rPr>
               <a:t>는 </a:t>
             </a:r>
             <a:r>
-              <a:rPr lang="en-US" altLang="ko-KR" sz="1200" dirty="0" err="1" smtClean="0">
+              <a:rPr lang="en-US" altLang="ko-KR" sz="1200" dirty="0" err="1">
                 <a:latin typeface="+mn-ea"/>
                 <a:ea typeface="+mn-ea"/>
               </a:rPr>
               <a:t>SkillAdded</a:t>
             </a:r>
-            <a:r>
-              <a:rPr lang="en-US" altLang="ko-KR" sz="1200" dirty="0" smtClean="0">
-                <a:latin typeface="+mn-ea"/>
-                <a:ea typeface="+mn-ea"/>
-              </a:rPr>
-              <a:t/>
-            </a:r>
             <a:br>
-              <a:rPr lang="en-US" altLang="ko-KR" sz="1200" dirty="0" smtClean="0">
+              <a:rPr lang="en-US" altLang="ko-KR" sz="1200" dirty="0">
                 <a:latin typeface="+mn-ea"/>
                 <a:ea typeface="+mn-ea"/>
               </a:rPr>
             </a:br>
             <a:r>
-              <a:rPr lang="en-US" altLang="ko-KR" sz="1200" dirty="0" smtClean="0">
+              <a:rPr lang="en-US" altLang="ko-KR" sz="1200" dirty="0">
                 <a:latin typeface="+mn-ea"/>
                 <a:ea typeface="+mn-ea"/>
               </a:rPr>
               <a:t>== 0</a:t>
             </a:r>
             <a:r>
-              <a:rPr lang="ko-KR" altLang="en-US" sz="1200" dirty="0" smtClean="0">
+              <a:rPr lang="ko-KR" altLang="en-US" sz="1200" dirty="0">
                 <a:latin typeface="+mn-ea"/>
                 <a:ea typeface="+mn-ea"/>
               </a:rPr>
               <a:t>이기 때문에 더 이상 </a:t>
             </a:r>
             <a:r>
-              <a:rPr lang="ko-KR" altLang="en-US" sz="1200" dirty="0" err="1" smtClean="0">
+              <a:rPr lang="ko-KR" altLang="en-US" sz="1200" dirty="0" err="1">
                 <a:latin typeface="+mn-ea"/>
                 <a:ea typeface="+mn-ea"/>
               </a:rPr>
               <a:t>스킬은</a:t>
             </a:r>
             <a:r>
-              <a:rPr lang="ko-KR" altLang="en-US" sz="1200" dirty="0" smtClean="0">
+              <a:rPr lang="ko-KR" altLang="en-US" sz="1200" dirty="0">
                 <a:latin typeface="+mn-ea"/>
                 <a:ea typeface="+mn-ea"/>
               </a:rPr>
               <a:t> 사용되지</a:t>
             </a:r>
-            <a:r>
-              <a:rPr lang="en-US" altLang="ko-KR" sz="1200" dirty="0" smtClean="0">
-                <a:latin typeface="+mn-ea"/>
-                <a:ea typeface="+mn-ea"/>
-              </a:rPr>
-              <a:t/>
-            </a:r>
             <a:br>
-              <a:rPr lang="en-US" altLang="ko-KR" sz="1200" dirty="0" smtClean="0">
+              <a:rPr lang="en-US" altLang="ko-KR" sz="1200" dirty="0">
                 <a:latin typeface="+mn-ea"/>
                 <a:ea typeface="+mn-ea"/>
               </a:rPr>
             </a:br>
             <a:r>
-              <a:rPr lang="ko-KR" altLang="en-US" sz="1200" dirty="0" smtClean="0">
+              <a:rPr lang="ko-KR" altLang="en-US" sz="1200" dirty="0">
                 <a:latin typeface="+mn-ea"/>
                 <a:ea typeface="+mn-ea"/>
               </a:rPr>
               <a:t>않는다</a:t>
             </a:r>
             <a:r>
-              <a:rPr lang="en-US" altLang="ko-KR" sz="1200" dirty="0" smtClean="0">
+              <a:rPr lang="en-US" altLang="ko-KR" sz="1200" dirty="0">
                 <a:latin typeface="+mn-ea"/>
                 <a:ea typeface="+mn-ea"/>
               </a:rPr>
@@ -33752,19 +33726,19 @@
               <a:t>추가 </a:t>
             </a:r>
             <a:r>
-              <a:rPr lang="ko-KR" altLang="en-US" sz="1200" b="1" dirty="0" err="1" smtClean="0">
+              <a:rPr lang="ko-KR" altLang="en-US" sz="1200" b="1" dirty="0" err="1">
                 <a:latin typeface="+mn-ea"/>
               </a:rPr>
               <a:t>버프</a:t>
             </a:r>
             <a:r>
-              <a:rPr lang="en-US" altLang="ko-KR" sz="1200" b="1" dirty="0" smtClean="0">
+              <a:rPr lang="en-US" altLang="ko-KR" sz="1200" b="1" dirty="0">
                 <a:latin typeface="+mn-ea"/>
               </a:rPr>
               <a:t>”</a:t>
             </a:r>
             <a:r>
-              <a:rPr lang="en-US" altLang="ko-KR" sz="1200" b="1" dirty="0" err="1" smtClean="0">
+              <a:rPr lang="en-US" altLang="ko-KR" sz="1200" b="1" dirty="0" err="1">
                 <a:latin typeface="+mn-ea"/>
               </a:rPr>
               <a:t>BuffAdded</a:t>
@@ -33797,92 +33771,81 @@
               <a:buChar char="•"/>
             </a:pPr>
             <a:r>
-              <a:rPr lang="ko-KR" altLang="en-US" sz="1200" dirty="0" smtClean="0">
+              <a:rPr lang="ko-KR" altLang="en-US" sz="1200" dirty="0">
                 <a:latin typeface="+mn-ea"/>
                 <a:ea typeface="+mn-ea"/>
               </a:rPr>
               <a:t>불러온 </a:t>
             </a:r>
             <a:r>
-              <a:rPr lang="ko-KR" altLang="en-US" sz="1200" dirty="0" err="1" smtClean="0">
+              <a:rPr lang="ko-KR" altLang="en-US" sz="1200" dirty="0" err="1">
                 <a:latin typeface="+mn-ea"/>
                 <a:ea typeface="+mn-ea"/>
               </a:rPr>
               <a:t>버프가</a:t>
             </a:r>
             <a:r>
-              <a:rPr lang="ko-KR" altLang="en-US" sz="1200" dirty="0" smtClean="0">
+              <a:rPr lang="ko-KR" altLang="en-US" sz="1200" dirty="0">
                 <a:latin typeface="+mn-ea"/>
                 <a:ea typeface="+mn-ea"/>
               </a:rPr>
               <a:t> 있는 </a:t>
             </a:r>
             <a:r>
-              <a:rPr lang="ko-KR" altLang="en-US" sz="1200" dirty="0" err="1" smtClean="0">
+              <a:rPr lang="ko-KR" altLang="en-US" sz="1200" dirty="0" err="1">
                 <a:latin typeface="+mn-ea"/>
                 <a:ea typeface="+mn-ea"/>
               </a:rPr>
               <a:t>스킬에</a:t>
             </a:r>
             <a:r>
-              <a:rPr lang="ko-KR" altLang="en-US" sz="1200" dirty="0" smtClean="0">
+              <a:rPr lang="ko-KR" altLang="en-US" sz="1200" dirty="0">
                 <a:latin typeface="+mn-ea"/>
                 <a:ea typeface="+mn-ea"/>
               </a:rPr>
               <a:t> 피해를 받으면 </a:t>
             </a:r>
-            <a:r>
-              <a:rPr lang="en-US" altLang="ko-KR" sz="1200" dirty="0" smtClean="0">
-                <a:latin typeface="+mn-ea"/>
-                <a:ea typeface="+mn-ea"/>
-              </a:rPr>
-              <a:t/>
-            </a:r>
             <a:br>
-              <a:rPr lang="en-US" altLang="ko-KR" sz="1200" dirty="0" smtClean="0">
+              <a:rPr lang="en-US" altLang="ko-KR" sz="1200" dirty="0">
                 <a:latin typeface="+mn-ea"/>
                 <a:ea typeface="+mn-ea"/>
               </a:rPr>
             </a:br>
             <a:r>
-              <a:rPr lang="ko-KR" altLang="en-US" sz="1200" dirty="0" err="1" smtClean="0">
+              <a:rPr lang="ko-KR" altLang="en-US" sz="1200" dirty="0" err="1">
                 <a:latin typeface="+mn-ea"/>
                 <a:ea typeface="+mn-ea"/>
               </a:rPr>
               <a:t>버프</a:t>
             </a:r>
             <a:r>
-              <a:rPr lang="en-US" altLang="ko-KR" sz="1200" dirty="0" smtClean="0">
+              <a:rPr lang="en-US" altLang="ko-KR" sz="1200" dirty="0">
                 <a:latin typeface="+mn-ea"/>
                 <a:ea typeface="+mn-ea"/>
               </a:rPr>
               <a:t>/</a:t>
             </a:r>
             <a:r>
-              <a:rPr lang="ko-KR" altLang="en-US" sz="1200" dirty="0" err="1" smtClean="0">
+              <a:rPr lang="ko-KR" altLang="en-US" sz="1200" dirty="0" err="1">
                 <a:latin typeface="+mn-ea"/>
                 <a:ea typeface="+mn-ea"/>
               </a:rPr>
               <a:t>디버프가</a:t>
             </a:r>
             <a:r>
-              <a:rPr lang="ko-KR" altLang="en-US" sz="1200" dirty="0" smtClean="0">
+              <a:rPr lang="ko-KR" altLang="en-US" sz="1200" dirty="0">
                 <a:latin typeface="+mn-ea"/>
                 <a:ea typeface="+mn-ea"/>
               </a:rPr>
               <a:t> 적용된다</a:t>
             </a:r>
             <a:r>
-              <a:rPr lang="en-US" altLang="ko-KR" sz="1200" dirty="0" smtClean="0">
+              <a:rPr lang="en-US" altLang="ko-KR" sz="1200" dirty="0">
                 <a:latin typeface="+mn-ea"/>
                 <a:ea typeface="+mn-ea"/>
               </a:rPr>
               <a:t>.</a:t>
             </a:r>
-            <a:endParaRPr lang="en-US" altLang="ko-KR" sz="1200" dirty="0">
-              <a:latin typeface="+mn-ea"/>
-              <a:ea typeface="+mn-ea"/>
-            </a:endParaRPr>
           </a:p>
         </p:txBody>
       </p:sp>
@@ -33891,7 +33854,7 @@
           <p:cNvPr id="99" name="그룹 98">
             <a:extLst>
               <a:ext uri="{FF2B5EF4-FFF2-40B4-BE49-F238E27FC236}">
-                <a16:creationId xmlns:a16="http://schemas.microsoft.com/office/drawing/2014/main" xmlns="" id="{B0D22671-0346-8061-977F-E9E49F1B9942}"/>
+                <a16:creationId xmlns:a16="http://schemas.microsoft.com/office/drawing/2014/main" id="{B0D22671-0346-8061-977F-E9E49F1B9942}"/>
               </a:ext>
             </a:extLst>
           </p:cNvPr>
@@ -33914,7 +33877,7 @@
             <p:cNvPr id="140" name="Google Shape;225;p5">
               <a:extLst>
                 <a:ext uri="{FF2B5EF4-FFF2-40B4-BE49-F238E27FC236}">
-                  <a16:creationId xmlns:a16="http://schemas.microsoft.com/office/drawing/2014/main" xmlns="" id="{939543F8-15C7-4912-B7FA-3A69AD66E22B}"/>
+                  <a16:creationId xmlns:a16="http://schemas.microsoft.com/office/drawing/2014/main" id="{939543F8-15C7-4912-B7FA-3A69AD66E22B}"/>
                 </a:ext>
               </a:extLst>
             </p:cNvPr>
@@ -33975,7 +33938,7 @@
             <p:cNvPr id="141" name="Google Shape;226;p5">
               <a:extLst>
                 <a:ext uri="{FF2B5EF4-FFF2-40B4-BE49-F238E27FC236}">
-                  <a16:creationId xmlns:a16="http://schemas.microsoft.com/office/drawing/2014/main" xmlns="" id="{3B1A3F6D-922F-40B8-9D11-7041D88704AA}"/>
+                  <a16:creationId xmlns:a16="http://schemas.microsoft.com/office/drawing/2014/main" id="{3B1A3F6D-922F-40B8-9D11-7041D88704AA}"/>
                 </a:ext>
               </a:extLst>
             </p:cNvPr>
@@ -34038,7 +34001,7 @@
             <p:cNvPr id="142" name="Google Shape;227;p5">
               <a:extLst>
                 <a:ext uri="{FF2B5EF4-FFF2-40B4-BE49-F238E27FC236}">
-                  <a16:creationId xmlns:a16="http://schemas.microsoft.com/office/drawing/2014/main" xmlns="" id="{F279AED2-7D9F-4F8A-A80B-4BAFD93EC53F}"/>
+                  <a16:creationId xmlns:a16="http://schemas.microsoft.com/office/drawing/2014/main" id="{F279AED2-7D9F-4F8A-A80B-4BAFD93EC53F}"/>
                 </a:ext>
               </a:extLst>
             </p:cNvPr>
@@ -34093,7 +34056,7 @@
             <p:cNvPr id="143" name="Google Shape;229;p5">
               <a:extLst>
                 <a:ext uri="{FF2B5EF4-FFF2-40B4-BE49-F238E27FC236}">
-                  <a16:creationId xmlns:a16="http://schemas.microsoft.com/office/drawing/2014/main" xmlns="" id="{ABB137C5-5468-49E6-B59E-B73543740219}"/>
+                  <a16:creationId xmlns:a16="http://schemas.microsoft.com/office/drawing/2014/main" id="{ABB137C5-5468-49E6-B59E-B73543740219}"/>
                 </a:ext>
               </a:extLst>
             </p:cNvPr>
@@ -34148,7 +34111,7 @@
             <p:cNvPr id="144" name="Google Shape;231;p5">
               <a:extLst>
                 <a:ext uri="{FF2B5EF4-FFF2-40B4-BE49-F238E27FC236}">
-                  <a16:creationId xmlns:a16="http://schemas.microsoft.com/office/drawing/2014/main" xmlns="" id="{2B7C9FF9-3904-40CF-9A81-5B5AD8B75380}"/>
+                  <a16:creationId xmlns:a16="http://schemas.microsoft.com/office/drawing/2014/main" id="{2B7C9FF9-3904-40CF-9A81-5B5AD8B75380}"/>
                 </a:ext>
               </a:extLst>
             </p:cNvPr>
@@ -34209,7 +34172,7 @@
             <p:cNvPr id="145" name="Google Shape;232;p5">
               <a:extLst>
                 <a:ext uri="{FF2B5EF4-FFF2-40B4-BE49-F238E27FC236}">
-                  <a16:creationId xmlns:a16="http://schemas.microsoft.com/office/drawing/2014/main" xmlns="" id="{0475544F-CEE4-4470-A6A4-6D0BECB04716}"/>
+                  <a16:creationId xmlns:a16="http://schemas.microsoft.com/office/drawing/2014/main" id="{0475544F-CEE4-4470-A6A4-6D0BECB04716}"/>
                 </a:ext>
               </a:extLst>
             </p:cNvPr>
@@ -34270,7 +34233,7 @@
             <p:cNvPr id="146" name="Google Shape;234;p5">
               <a:extLst>
                 <a:ext uri="{FF2B5EF4-FFF2-40B4-BE49-F238E27FC236}">
-                  <a16:creationId xmlns:a16="http://schemas.microsoft.com/office/drawing/2014/main" xmlns="" id="{EEAC6096-7A42-4CF6-AFFE-F154B2D22863}"/>
+                  <a16:creationId xmlns:a16="http://schemas.microsoft.com/office/drawing/2014/main" id="{EEAC6096-7A42-4CF6-AFFE-F154B2D22863}"/>
                 </a:ext>
               </a:extLst>
             </p:cNvPr>
@@ -34333,7 +34296,7 @@
             <p:cNvPr id="147" name="Google Shape;235;p5">
               <a:extLst>
                 <a:ext uri="{FF2B5EF4-FFF2-40B4-BE49-F238E27FC236}">
-                  <a16:creationId xmlns:a16="http://schemas.microsoft.com/office/drawing/2014/main" xmlns="" id="{B75559D3-14F5-49CE-B80E-FB7DDD01A0CD}"/>
+                  <a16:creationId xmlns:a16="http://schemas.microsoft.com/office/drawing/2014/main" id="{B75559D3-14F5-49CE-B80E-FB7DDD01A0CD}"/>
                 </a:ext>
               </a:extLst>
             </p:cNvPr>
@@ -34388,7 +34351,7 @@
             <p:cNvPr id="148" name="Google Shape;237;p5">
               <a:extLst>
                 <a:ext uri="{FF2B5EF4-FFF2-40B4-BE49-F238E27FC236}">
-                  <a16:creationId xmlns:a16="http://schemas.microsoft.com/office/drawing/2014/main" xmlns="" id="{ECB5F8CA-B006-4CBC-8C33-4835E74EA08C}"/>
+                  <a16:creationId xmlns:a16="http://schemas.microsoft.com/office/drawing/2014/main" id="{ECB5F8CA-B006-4CBC-8C33-4835E74EA08C}"/>
                 </a:ext>
               </a:extLst>
             </p:cNvPr>
@@ -34451,7 +34414,7 @@
             <p:cNvPr id="149" name="Google Shape;238;p5">
               <a:extLst>
                 <a:ext uri="{FF2B5EF4-FFF2-40B4-BE49-F238E27FC236}">
-                  <a16:creationId xmlns:a16="http://schemas.microsoft.com/office/drawing/2014/main" xmlns="" id="{28630FEE-0004-4085-A019-10A211245A67}"/>
+                  <a16:creationId xmlns:a16="http://schemas.microsoft.com/office/drawing/2014/main" id="{28630FEE-0004-4085-A019-10A211245A67}"/>
                 </a:ext>
               </a:extLst>
             </p:cNvPr>
@@ -34506,7 +34469,7 @@
             <p:cNvPr id="152" name="Google Shape;240;p5">
               <a:extLst>
                 <a:ext uri="{FF2B5EF4-FFF2-40B4-BE49-F238E27FC236}">
-                  <a16:creationId xmlns:a16="http://schemas.microsoft.com/office/drawing/2014/main" xmlns="" id="{C07CBEFF-AC23-48EE-9AAC-1FA1D8A06680}"/>
+                  <a16:creationId xmlns:a16="http://schemas.microsoft.com/office/drawing/2014/main" id="{C07CBEFF-AC23-48EE-9AAC-1FA1D8A06680}"/>
                 </a:ext>
               </a:extLst>
             </p:cNvPr>
@@ -34567,7 +34530,7 @@
             <p:cNvPr id="154" name="Google Shape;241;p5">
               <a:extLst>
                 <a:ext uri="{FF2B5EF4-FFF2-40B4-BE49-F238E27FC236}">
-                  <a16:creationId xmlns:a16="http://schemas.microsoft.com/office/drawing/2014/main" xmlns="" id="{7B5E2799-9016-421C-90B2-8F7868573E65}"/>
+                  <a16:creationId xmlns:a16="http://schemas.microsoft.com/office/drawing/2014/main" id="{7B5E2799-9016-421C-90B2-8F7868573E65}"/>
                 </a:ext>
               </a:extLst>
             </p:cNvPr>
@@ -34628,7 +34591,7 @@
             <p:cNvPr id="156" name="Google Shape;244;p5">
               <a:extLst>
                 <a:ext uri="{FF2B5EF4-FFF2-40B4-BE49-F238E27FC236}">
-                  <a16:creationId xmlns:a16="http://schemas.microsoft.com/office/drawing/2014/main" xmlns="" id="{DDF56EF9-DF75-4F42-ABE9-769413AE8D65}"/>
+                  <a16:creationId xmlns:a16="http://schemas.microsoft.com/office/drawing/2014/main" id="{DDF56EF9-DF75-4F42-ABE9-769413AE8D65}"/>
                 </a:ext>
               </a:extLst>
             </p:cNvPr>
@@ -34691,7 +34654,7 @@
             <p:cNvPr id="157" name="Google Shape;245;p5">
               <a:extLst>
                 <a:ext uri="{FF2B5EF4-FFF2-40B4-BE49-F238E27FC236}">
-                  <a16:creationId xmlns:a16="http://schemas.microsoft.com/office/drawing/2014/main" xmlns="" id="{30F9EBDA-7D12-4358-BAA3-2AF5D9245942}"/>
+                  <a16:creationId xmlns:a16="http://schemas.microsoft.com/office/drawing/2014/main" id="{30F9EBDA-7D12-4358-BAA3-2AF5D9245942}"/>
                 </a:ext>
               </a:extLst>
             </p:cNvPr>
@@ -34754,7 +34717,7 @@
             <p:cNvPr id="158" name="Google Shape;246;p5">
               <a:extLst>
                 <a:ext uri="{FF2B5EF4-FFF2-40B4-BE49-F238E27FC236}">
-                  <a16:creationId xmlns:a16="http://schemas.microsoft.com/office/drawing/2014/main" xmlns="" id="{2A2D70C6-90B9-4CB4-BA29-CAC6D31397A5}"/>
+                  <a16:creationId xmlns:a16="http://schemas.microsoft.com/office/drawing/2014/main" id="{2A2D70C6-90B9-4CB4-BA29-CAC6D31397A5}"/>
                 </a:ext>
               </a:extLst>
             </p:cNvPr>
@@ -34809,7 +34772,7 @@
             <p:cNvPr id="159" name="Google Shape;248;p5">
               <a:extLst>
                 <a:ext uri="{FF2B5EF4-FFF2-40B4-BE49-F238E27FC236}">
-                  <a16:creationId xmlns:a16="http://schemas.microsoft.com/office/drawing/2014/main" xmlns="" id="{7F5CFE63-EF5B-4071-8429-2AAB6B8B7581}"/>
+                  <a16:creationId xmlns:a16="http://schemas.microsoft.com/office/drawing/2014/main" id="{7F5CFE63-EF5B-4071-8429-2AAB6B8B7581}"/>
                 </a:ext>
               </a:extLst>
             </p:cNvPr>
@@ -34864,7 +34827,7 @@
             <p:cNvPr id="160" name="Google Shape;250;p5">
               <a:extLst>
                 <a:ext uri="{FF2B5EF4-FFF2-40B4-BE49-F238E27FC236}">
-                  <a16:creationId xmlns:a16="http://schemas.microsoft.com/office/drawing/2014/main" xmlns="" id="{E6FE6F3F-4FA4-4563-A3E1-C0F66B51DE60}"/>
+                  <a16:creationId xmlns:a16="http://schemas.microsoft.com/office/drawing/2014/main" id="{E6FE6F3F-4FA4-4563-A3E1-C0F66B51DE60}"/>
                 </a:ext>
               </a:extLst>
             </p:cNvPr>
@@ -34927,7 +34890,7 @@
             <p:cNvPr id="161" name="Google Shape;251;p5">
               <a:extLst>
                 <a:ext uri="{FF2B5EF4-FFF2-40B4-BE49-F238E27FC236}">
-                  <a16:creationId xmlns:a16="http://schemas.microsoft.com/office/drawing/2014/main" xmlns="" id="{20779659-A168-40EB-B881-47EB493F0382}"/>
+                  <a16:creationId xmlns:a16="http://schemas.microsoft.com/office/drawing/2014/main" id="{20779659-A168-40EB-B881-47EB493F0382}"/>
                 </a:ext>
               </a:extLst>
             </p:cNvPr>
@@ -34988,7 +34951,7 @@
             <p:cNvPr id="162" name="Google Shape;253;p5">
               <a:extLst>
                 <a:ext uri="{FF2B5EF4-FFF2-40B4-BE49-F238E27FC236}">
-                  <a16:creationId xmlns:a16="http://schemas.microsoft.com/office/drawing/2014/main" xmlns="" id="{80894CCC-4639-4059-B4EA-49BB60527D29}"/>
+                  <a16:creationId xmlns:a16="http://schemas.microsoft.com/office/drawing/2014/main" id="{80894CCC-4639-4059-B4EA-49BB60527D29}"/>
                 </a:ext>
               </a:extLst>
             </p:cNvPr>
@@ -35051,7 +35014,7 @@
             <p:cNvPr id="163" name="Google Shape;254;p5">
               <a:extLst>
                 <a:ext uri="{FF2B5EF4-FFF2-40B4-BE49-F238E27FC236}">
-                  <a16:creationId xmlns:a16="http://schemas.microsoft.com/office/drawing/2014/main" xmlns="" id="{CC6BE0D9-0F7E-4CEE-8ADE-641A2B8BA585}"/>
+                  <a16:creationId xmlns:a16="http://schemas.microsoft.com/office/drawing/2014/main" id="{CC6BE0D9-0F7E-4CEE-8ADE-641A2B8BA585}"/>
                 </a:ext>
               </a:extLst>
             </p:cNvPr>
@@ -35114,7 +35077,7 @@
             <p:cNvPr id="164" name="Google Shape;255;p5">
               <a:extLst>
                 <a:ext uri="{FF2B5EF4-FFF2-40B4-BE49-F238E27FC236}">
-                  <a16:creationId xmlns:a16="http://schemas.microsoft.com/office/drawing/2014/main" xmlns="" id="{EB5807E3-0DBA-49E7-B0E7-3CDFF428FAA4}"/>
+                  <a16:creationId xmlns:a16="http://schemas.microsoft.com/office/drawing/2014/main" id="{EB5807E3-0DBA-49E7-B0E7-3CDFF428FAA4}"/>
                 </a:ext>
               </a:extLst>
             </p:cNvPr>
@@ -35177,7 +35140,7 @@
             <p:cNvPr id="165" name="Google Shape;256;p5">
               <a:extLst>
                 <a:ext uri="{FF2B5EF4-FFF2-40B4-BE49-F238E27FC236}">
-                  <a16:creationId xmlns:a16="http://schemas.microsoft.com/office/drawing/2014/main" xmlns="" id="{FBF41069-FFCA-4875-9ED6-AEDBE7ABBE22}"/>
+                  <a16:creationId xmlns:a16="http://schemas.microsoft.com/office/drawing/2014/main" id="{FBF41069-FFCA-4875-9ED6-AEDBE7ABBE22}"/>
                 </a:ext>
               </a:extLst>
             </p:cNvPr>
@@ -35240,7 +35203,7 @@
             <p:cNvPr id="166" name="Google Shape;257;p5">
               <a:extLst>
                 <a:ext uri="{FF2B5EF4-FFF2-40B4-BE49-F238E27FC236}">
-                  <a16:creationId xmlns:a16="http://schemas.microsoft.com/office/drawing/2014/main" xmlns="" id="{68722AA1-70B6-4111-93A8-1DAFEE187FA1}"/>
+                  <a16:creationId xmlns:a16="http://schemas.microsoft.com/office/drawing/2014/main" id="{68722AA1-70B6-4111-93A8-1DAFEE187FA1}"/>
                 </a:ext>
               </a:extLst>
             </p:cNvPr>
@@ -35301,7 +35264,7 @@
             <p:cNvPr id="167" name="Google Shape;258;p5">
               <a:extLst>
                 <a:ext uri="{FF2B5EF4-FFF2-40B4-BE49-F238E27FC236}">
-                  <a16:creationId xmlns:a16="http://schemas.microsoft.com/office/drawing/2014/main" xmlns="" id="{273B0725-298A-4328-8FB2-7C06B4A8DE32}"/>
+                  <a16:creationId xmlns:a16="http://schemas.microsoft.com/office/drawing/2014/main" id="{273B0725-298A-4328-8FB2-7C06B4A8DE32}"/>
                 </a:ext>
               </a:extLst>
             </p:cNvPr>
@@ -35362,7 +35325,7 @@
             <p:cNvPr id="168" name="Google Shape;260;p5">
               <a:extLst>
                 <a:ext uri="{FF2B5EF4-FFF2-40B4-BE49-F238E27FC236}">
-                  <a16:creationId xmlns:a16="http://schemas.microsoft.com/office/drawing/2014/main" xmlns="" id="{B7E111D1-6830-459B-A81F-B6AFB22A6947}"/>
+                  <a16:creationId xmlns:a16="http://schemas.microsoft.com/office/drawing/2014/main" id="{B7E111D1-6830-459B-A81F-B6AFB22A6947}"/>
                 </a:ext>
               </a:extLst>
             </p:cNvPr>
@@ -35423,7 +35386,7 @@
             <p:cNvPr id="169" name="Google Shape;261;p5">
               <a:extLst>
                 <a:ext uri="{FF2B5EF4-FFF2-40B4-BE49-F238E27FC236}">
-                  <a16:creationId xmlns:a16="http://schemas.microsoft.com/office/drawing/2014/main" xmlns="" id="{61F1BC2B-3B20-47C6-9DB3-C5B66EBB280E}"/>
+                  <a16:creationId xmlns:a16="http://schemas.microsoft.com/office/drawing/2014/main" id="{61F1BC2B-3B20-47C6-9DB3-C5B66EBB280E}"/>
                 </a:ext>
               </a:extLst>
             </p:cNvPr>
@@ -35486,7 +35449,7 @@
             <p:cNvPr id="170" name="Google Shape;262;p5">
               <a:extLst>
                 <a:ext uri="{FF2B5EF4-FFF2-40B4-BE49-F238E27FC236}">
-                  <a16:creationId xmlns:a16="http://schemas.microsoft.com/office/drawing/2014/main" xmlns="" id="{6C8ADEF5-0DDB-4F87-AD66-3EF3CA8FEE94}"/>
+                  <a16:creationId xmlns:a16="http://schemas.microsoft.com/office/drawing/2014/main" id="{6C8ADEF5-0DDB-4F87-AD66-3EF3CA8FEE94}"/>
                 </a:ext>
               </a:extLst>
             </p:cNvPr>
@@ -35549,7 +35512,7 @@
             <p:cNvPr id="171" name="Google Shape;263;p5">
               <a:extLst>
                 <a:ext uri="{FF2B5EF4-FFF2-40B4-BE49-F238E27FC236}">
-                  <a16:creationId xmlns:a16="http://schemas.microsoft.com/office/drawing/2014/main" xmlns="" id="{449C1977-56DF-468A-998F-5D476388D0F9}"/>
+                  <a16:creationId xmlns:a16="http://schemas.microsoft.com/office/drawing/2014/main" id="{449C1977-56DF-468A-998F-5D476388D0F9}"/>
                 </a:ext>
               </a:extLst>
             </p:cNvPr>
@@ -35612,7 +35575,7 @@
             <p:cNvPr id="172" name="Google Shape;264;p5">
               <a:extLst>
                 <a:ext uri="{FF2B5EF4-FFF2-40B4-BE49-F238E27FC236}">
-                  <a16:creationId xmlns:a16="http://schemas.microsoft.com/office/drawing/2014/main" xmlns="" id="{E2C3AB1E-C611-467F-A3D7-971382FA9B13}"/>
+                  <a16:creationId xmlns:a16="http://schemas.microsoft.com/office/drawing/2014/main" id="{E2C3AB1E-C611-467F-A3D7-971382FA9B13}"/>
                 </a:ext>
               </a:extLst>
             </p:cNvPr>
@@ -35673,7 +35636,7 @@
             <p:cNvPr id="173" name="Google Shape;265;p5">
               <a:extLst>
                 <a:ext uri="{FF2B5EF4-FFF2-40B4-BE49-F238E27FC236}">
-                  <a16:creationId xmlns:a16="http://schemas.microsoft.com/office/drawing/2014/main" xmlns="" id="{73136191-6D72-4D07-8315-AA8294F0441A}"/>
+                  <a16:creationId xmlns:a16="http://schemas.microsoft.com/office/drawing/2014/main" id="{73136191-6D72-4D07-8315-AA8294F0441A}"/>
                 </a:ext>
               </a:extLst>
             </p:cNvPr>
@@ -35735,7 +35698,7 @@
           <p:cNvPr id="174" name="그림 173">
             <a:extLst>
               <a:ext uri="{FF2B5EF4-FFF2-40B4-BE49-F238E27FC236}">
-                <a16:creationId xmlns:a16="http://schemas.microsoft.com/office/drawing/2014/main" xmlns="" id="{B6CF988E-0FDC-45AC-AE29-A91246C62D79}"/>
+                <a16:creationId xmlns:a16="http://schemas.microsoft.com/office/drawing/2014/main" id="{B6CF988E-0FDC-45AC-AE29-A91246C62D79}"/>
               </a:ext>
             </a:extLst>
           </p:cNvPr>
@@ -35771,7 +35734,7 @@
           <p:cNvPr id="176" name="타원 175">
             <a:extLst>
               <a:ext uri="{FF2B5EF4-FFF2-40B4-BE49-F238E27FC236}">
-                <a16:creationId xmlns:a16="http://schemas.microsoft.com/office/drawing/2014/main" xmlns="" id="{D83DF4FC-CF45-7DCB-BCBB-770452804D67}"/>
+                <a16:creationId xmlns:a16="http://schemas.microsoft.com/office/drawing/2014/main" id="{D83DF4FC-CF45-7DCB-BCBB-770452804D67}"/>
               </a:ext>
             </a:extLst>
           </p:cNvPr>
@@ -35824,7 +35787,7 @@
           <p:cNvPr id="179" name="TextBox 178">
             <a:extLst>
               <a:ext uri="{FF2B5EF4-FFF2-40B4-BE49-F238E27FC236}">
-                <a16:creationId xmlns:a16="http://schemas.microsoft.com/office/drawing/2014/main" xmlns="" id="{CC75C9D9-15F2-4CB0-A798-8F3CE0486109}"/>
+                <a16:creationId xmlns:a16="http://schemas.microsoft.com/office/drawing/2014/main" id="{CC75C9D9-15F2-4CB0-A798-8F3CE0486109}"/>
               </a:ext>
             </a:extLst>
           </p:cNvPr>
@@ -35853,21 +35816,21 @@
               </a:lnSpc>
             </a:pPr>
             <a:r>
-              <a:rPr lang="ko-KR" altLang="en-US" sz="1200" b="1" dirty="0" smtClean="0">
+              <a:rPr lang="ko-KR" altLang="en-US" sz="1200" b="1" dirty="0">
                 <a:latin typeface="+mn-ea"/>
                 <a:ea typeface="+mn-ea"/>
               </a:rPr>
               <a:t>광역 스킬 </a:t>
             </a:r>
             <a:r>
-              <a:rPr lang="en-US" altLang="ko-KR" sz="1200" b="1" dirty="0" smtClean="0">
+              <a:rPr lang="en-US" altLang="ko-KR" sz="1200" b="1" dirty="0">
                 <a:latin typeface="+mn-ea"/>
                 <a:ea typeface="+mn-ea"/>
               </a:rPr>
               <a:t>101001</a:t>
             </a:r>
             <a:r>
-              <a:rPr lang="ko-KR" altLang="en-US" sz="1200" b="1" dirty="0" smtClean="0">
+              <a:rPr lang="ko-KR" altLang="en-US" sz="1200" b="1" dirty="0">
                 <a:latin typeface="+mn-ea"/>
                 <a:ea typeface="+mn-ea"/>
               </a:rPr>
@@ -35885,7 +35848,7 @@
           <p:cNvPr id="180" name="그룹 179">
             <a:extLst>
               <a:ext uri="{FF2B5EF4-FFF2-40B4-BE49-F238E27FC236}">
-                <a16:creationId xmlns:a16="http://schemas.microsoft.com/office/drawing/2014/main" xmlns="" id="{1A1090DD-64BD-E728-22E9-44D248DFB6AF}"/>
+                <a16:creationId xmlns:a16="http://schemas.microsoft.com/office/drawing/2014/main" id="{1A1090DD-64BD-E728-22E9-44D248DFB6AF}"/>
               </a:ext>
             </a:extLst>
           </p:cNvPr>
@@ -35908,7 +35871,7 @@
             <p:cNvPr id="181" name="Google Shape;225;p5">
               <a:extLst>
                 <a:ext uri="{FF2B5EF4-FFF2-40B4-BE49-F238E27FC236}">
-                  <a16:creationId xmlns:a16="http://schemas.microsoft.com/office/drawing/2014/main" xmlns="" id="{7FF31F27-F67D-554A-E9FD-98FCE37F1A89}"/>
+                  <a16:creationId xmlns:a16="http://schemas.microsoft.com/office/drawing/2014/main" id="{7FF31F27-F67D-554A-E9FD-98FCE37F1A89}"/>
                 </a:ext>
               </a:extLst>
             </p:cNvPr>
@@ -35969,7 +35932,7 @@
             <p:cNvPr id="182" name="Google Shape;226;p5">
               <a:extLst>
                 <a:ext uri="{FF2B5EF4-FFF2-40B4-BE49-F238E27FC236}">
-                  <a16:creationId xmlns:a16="http://schemas.microsoft.com/office/drawing/2014/main" xmlns="" id="{5D7F1D87-1693-AA1D-FF3D-BB4F8227B777}"/>
+                  <a16:creationId xmlns:a16="http://schemas.microsoft.com/office/drawing/2014/main" id="{5D7F1D87-1693-AA1D-FF3D-BB4F8227B777}"/>
                 </a:ext>
               </a:extLst>
             </p:cNvPr>
@@ -36030,7 +35993,7 @@
             <p:cNvPr id="183" name="Google Shape;227;p5">
               <a:extLst>
                 <a:ext uri="{FF2B5EF4-FFF2-40B4-BE49-F238E27FC236}">
-                  <a16:creationId xmlns:a16="http://schemas.microsoft.com/office/drawing/2014/main" xmlns="" id="{BA51022D-E065-67BC-D25F-8E69DBBF78BE}"/>
+                  <a16:creationId xmlns:a16="http://schemas.microsoft.com/office/drawing/2014/main" id="{BA51022D-E065-67BC-D25F-8E69DBBF78BE}"/>
                 </a:ext>
               </a:extLst>
             </p:cNvPr>
@@ -36083,7 +36046,7 @@
             <p:cNvPr id="184" name="Google Shape;229;p5">
               <a:extLst>
                 <a:ext uri="{FF2B5EF4-FFF2-40B4-BE49-F238E27FC236}">
-                  <a16:creationId xmlns:a16="http://schemas.microsoft.com/office/drawing/2014/main" xmlns="" id="{9344447E-F4CE-6E08-4AB0-682F96FA367F}"/>
+                  <a16:creationId xmlns:a16="http://schemas.microsoft.com/office/drawing/2014/main" id="{9344447E-F4CE-6E08-4AB0-682F96FA367F}"/>
                 </a:ext>
               </a:extLst>
             </p:cNvPr>
@@ -36136,7 +36099,7 @@
             <p:cNvPr id="185" name="Google Shape;231;p5">
               <a:extLst>
                 <a:ext uri="{FF2B5EF4-FFF2-40B4-BE49-F238E27FC236}">
-                  <a16:creationId xmlns:a16="http://schemas.microsoft.com/office/drawing/2014/main" xmlns="" id="{613AD46A-77B5-D1F8-BA62-2265F1C67676}"/>
+                  <a16:creationId xmlns:a16="http://schemas.microsoft.com/office/drawing/2014/main" id="{613AD46A-77B5-D1F8-BA62-2265F1C67676}"/>
                 </a:ext>
               </a:extLst>
             </p:cNvPr>
@@ -36197,7 +36160,7 @@
             <p:cNvPr id="186" name="Google Shape;232;p5">
               <a:extLst>
                 <a:ext uri="{FF2B5EF4-FFF2-40B4-BE49-F238E27FC236}">
-                  <a16:creationId xmlns:a16="http://schemas.microsoft.com/office/drawing/2014/main" xmlns="" id="{8D057FEF-D3D3-44A6-6082-81CCA3A10AAD}"/>
+                  <a16:creationId xmlns:a16="http://schemas.microsoft.com/office/drawing/2014/main" id="{8D057FEF-D3D3-44A6-6082-81CCA3A10AAD}"/>
                 </a:ext>
               </a:extLst>
             </p:cNvPr>
@@ -36258,7 +36221,7 @@
             <p:cNvPr id="187" name="Google Shape;234;p5">
               <a:extLst>
                 <a:ext uri="{FF2B5EF4-FFF2-40B4-BE49-F238E27FC236}">
-                  <a16:creationId xmlns:a16="http://schemas.microsoft.com/office/drawing/2014/main" xmlns="" id="{939B94E7-E0D4-C077-DFD6-4938AB01BEB6}"/>
+                  <a16:creationId xmlns:a16="http://schemas.microsoft.com/office/drawing/2014/main" id="{939B94E7-E0D4-C077-DFD6-4938AB01BEB6}"/>
                 </a:ext>
               </a:extLst>
             </p:cNvPr>
@@ -36319,7 +36282,7 @@
             <p:cNvPr id="188" name="Google Shape;235;p5">
               <a:extLst>
                 <a:ext uri="{FF2B5EF4-FFF2-40B4-BE49-F238E27FC236}">
-                  <a16:creationId xmlns:a16="http://schemas.microsoft.com/office/drawing/2014/main" xmlns="" id="{53D24812-C116-983A-737D-ECD34F458234}"/>
+                  <a16:creationId xmlns:a16="http://schemas.microsoft.com/office/drawing/2014/main" id="{53D24812-C116-983A-737D-ECD34F458234}"/>
                 </a:ext>
               </a:extLst>
             </p:cNvPr>
@@ -36372,7 +36335,7 @@
             <p:cNvPr id="189" name="Google Shape;237;p5">
               <a:extLst>
                 <a:ext uri="{FF2B5EF4-FFF2-40B4-BE49-F238E27FC236}">
-                  <a16:creationId xmlns:a16="http://schemas.microsoft.com/office/drawing/2014/main" xmlns="" id="{B83245AB-2E14-CD89-E516-B7BA0D150ACF}"/>
+                  <a16:creationId xmlns:a16="http://schemas.microsoft.com/office/drawing/2014/main" id="{B83245AB-2E14-CD89-E516-B7BA0D150ACF}"/>
                 </a:ext>
               </a:extLst>
             </p:cNvPr>
@@ -36433,7 +36396,7 @@
             <p:cNvPr id="190" name="Google Shape;238;p5">
               <a:extLst>
                 <a:ext uri="{FF2B5EF4-FFF2-40B4-BE49-F238E27FC236}">
-                  <a16:creationId xmlns:a16="http://schemas.microsoft.com/office/drawing/2014/main" xmlns="" id="{1BFE84DB-9DEA-9952-A816-7287FD8D75AF}"/>
+                  <a16:creationId xmlns:a16="http://schemas.microsoft.com/office/drawing/2014/main" id="{1BFE84DB-9DEA-9952-A816-7287FD8D75AF}"/>
                 </a:ext>
               </a:extLst>
             </p:cNvPr>
@@ -36486,7 +36449,7 @@
             <p:cNvPr id="191" name="Google Shape;240;p5">
               <a:extLst>
                 <a:ext uri="{FF2B5EF4-FFF2-40B4-BE49-F238E27FC236}">
-                  <a16:creationId xmlns:a16="http://schemas.microsoft.com/office/drawing/2014/main" xmlns="" id="{62823C2E-0F0C-4204-73DD-05F0628CBBEC}"/>
+                  <a16:creationId xmlns:a16="http://schemas.microsoft.com/office/drawing/2014/main" id="{62823C2E-0F0C-4204-73DD-05F0628CBBEC}"/>
                 </a:ext>
               </a:extLst>
             </p:cNvPr>
@@ -36547,7 +36510,7 @@
             <p:cNvPr id="192" name="Google Shape;241;p5">
               <a:extLst>
                 <a:ext uri="{FF2B5EF4-FFF2-40B4-BE49-F238E27FC236}">
-                  <a16:creationId xmlns:a16="http://schemas.microsoft.com/office/drawing/2014/main" xmlns="" id="{F759B8FD-C18E-C816-A689-DC4D36C18495}"/>
+                  <a16:creationId xmlns:a16="http://schemas.microsoft.com/office/drawing/2014/main" id="{F759B8FD-C18E-C816-A689-DC4D36C18495}"/>
                 </a:ext>
               </a:extLst>
             </p:cNvPr>
@@ -36608,7 +36571,7 @@
             <p:cNvPr id="193" name="Google Shape;244;p5">
               <a:extLst>
                 <a:ext uri="{FF2B5EF4-FFF2-40B4-BE49-F238E27FC236}">
-                  <a16:creationId xmlns:a16="http://schemas.microsoft.com/office/drawing/2014/main" xmlns="" id="{F3C52BF1-EC20-BE34-542E-E47272C2ABAD}"/>
+                  <a16:creationId xmlns:a16="http://schemas.microsoft.com/office/drawing/2014/main" id="{F3C52BF1-EC20-BE34-542E-E47272C2ABAD}"/>
                 </a:ext>
               </a:extLst>
             </p:cNvPr>
@@ -36669,7 +36632,7 @@
             <p:cNvPr id="194" name="Google Shape;245;p5">
               <a:extLst>
                 <a:ext uri="{FF2B5EF4-FFF2-40B4-BE49-F238E27FC236}">
-                  <a16:creationId xmlns:a16="http://schemas.microsoft.com/office/drawing/2014/main" xmlns="" id="{FD8850F5-EB3D-6B4E-6E2F-55A0D5188ADD}"/>
+                  <a16:creationId xmlns:a16="http://schemas.microsoft.com/office/drawing/2014/main" id="{FD8850F5-EB3D-6B4E-6E2F-55A0D5188ADD}"/>
                 </a:ext>
               </a:extLst>
             </p:cNvPr>
@@ -36730,7 +36693,7 @@
             <p:cNvPr id="195" name="Google Shape;246;p5">
               <a:extLst>
                 <a:ext uri="{FF2B5EF4-FFF2-40B4-BE49-F238E27FC236}">
-                  <a16:creationId xmlns:a16="http://schemas.microsoft.com/office/drawing/2014/main" xmlns="" id="{BCDCC166-3455-C213-029D-535C0220E8F9}"/>
+                  <a16:creationId xmlns:a16="http://schemas.microsoft.com/office/drawing/2014/main" id="{BCDCC166-3455-C213-029D-535C0220E8F9}"/>
                 </a:ext>
               </a:extLst>
             </p:cNvPr>
@@ -36783,7 +36746,7 @@
             <p:cNvPr id="196" name="Google Shape;248;p5">
               <a:extLst>
                 <a:ext uri="{FF2B5EF4-FFF2-40B4-BE49-F238E27FC236}">
-                  <a16:creationId xmlns:a16="http://schemas.microsoft.com/office/drawing/2014/main" xmlns="" id="{2E14F881-2172-4ADA-51FB-F8BD13467F3C}"/>
+                  <a16:creationId xmlns:a16="http://schemas.microsoft.com/office/drawing/2014/main" id="{2E14F881-2172-4ADA-51FB-F8BD13467F3C}"/>
                 </a:ext>
               </a:extLst>
             </p:cNvPr>
@@ -36836,7 +36799,7 @@
             <p:cNvPr id="197" name="Google Shape;250;p5">
               <a:extLst>
                 <a:ext uri="{FF2B5EF4-FFF2-40B4-BE49-F238E27FC236}">
-                  <a16:creationId xmlns:a16="http://schemas.microsoft.com/office/drawing/2014/main" xmlns="" id="{BBEA52A4-0179-03D1-6D75-CE669AC4B800}"/>
+                  <a16:creationId xmlns:a16="http://schemas.microsoft.com/office/drawing/2014/main" id="{BBEA52A4-0179-03D1-6D75-CE669AC4B800}"/>
                 </a:ext>
               </a:extLst>
             </p:cNvPr>
@@ -36899,7 +36862,7 @@
             <p:cNvPr id="198" name="Google Shape;251;p5">
               <a:extLst>
                 <a:ext uri="{FF2B5EF4-FFF2-40B4-BE49-F238E27FC236}">
-                  <a16:creationId xmlns:a16="http://schemas.microsoft.com/office/drawing/2014/main" xmlns="" id="{0F00750D-7772-7633-7692-EDC9AB30A390}"/>
+                  <a16:creationId xmlns:a16="http://schemas.microsoft.com/office/drawing/2014/main" id="{0F00750D-7772-7633-7692-EDC9AB30A390}"/>
                 </a:ext>
               </a:extLst>
             </p:cNvPr>
@@ -36960,7 +36923,7 @@
             <p:cNvPr id="199" name="Google Shape;253;p5">
               <a:extLst>
                 <a:ext uri="{FF2B5EF4-FFF2-40B4-BE49-F238E27FC236}">
-                  <a16:creationId xmlns:a16="http://schemas.microsoft.com/office/drawing/2014/main" xmlns="" id="{97C3A06E-339F-1F34-C9E9-3AA1B197F0ED}"/>
+                  <a16:creationId xmlns:a16="http://schemas.microsoft.com/office/drawing/2014/main" id="{97C3A06E-339F-1F34-C9E9-3AA1B197F0ED}"/>
                 </a:ext>
               </a:extLst>
             </p:cNvPr>
@@ -37021,7 +36984,7 @@
             <p:cNvPr id="200" name="Google Shape;254;p5">
               <a:extLst>
                 <a:ext uri="{FF2B5EF4-FFF2-40B4-BE49-F238E27FC236}">
-                  <a16:creationId xmlns:a16="http://schemas.microsoft.com/office/drawing/2014/main" xmlns="" id="{17B632D0-498A-491D-0F94-B0A253145371}"/>
+                  <a16:creationId xmlns:a16="http://schemas.microsoft.com/office/drawing/2014/main" id="{17B632D0-498A-491D-0F94-B0A253145371}"/>
                 </a:ext>
               </a:extLst>
             </p:cNvPr>
@@ -37082,7 +37045,7 @@
             <p:cNvPr id="201" name="Google Shape;255;p5">
               <a:extLst>
                 <a:ext uri="{FF2B5EF4-FFF2-40B4-BE49-F238E27FC236}">
-                  <a16:creationId xmlns:a16="http://schemas.microsoft.com/office/drawing/2014/main" xmlns="" id="{FA5B3521-BBE3-FA9F-D5F6-740907F651A5}"/>
+                  <a16:creationId xmlns:a16="http://schemas.microsoft.com/office/drawing/2014/main" id="{FA5B3521-BBE3-FA9F-D5F6-740907F651A5}"/>
                 </a:ext>
               </a:extLst>
             </p:cNvPr>
@@ -37143,7 +37106,7 @@
             <p:cNvPr id="202" name="Google Shape;256;p5">
               <a:extLst>
                 <a:ext uri="{FF2B5EF4-FFF2-40B4-BE49-F238E27FC236}">
-                  <a16:creationId xmlns:a16="http://schemas.microsoft.com/office/drawing/2014/main" xmlns="" id="{964D9183-A9E2-381F-8610-995462332D8A}"/>
+                  <a16:creationId xmlns:a16="http://schemas.microsoft.com/office/drawing/2014/main" id="{964D9183-A9E2-381F-8610-995462332D8A}"/>
                 </a:ext>
               </a:extLst>
             </p:cNvPr>
@@ -37204,7 +37167,7 @@
             <p:cNvPr id="203" name="Google Shape;257;p5">
               <a:extLst>
                 <a:ext uri="{FF2B5EF4-FFF2-40B4-BE49-F238E27FC236}">
-                  <a16:creationId xmlns:a16="http://schemas.microsoft.com/office/drawing/2014/main" xmlns="" id="{F84D7715-E29F-5004-6461-5E67404EF625}"/>
+                  <a16:creationId xmlns:a16="http://schemas.microsoft.com/office/drawing/2014/main" id="{F84D7715-E29F-5004-6461-5E67404EF625}"/>
                 </a:ext>
               </a:extLst>
             </p:cNvPr>
@@ -37265,7 +37228,7 @@
             <p:cNvPr id="204" name="Google Shape;258;p5">
               <a:extLst>
                 <a:ext uri="{FF2B5EF4-FFF2-40B4-BE49-F238E27FC236}">
-                  <a16:creationId xmlns:a16="http://schemas.microsoft.com/office/drawing/2014/main" xmlns="" id="{BDB6123C-D785-FAE5-1DF4-6E5AD762FB2D}"/>
+                  <a16:creationId xmlns:a16="http://schemas.microsoft.com/office/drawing/2014/main" id="{BDB6123C-D785-FAE5-1DF4-6E5AD762FB2D}"/>
                 </a:ext>
               </a:extLst>
             </p:cNvPr>
@@ -37326,7 +37289,7 @@
             <p:cNvPr id="205" name="Google Shape;260;p5">
               <a:extLst>
                 <a:ext uri="{FF2B5EF4-FFF2-40B4-BE49-F238E27FC236}">
-                  <a16:creationId xmlns:a16="http://schemas.microsoft.com/office/drawing/2014/main" xmlns="" id="{F344FDCB-830E-0A65-5D06-5534711A4E00}"/>
+                  <a16:creationId xmlns:a16="http://schemas.microsoft.com/office/drawing/2014/main" id="{F344FDCB-830E-0A65-5D06-5534711A4E00}"/>
                 </a:ext>
               </a:extLst>
             </p:cNvPr>
@@ -37387,7 +37350,7 @@
             <p:cNvPr id="206" name="Google Shape;261;p5">
               <a:extLst>
                 <a:ext uri="{FF2B5EF4-FFF2-40B4-BE49-F238E27FC236}">
-                  <a16:creationId xmlns:a16="http://schemas.microsoft.com/office/drawing/2014/main" xmlns="" id="{3C0F15DE-2BE2-F0F3-F4BC-0FAC2BD31696}"/>
+                  <a16:creationId xmlns:a16="http://schemas.microsoft.com/office/drawing/2014/main" id="{3C0F15DE-2BE2-F0F3-F4BC-0FAC2BD31696}"/>
                 </a:ext>
               </a:extLst>
             </p:cNvPr>
@@ -37448,7 +37411,7 @@
             <p:cNvPr id="207" name="Google Shape;262;p5">
               <a:extLst>
                 <a:ext uri="{FF2B5EF4-FFF2-40B4-BE49-F238E27FC236}">
-                  <a16:creationId xmlns:a16="http://schemas.microsoft.com/office/drawing/2014/main" xmlns="" id="{65625AF9-9A9E-32D0-ACD2-3B7EAD71E016}"/>
+                  <a16:creationId xmlns:a16="http://schemas.microsoft.com/office/drawing/2014/main" id="{65625AF9-9A9E-32D0-ACD2-3B7EAD71E016}"/>
                 </a:ext>
               </a:extLst>
             </p:cNvPr>
@@ -37509,7 +37472,7 @@
             <p:cNvPr id="208" name="Google Shape;263;p5">
               <a:extLst>
                 <a:ext uri="{FF2B5EF4-FFF2-40B4-BE49-F238E27FC236}">
-                  <a16:creationId xmlns:a16="http://schemas.microsoft.com/office/drawing/2014/main" xmlns="" id="{3A97F7E3-DA42-7DFF-F98A-ED86237A1EB8}"/>
+                  <a16:creationId xmlns:a16="http://schemas.microsoft.com/office/drawing/2014/main" id="{3A97F7E3-DA42-7DFF-F98A-ED86237A1EB8}"/>
                 </a:ext>
               </a:extLst>
             </p:cNvPr>
@@ -37570,7 +37533,7 @@
             <p:cNvPr id="209" name="Google Shape;264;p5">
               <a:extLst>
                 <a:ext uri="{FF2B5EF4-FFF2-40B4-BE49-F238E27FC236}">
-                  <a16:creationId xmlns:a16="http://schemas.microsoft.com/office/drawing/2014/main" xmlns="" id="{26D24AC0-4F32-F4A9-5B38-D6BEB75CAFD6}"/>
+                  <a16:creationId xmlns:a16="http://schemas.microsoft.com/office/drawing/2014/main" id="{26D24AC0-4F32-F4A9-5B38-D6BEB75CAFD6}"/>
                 </a:ext>
               </a:extLst>
             </p:cNvPr>
@@ -37631,7 +37594,7 @@
             <p:cNvPr id="210" name="Google Shape;265;p5">
               <a:extLst>
                 <a:ext uri="{FF2B5EF4-FFF2-40B4-BE49-F238E27FC236}">
-                  <a16:creationId xmlns:a16="http://schemas.microsoft.com/office/drawing/2014/main" xmlns="" id="{BFD7B7FC-8B42-FD1D-3CD7-B90619ACBD0A}"/>
+                  <a16:creationId xmlns:a16="http://schemas.microsoft.com/office/drawing/2014/main" id="{BFD7B7FC-8B42-FD1D-3CD7-B90619ACBD0A}"/>
                 </a:ext>
               </a:extLst>
             </p:cNvPr>
@@ -37693,7 +37656,7 @@
           <p:cNvPr id="211" name="그림 210">
             <a:extLst>
               <a:ext uri="{FF2B5EF4-FFF2-40B4-BE49-F238E27FC236}">
-                <a16:creationId xmlns:a16="http://schemas.microsoft.com/office/drawing/2014/main" xmlns="" id="{FA4B5FCB-9D26-C9E5-C8D5-CB8603C86130}"/>
+                <a16:creationId xmlns:a16="http://schemas.microsoft.com/office/drawing/2014/main" id="{FA4B5FCB-9D26-C9E5-C8D5-CB8603C86130}"/>
               </a:ext>
             </a:extLst>
           </p:cNvPr>
@@ -37729,7 +37692,7 @@
           <p:cNvPr id="213" name="타원 212">
             <a:extLst>
               <a:ext uri="{FF2B5EF4-FFF2-40B4-BE49-F238E27FC236}">
-                <a16:creationId xmlns:a16="http://schemas.microsoft.com/office/drawing/2014/main" xmlns="" id="{4FD8199D-E27A-0E0C-12CA-93CB84A32E77}"/>
+                <a16:creationId xmlns:a16="http://schemas.microsoft.com/office/drawing/2014/main" id="{4FD8199D-E27A-0E0C-12CA-93CB84A32E77}"/>
               </a:ext>
             </a:extLst>
           </p:cNvPr>
@@ -37782,7 +37745,7 @@
           <p:cNvPr id="214" name="TextBox 213">
             <a:extLst>
               <a:ext uri="{FF2B5EF4-FFF2-40B4-BE49-F238E27FC236}">
-                <a16:creationId xmlns:a16="http://schemas.microsoft.com/office/drawing/2014/main" xmlns="" id="{CC75C9D9-15F2-4CB0-A798-8F3CE0486109}"/>
+                <a16:creationId xmlns:a16="http://schemas.microsoft.com/office/drawing/2014/main" id="{CC75C9D9-15F2-4CB0-A798-8F3CE0486109}"/>
               </a:ext>
             </a:extLst>
           </p:cNvPr>
@@ -37811,21 +37774,21 @@
               </a:lnSpc>
             </a:pPr>
             <a:r>
-              <a:rPr lang="ko-KR" altLang="en-US" sz="1200" b="1" dirty="0" smtClean="0">
+              <a:rPr lang="ko-KR" altLang="en-US" sz="1200" b="1" dirty="0">
                 <a:latin typeface="+mn-ea"/>
                 <a:ea typeface="+mn-ea"/>
               </a:rPr>
               <a:t>이후 대상 지정 </a:t>
             </a:r>
             <a:r>
-              <a:rPr lang="en-US" altLang="ko-KR" sz="1200" b="1" dirty="0" smtClean="0">
+              <a:rPr lang="en-US" altLang="ko-KR" sz="1200" b="1" dirty="0">
                 <a:latin typeface="+mn-ea"/>
                 <a:ea typeface="+mn-ea"/>
               </a:rPr>
               <a:t>101002</a:t>
             </a:r>
             <a:r>
-              <a:rPr lang="ko-KR" altLang="en-US" sz="1200" b="1" dirty="0" smtClean="0">
+              <a:rPr lang="ko-KR" altLang="en-US" sz="1200" b="1" dirty="0">
                 <a:latin typeface="+mn-ea"/>
                 <a:ea typeface="+mn-ea"/>
               </a:rPr>
